--- a/images/board/res/v1p2/board-func.pptx
+++ b/images/board/res/v1p2/board-func.pptx
@@ -6,7 +6,6 @@
   </p:sldMasterIdLst>
   <p:sldIdLst>
     <p:sldId id="257" r:id="rId2"/>
-    <p:sldId id="258" r:id="rId3"/>
   </p:sldIdLst>
   <p:sldSz cx="12192000" cy="6858000"/>
   <p:notesSz cx="6858000" cy="9144000"/>
@@ -260,7 +259,7 @@
           <a:p>
             <a:fld id="{218E8BA1-138C-47D2-BA8C-01EFD2FE07C9}" type="datetimeFigureOut">
               <a:rPr lang="zh-CN" altLang="en-US" smtClean="0"/>
-              <a:t>2023/9/8</a:t>
+              <a:t>2023/9/18</a:t>
             </a:fld>
             <a:endParaRPr lang="zh-CN" altLang="en-US"/>
           </a:p>
@@ -458,7 +457,7 @@
           <a:p>
             <a:fld id="{218E8BA1-138C-47D2-BA8C-01EFD2FE07C9}" type="datetimeFigureOut">
               <a:rPr lang="zh-CN" altLang="en-US" smtClean="0"/>
-              <a:t>2023/9/8</a:t>
+              <a:t>2023/9/18</a:t>
             </a:fld>
             <a:endParaRPr lang="zh-CN" altLang="en-US"/>
           </a:p>
@@ -666,7 +665,7 @@
           <a:p>
             <a:fld id="{218E8BA1-138C-47D2-BA8C-01EFD2FE07C9}" type="datetimeFigureOut">
               <a:rPr lang="zh-CN" altLang="en-US" smtClean="0"/>
-              <a:t>2023/9/8</a:t>
+              <a:t>2023/9/18</a:t>
             </a:fld>
             <a:endParaRPr lang="zh-CN" altLang="en-US"/>
           </a:p>
@@ -864,7 +863,7 @@
           <a:p>
             <a:fld id="{218E8BA1-138C-47D2-BA8C-01EFD2FE07C9}" type="datetimeFigureOut">
               <a:rPr lang="zh-CN" altLang="en-US" smtClean="0"/>
-              <a:t>2023/9/8</a:t>
+              <a:t>2023/9/18</a:t>
             </a:fld>
             <a:endParaRPr lang="zh-CN" altLang="en-US"/>
           </a:p>
@@ -1139,7 +1138,7 @@
           <a:p>
             <a:fld id="{218E8BA1-138C-47D2-BA8C-01EFD2FE07C9}" type="datetimeFigureOut">
               <a:rPr lang="zh-CN" altLang="en-US" smtClean="0"/>
-              <a:t>2023/9/8</a:t>
+              <a:t>2023/9/18</a:t>
             </a:fld>
             <a:endParaRPr lang="zh-CN" altLang="en-US"/>
           </a:p>
@@ -1404,7 +1403,7 @@
           <a:p>
             <a:fld id="{218E8BA1-138C-47D2-BA8C-01EFD2FE07C9}" type="datetimeFigureOut">
               <a:rPr lang="zh-CN" altLang="en-US" smtClean="0"/>
-              <a:t>2023/9/8</a:t>
+              <a:t>2023/9/18</a:t>
             </a:fld>
             <a:endParaRPr lang="zh-CN" altLang="en-US"/>
           </a:p>
@@ -1816,7 +1815,7 @@
           <a:p>
             <a:fld id="{218E8BA1-138C-47D2-BA8C-01EFD2FE07C9}" type="datetimeFigureOut">
               <a:rPr lang="zh-CN" altLang="en-US" smtClean="0"/>
-              <a:t>2023/9/8</a:t>
+              <a:t>2023/9/18</a:t>
             </a:fld>
             <a:endParaRPr lang="zh-CN" altLang="en-US"/>
           </a:p>
@@ -1957,7 +1956,7 @@
           <a:p>
             <a:fld id="{218E8BA1-138C-47D2-BA8C-01EFD2FE07C9}" type="datetimeFigureOut">
               <a:rPr lang="zh-CN" altLang="en-US" smtClean="0"/>
-              <a:t>2023/9/8</a:t>
+              <a:t>2023/9/18</a:t>
             </a:fld>
             <a:endParaRPr lang="zh-CN" altLang="en-US"/>
           </a:p>
@@ -2070,7 +2069,7 @@
           <a:p>
             <a:fld id="{218E8BA1-138C-47D2-BA8C-01EFD2FE07C9}" type="datetimeFigureOut">
               <a:rPr lang="zh-CN" altLang="en-US" smtClean="0"/>
-              <a:t>2023/9/8</a:t>
+              <a:t>2023/9/18</a:t>
             </a:fld>
             <a:endParaRPr lang="zh-CN" altLang="en-US"/>
           </a:p>
@@ -2381,7 +2380,7 @@
           <a:p>
             <a:fld id="{218E8BA1-138C-47D2-BA8C-01EFD2FE07C9}" type="datetimeFigureOut">
               <a:rPr lang="zh-CN" altLang="en-US" smtClean="0"/>
-              <a:t>2023/9/8</a:t>
+              <a:t>2023/9/18</a:t>
             </a:fld>
             <a:endParaRPr lang="zh-CN" altLang="en-US"/>
           </a:p>
@@ -2669,7 +2668,7 @@
           <a:p>
             <a:fld id="{218E8BA1-138C-47D2-BA8C-01EFD2FE07C9}" type="datetimeFigureOut">
               <a:rPr lang="zh-CN" altLang="en-US" smtClean="0"/>
-              <a:t>2023/9/8</a:t>
+              <a:t>2023/9/18</a:t>
             </a:fld>
             <a:endParaRPr lang="zh-CN" altLang="en-US"/>
           </a:p>
@@ -2910,7 +2909,7 @@
           <a:p>
             <a:fld id="{218E8BA1-138C-47D2-BA8C-01EFD2FE07C9}" type="datetimeFigureOut">
               <a:rPr lang="zh-CN" altLang="en-US" smtClean="0"/>
-              <a:t>2023/9/8</a:t>
+              <a:t>2023/9/18</a:t>
             </a:fld>
             <a:endParaRPr lang="zh-CN" altLang="en-US"/>
           </a:p>
@@ -9385,6081 +9384,6 @@
 </p:sld>
 </file>
 
-<file path=ppt/slides/slide2.xml><?xml version="1.0" encoding="utf-8"?>
-<p:sld xmlns:a="http://schemas.openxmlformats.org/drawingml/2006/main" xmlns:r="http://schemas.openxmlformats.org/officeDocument/2006/relationships" xmlns:p="http://schemas.openxmlformats.org/presentationml/2006/main">
-  <p:cSld>
-    <p:spTree>
-      <p:nvGrpSpPr>
-        <p:cNvPr id="1" name=""/>
-        <p:cNvGrpSpPr/>
-        <p:nvPr/>
-      </p:nvGrpSpPr>
-      <p:grpSpPr>
-        <a:xfrm>
-          <a:off x="0" y="0"/>
-          <a:ext cx="0" cy="0"/>
-          <a:chOff x="0" y="0"/>
-          <a:chExt cx="0" cy="0"/>
-        </a:xfrm>
-      </p:grpSpPr>
-      <p:pic>
-        <p:nvPicPr>
-          <p:cNvPr id="5" name="内容占位符 4">
-            <a:extLst>
-              <a:ext uri="{FF2B5EF4-FFF2-40B4-BE49-F238E27FC236}">
-                <a16:creationId xmlns:a16="http://schemas.microsoft.com/office/drawing/2014/main" id="{8C389B5B-B209-D89D-0C99-A577035D968F}"/>
-              </a:ext>
-            </a:extLst>
-          </p:cNvPr>
-          <p:cNvPicPr>
-            <a:picLocks noGrp="1" noRot="1" noChangeAspect="1" noMove="1" noResize="1" noEditPoints="1" noAdjustHandles="1" noChangeArrowheads="1" noChangeShapeType="1" noCrop="1"/>
-          </p:cNvPicPr>
-          <p:nvPr>
-            <p:ph idx="1"/>
-          </p:nvPr>
-        </p:nvPicPr>
-        <p:blipFill>
-          <a:blip r:embed="rId2">
-            <a:extLst>
-              <a:ext uri="{28A0092B-C50C-407E-A947-70E740481C1C}">
-                <a14:useLocalDpi xmlns:a14="http://schemas.microsoft.com/office/drawing/2010/main" val="0"/>
-              </a:ext>
-            </a:extLst>
-          </a:blip>
-          <a:stretch>
-            <a:fillRect/>
-          </a:stretch>
-        </p:blipFill>
-        <p:spPr>
-          <a:xfrm>
-            <a:off x="2360855" y="865504"/>
-            <a:ext cx="7083982" cy="5306759"/>
-          </a:xfrm>
-        </p:spPr>
-      </p:pic>
-      <p:sp>
-        <p:nvSpPr>
-          <p:cNvPr id="8" name="矩形: 圆角 7">
-            <a:extLst>
-              <a:ext uri="{FF2B5EF4-FFF2-40B4-BE49-F238E27FC236}">
-                <a16:creationId xmlns:a16="http://schemas.microsoft.com/office/drawing/2014/main" id="{A31E9429-D10D-91D7-AFDF-382800E226AD}"/>
-              </a:ext>
-            </a:extLst>
-          </p:cNvPr>
-          <p:cNvSpPr/>
-          <p:nvPr/>
-        </p:nvSpPr>
-        <p:spPr>
-          <a:xfrm>
-            <a:off x="9257834" y="4794498"/>
-            <a:ext cx="1323064" cy="452673"/>
-          </a:xfrm>
-          <a:prstGeom prst="roundRect">
-            <a:avLst/>
-          </a:prstGeom>
-          <a:solidFill>
-            <a:srgbClr val="C55A11">
-              <a:alpha val="69804"/>
-            </a:srgbClr>
-          </a:solidFill>
-          <a:ln>
-            <a:noFill/>
-          </a:ln>
-        </p:spPr>
-        <p:style>
-          <a:lnRef idx="2">
-            <a:schemeClr val="accent1">
-              <a:shade val="15000"/>
-            </a:schemeClr>
-          </a:lnRef>
-          <a:fillRef idx="1">
-            <a:schemeClr val="accent1"/>
-          </a:fillRef>
-          <a:effectRef idx="0">
-            <a:schemeClr val="accent1"/>
-          </a:effectRef>
-          <a:fontRef idx="minor">
-            <a:schemeClr val="lt1"/>
-          </a:fontRef>
-        </p:style>
-        <p:txBody>
-          <a:bodyPr rtlCol="0" anchor="ctr"/>
-          <a:lstStyle/>
-          <a:p>
-            <a:pPr algn="ctr"/>
-            <a:r>
-              <a:rPr lang="zh-CN" altLang="en-US" sz="1400" dirty="0">
-                <a:latin typeface="微软雅黑" panose="020B0503020204020204" pitchFamily="34" charset="-122"/>
-                <a:ea typeface="微软雅黑" panose="020B0503020204020204" pitchFamily="34" charset="-122"/>
-              </a:rPr>
-              <a:t>电源指示</a:t>
-            </a:r>
-            <a:r>
-              <a:rPr lang="en-US" altLang="zh-CN" sz="1400" dirty="0">
-                <a:latin typeface="微软雅黑" panose="020B0503020204020204" pitchFamily="34" charset="-122"/>
-                <a:ea typeface="微软雅黑" panose="020B0503020204020204" pitchFamily="34" charset="-122"/>
-              </a:rPr>
-              <a:t>LED</a:t>
-            </a:r>
-            <a:endParaRPr lang="zh-CN" altLang="en-US" sz="1400" dirty="0">
-              <a:latin typeface="微软雅黑" panose="020B0503020204020204" pitchFamily="34" charset="-122"/>
-              <a:ea typeface="微软雅黑" panose="020B0503020204020204" pitchFamily="34" charset="-122"/>
-            </a:endParaRPr>
-          </a:p>
-        </p:txBody>
-      </p:sp>
-      <p:sp>
-        <p:nvSpPr>
-          <p:cNvPr id="9" name="矩形: 圆角 8">
-            <a:extLst>
-              <a:ext uri="{FF2B5EF4-FFF2-40B4-BE49-F238E27FC236}">
-                <a16:creationId xmlns:a16="http://schemas.microsoft.com/office/drawing/2014/main" id="{AF446916-8F46-C9A7-BB85-6E29B71971AE}"/>
-              </a:ext>
-            </a:extLst>
-          </p:cNvPr>
-          <p:cNvSpPr/>
-          <p:nvPr/>
-        </p:nvSpPr>
-        <p:spPr>
-          <a:xfrm>
-            <a:off x="1410127" y="2370045"/>
-            <a:ext cx="1245201" cy="452673"/>
-          </a:xfrm>
-          <a:prstGeom prst="roundRect">
-            <a:avLst/>
-          </a:prstGeom>
-          <a:solidFill>
-            <a:srgbClr val="C55A11">
-              <a:alpha val="69804"/>
-            </a:srgbClr>
-          </a:solidFill>
-          <a:ln>
-            <a:noFill/>
-          </a:ln>
-        </p:spPr>
-        <p:style>
-          <a:lnRef idx="2">
-            <a:schemeClr val="accent1">
-              <a:shade val="15000"/>
-            </a:schemeClr>
-          </a:lnRef>
-          <a:fillRef idx="1">
-            <a:schemeClr val="accent1"/>
-          </a:fillRef>
-          <a:effectRef idx="0">
-            <a:schemeClr val="accent1"/>
-          </a:effectRef>
-          <a:fontRef idx="minor">
-            <a:schemeClr val="lt1"/>
-          </a:fontRef>
-        </p:style>
-        <p:txBody>
-          <a:bodyPr rtlCol="0" anchor="ctr"/>
-          <a:lstStyle/>
-          <a:p>
-            <a:pPr algn="ctr"/>
-            <a:r>
-              <a:rPr lang="en-US" altLang="zh-CN" sz="1400" dirty="0">
-                <a:latin typeface="微软雅黑" panose="020B0503020204020204" pitchFamily="34" charset="-122"/>
-                <a:ea typeface="微软雅黑" panose="020B0503020204020204" pitchFamily="34" charset="-122"/>
-              </a:rPr>
-              <a:t>PS</a:t>
-            </a:r>
-            <a:r>
-              <a:rPr lang="zh-CN" altLang="en-US" sz="1400" dirty="0">
-                <a:latin typeface="微软雅黑" panose="020B0503020204020204" pitchFamily="34" charset="-122"/>
-                <a:ea typeface="微软雅黑" panose="020B0503020204020204" pitchFamily="34" charset="-122"/>
-              </a:rPr>
-              <a:t>功能复位按键</a:t>
-            </a:r>
-          </a:p>
-        </p:txBody>
-      </p:sp>
-      <p:sp>
-        <p:nvSpPr>
-          <p:cNvPr id="10" name="矩形: 圆角 9">
-            <a:extLst>
-              <a:ext uri="{FF2B5EF4-FFF2-40B4-BE49-F238E27FC236}">
-                <a16:creationId xmlns:a16="http://schemas.microsoft.com/office/drawing/2014/main" id="{3AC1B012-235B-B034-67CB-294D27DA6473}"/>
-              </a:ext>
-            </a:extLst>
-          </p:cNvPr>
-          <p:cNvSpPr/>
-          <p:nvPr/>
-        </p:nvSpPr>
-        <p:spPr>
-          <a:xfrm>
-            <a:off x="123446" y="2363823"/>
-            <a:ext cx="1245200" cy="452673"/>
-          </a:xfrm>
-          <a:prstGeom prst="roundRect">
-            <a:avLst/>
-          </a:prstGeom>
-          <a:solidFill>
-            <a:srgbClr val="C55A11">
-              <a:alpha val="69804"/>
-            </a:srgbClr>
-          </a:solidFill>
-          <a:ln>
-            <a:noFill/>
-          </a:ln>
-        </p:spPr>
-        <p:style>
-          <a:lnRef idx="2">
-            <a:schemeClr val="accent1">
-              <a:shade val="15000"/>
-            </a:schemeClr>
-          </a:lnRef>
-          <a:fillRef idx="1">
-            <a:schemeClr val="accent1"/>
-          </a:fillRef>
-          <a:effectRef idx="0">
-            <a:schemeClr val="accent1"/>
-          </a:effectRef>
-          <a:fontRef idx="minor">
-            <a:schemeClr val="lt1"/>
-          </a:fontRef>
-        </p:style>
-        <p:txBody>
-          <a:bodyPr rtlCol="0" anchor="ctr"/>
-          <a:lstStyle/>
-          <a:p>
-            <a:pPr algn="ctr"/>
-            <a:r>
-              <a:rPr lang="en-US" altLang="zh-CN" sz="1400" dirty="0">
-                <a:latin typeface="微软雅黑" panose="020B0503020204020204" pitchFamily="34" charset="-122"/>
-                <a:ea typeface="微软雅黑" panose="020B0503020204020204" pitchFamily="34" charset="-122"/>
-              </a:rPr>
-              <a:t>PS</a:t>
-            </a:r>
-            <a:r>
-              <a:rPr lang="zh-CN" altLang="en-US" sz="1400" dirty="0">
-                <a:latin typeface="微软雅黑" panose="020B0503020204020204" pitchFamily="34" charset="-122"/>
-                <a:ea typeface="微软雅黑" panose="020B0503020204020204" pitchFamily="34" charset="-122"/>
-              </a:rPr>
-              <a:t>调试复位按键</a:t>
-            </a:r>
-          </a:p>
-        </p:txBody>
-      </p:sp>
-      <p:sp>
-        <p:nvSpPr>
-          <p:cNvPr id="11" name="矩形: 圆角 10">
-            <a:extLst>
-              <a:ext uri="{FF2B5EF4-FFF2-40B4-BE49-F238E27FC236}">
-                <a16:creationId xmlns:a16="http://schemas.microsoft.com/office/drawing/2014/main" id="{AC5B2D8A-2A6A-5532-1C68-13F6CB8FACC0}"/>
-              </a:ext>
-            </a:extLst>
-          </p:cNvPr>
-          <p:cNvSpPr/>
-          <p:nvPr/>
-        </p:nvSpPr>
-        <p:spPr>
-          <a:xfrm>
-            <a:off x="331303" y="1139411"/>
-            <a:ext cx="1037343" cy="452673"/>
-          </a:xfrm>
-          <a:prstGeom prst="roundRect">
-            <a:avLst/>
-          </a:prstGeom>
-          <a:solidFill>
-            <a:srgbClr val="C55A11">
-              <a:alpha val="69804"/>
-            </a:srgbClr>
-          </a:solidFill>
-          <a:ln>
-            <a:noFill/>
-          </a:ln>
-        </p:spPr>
-        <p:style>
-          <a:lnRef idx="2">
-            <a:schemeClr val="accent1">
-              <a:shade val="15000"/>
-            </a:schemeClr>
-          </a:lnRef>
-          <a:fillRef idx="1">
-            <a:schemeClr val="accent1"/>
-          </a:fillRef>
-          <a:effectRef idx="0">
-            <a:schemeClr val="accent1"/>
-          </a:effectRef>
-          <a:fontRef idx="minor">
-            <a:schemeClr val="lt1"/>
-          </a:fontRef>
-        </p:style>
-        <p:txBody>
-          <a:bodyPr rtlCol="0" anchor="ctr"/>
-          <a:lstStyle/>
-          <a:p>
-            <a:pPr algn="ctr"/>
-            <a:r>
-              <a:rPr lang="zh-CN" altLang="en-US" sz="1400" dirty="0">
-                <a:latin typeface="微软雅黑" panose="020B0503020204020204" pitchFamily="34" charset="-122"/>
-                <a:ea typeface="微软雅黑" panose="020B0503020204020204" pitchFamily="34" charset="-122"/>
-              </a:rPr>
-              <a:t>启动模式选择</a:t>
-            </a:r>
-          </a:p>
-        </p:txBody>
-      </p:sp>
-      <p:sp>
-        <p:nvSpPr>
-          <p:cNvPr id="12" name="矩形: 圆角 11">
-            <a:extLst>
-              <a:ext uri="{FF2B5EF4-FFF2-40B4-BE49-F238E27FC236}">
-                <a16:creationId xmlns:a16="http://schemas.microsoft.com/office/drawing/2014/main" id="{7FDB68DE-AED6-6910-63C6-4002BDC22753}"/>
-              </a:ext>
-            </a:extLst>
-          </p:cNvPr>
-          <p:cNvSpPr/>
-          <p:nvPr/>
-        </p:nvSpPr>
-        <p:spPr>
-          <a:xfrm>
-            <a:off x="2881543" y="347086"/>
-            <a:ext cx="1554655" cy="452673"/>
-          </a:xfrm>
-          <a:prstGeom prst="roundRect">
-            <a:avLst/>
-          </a:prstGeom>
-          <a:solidFill>
-            <a:srgbClr val="C55A11">
-              <a:alpha val="69804"/>
-            </a:srgbClr>
-          </a:solidFill>
-          <a:ln>
-            <a:noFill/>
-          </a:ln>
-        </p:spPr>
-        <p:style>
-          <a:lnRef idx="2">
-            <a:schemeClr val="accent1">
-              <a:shade val="15000"/>
-            </a:schemeClr>
-          </a:lnRef>
-          <a:fillRef idx="1">
-            <a:schemeClr val="accent1"/>
-          </a:fillRef>
-          <a:effectRef idx="0">
-            <a:schemeClr val="accent1"/>
-          </a:effectRef>
-          <a:fontRef idx="minor">
-            <a:schemeClr val="lt1"/>
-          </a:fontRef>
-        </p:style>
-        <p:txBody>
-          <a:bodyPr rtlCol="0" anchor="ctr"/>
-          <a:lstStyle/>
-          <a:p>
-            <a:pPr algn="ctr"/>
-            <a:r>
-              <a:rPr lang="en-US" altLang="zh-CN" sz="1400" dirty="0">
-                <a:latin typeface="微软雅黑" panose="020B0503020204020204" pitchFamily="34" charset="-122"/>
-                <a:ea typeface="微软雅黑" panose="020B0503020204020204" pitchFamily="34" charset="-122"/>
-              </a:rPr>
-              <a:t>FPGA JTAG</a:t>
-            </a:r>
-            <a:r>
-              <a:rPr lang="zh-CN" altLang="en-US" sz="1400" dirty="0">
-                <a:latin typeface="微软雅黑" panose="020B0503020204020204" pitchFamily="34" charset="-122"/>
-                <a:ea typeface="微软雅黑" panose="020B0503020204020204" pitchFamily="34" charset="-122"/>
-              </a:rPr>
-              <a:t>接口</a:t>
-            </a:r>
-          </a:p>
-        </p:txBody>
-      </p:sp>
-      <p:sp>
-        <p:nvSpPr>
-          <p:cNvPr id="14" name="矩形: 圆角 13">
-            <a:extLst>
-              <a:ext uri="{FF2B5EF4-FFF2-40B4-BE49-F238E27FC236}">
-                <a16:creationId xmlns:a16="http://schemas.microsoft.com/office/drawing/2014/main" id="{FD66CCB9-6FD6-64D5-E89D-859BF6C862D8}"/>
-              </a:ext>
-            </a:extLst>
-          </p:cNvPr>
-          <p:cNvSpPr/>
-          <p:nvPr/>
-        </p:nvSpPr>
-        <p:spPr>
-          <a:xfrm>
-            <a:off x="4778329" y="347086"/>
-            <a:ext cx="984174" cy="452673"/>
-          </a:xfrm>
-          <a:prstGeom prst="roundRect">
-            <a:avLst/>
-          </a:prstGeom>
-          <a:solidFill>
-            <a:srgbClr val="548235">
-              <a:alpha val="69804"/>
-            </a:srgbClr>
-          </a:solidFill>
-          <a:ln>
-            <a:noFill/>
-          </a:ln>
-        </p:spPr>
-        <p:style>
-          <a:lnRef idx="2">
-            <a:schemeClr val="accent1">
-              <a:shade val="15000"/>
-            </a:schemeClr>
-          </a:lnRef>
-          <a:fillRef idx="1">
-            <a:schemeClr val="accent1"/>
-          </a:fillRef>
-          <a:effectRef idx="0">
-            <a:schemeClr val="accent1"/>
-          </a:effectRef>
-          <a:fontRef idx="minor">
-            <a:schemeClr val="lt1"/>
-          </a:fontRef>
-        </p:style>
-        <p:txBody>
-          <a:bodyPr rtlCol="0" anchor="ctr"/>
-          <a:lstStyle/>
-          <a:p>
-            <a:pPr algn="ctr"/>
-            <a:r>
-              <a:rPr lang="en-US" altLang="zh-CN" sz="1400" dirty="0">
-                <a:latin typeface="微软雅黑" panose="020B0503020204020204" pitchFamily="34" charset="-122"/>
-                <a:ea typeface="微软雅黑" panose="020B0503020204020204" pitchFamily="34" charset="-122"/>
-              </a:rPr>
-              <a:t>PL VGA</a:t>
-            </a:r>
-            <a:endParaRPr lang="zh-CN" altLang="en-US" sz="1400" dirty="0">
-              <a:latin typeface="微软雅黑" panose="020B0503020204020204" pitchFamily="34" charset="-122"/>
-              <a:ea typeface="微软雅黑" panose="020B0503020204020204" pitchFamily="34" charset="-122"/>
-            </a:endParaRPr>
-          </a:p>
-        </p:txBody>
-      </p:sp>
-      <p:sp>
-        <p:nvSpPr>
-          <p:cNvPr id="15" name="矩形: 圆角 14">
-            <a:extLst>
-              <a:ext uri="{FF2B5EF4-FFF2-40B4-BE49-F238E27FC236}">
-                <a16:creationId xmlns:a16="http://schemas.microsoft.com/office/drawing/2014/main" id="{1E536E74-2EEB-4852-1E43-990AF6FAFE2C}"/>
-              </a:ext>
-            </a:extLst>
-          </p:cNvPr>
-          <p:cNvSpPr/>
-          <p:nvPr/>
-        </p:nvSpPr>
-        <p:spPr>
-          <a:xfrm>
-            <a:off x="285545" y="1751617"/>
-            <a:ext cx="1083101" cy="452673"/>
-          </a:xfrm>
-          <a:prstGeom prst="roundRect">
-            <a:avLst/>
-          </a:prstGeom>
-          <a:solidFill>
-            <a:srgbClr val="2F5597">
-              <a:alpha val="69804"/>
-            </a:srgbClr>
-          </a:solidFill>
-          <a:ln>
-            <a:noFill/>
-          </a:ln>
-        </p:spPr>
-        <p:style>
-          <a:lnRef idx="2">
-            <a:schemeClr val="accent1">
-              <a:shade val="15000"/>
-            </a:schemeClr>
-          </a:lnRef>
-          <a:fillRef idx="1">
-            <a:schemeClr val="accent1"/>
-          </a:fillRef>
-          <a:effectRef idx="0">
-            <a:schemeClr val="accent1"/>
-          </a:effectRef>
-          <a:fontRef idx="minor">
-            <a:schemeClr val="lt1"/>
-          </a:fontRef>
-        </p:style>
-        <p:txBody>
-          <a:bodyPr rtlCol="0" anchor="ctr"/>
-          <a:lstStyle/>
-          <a:p>
-            <a:pPr algn="ctr"/>
-            <a:r>
-              <a:rPr lang="en-US" altLang="zh-CN" sz="1400" dirty="0">
-                <a:latin typeface="微软雅黑" panose="020B0503020204020204" pitchFamily="34" charset="-122"/>
-                <a:ea typeface="微软雅黑" panose="020B0503020204020204" pitchFamily="34" charset="-122"/>
-              </a:rPr>
-              <a:t>PS UART</a:t>
-            </a:r>
-            <a:endParaRPr lang="zh-CN" altLang="en-US" sz="1400" dirty="0">
-              <a:latin typeface="微软雅黑" panose="020B0503020204020204" pitchFamily="34" charset="-122"/>
-              <a:ea typeface="微软雅黑" panose="020B0503020204020204" pitchFamily="34" charset="-122"/>
-            </a:endParaRPr>
-          </a:p>
-        </p:txBody>
-      </p:sp>
-      <p:sp>
-        <p:nvSpPr>
-          <p:cNvPr id="16" name="矩形: 圆角 15">
-            <a:extLst>
-              <a:ext uri="{FF2B5EF4-FFF2-40B4-BE49-F238E27FC236}">
-                <a16:creationId xmlns:a16="http://schemas.microsoft.com/office/drawing/2014/main" id="{64280977-126C-9247-8114-DD179CB4FEA0}"/>
-              </a:ext>
-            </a:extLst>
-          </p:cNvPr>
-          <p:cNvSpPr/>
-          <p:nvPr/>
-        </p:nvSpPr>
-        <p:spPr>
-          <a:xfrm>
-            <a:off x="10732196" y="2903430"/>
-            <a:ext cx="1048817" cy="452673"/>
-          </a:xfrm>
-          <a:prstGeom prst="roundRect">
-            <a:avLst/>
-          </a:prstGeom>
-          <a:solidFill>
-            <a:srgbClr val="2F5597">
-              <a:alpha val="69804"/>
-            </a:srgbClr>
-          </a:solidFill>
-          <a:ln>
-            <a:noFill/>
-          </a:ln>
-        </p:spPr>
-        <p:style>
-          <a:lnRef idx="2">
-            <a:schemeClr val="accent1">
-              <a:shade val="15000"/>
-            </a:schemeClr>
-          </a:lnRef>
-          <a:fillRef idx="1">
-            <a:schemeClr val="accent1"/>
-          </a:fillRef>
-          <a:effectRef idx="0">
-            <a:schemeClr val="accent1"/>
-          </a:effectRef>
-          <a:fontRef idx="minor">
-            <a:schemeClr val="lt1"/>
-          </a:fontRef>
-        </p:style>
-        <p:txBody>
-          <a:bodyPr rtlCol="0" anchor="ctr"/>
-          <a:lstStyle/>
-          <a:p>
-            <a:pPr algn="ctr"/>
-            <a:r>
-              <a:rPr lang="en-US" altLang="zh-CN" sz="1400" dirty="0">
-                <a:latin typeface="微软雅黑" panose="020B0503020204020204" pitchFamily="34" charset="-122"/>
-                <a:ea typeface="微软雅黑" panose="020B0503020204020204" pitchFamily="34" charset="-122"/>
-              </a:rPr>
-              <a:t>PS SDIO</a:t>
-            </a:r>
-            <a:endParaRPr lang="zh-CN" altLang="en-US" sz="1400" dirty="0">
-              <a:latin typeface="微软雅黑" panose="020B0503020204020204" pitchFamily="34" charset="-122"/>
-              <a:ea typeface="微软雅黑" panose="020B0503020204020204" pitchFamily="34" charset="-122"/>
-            </a:endParaRPr>
-          </a:p>
-        </p:txBody>
-      </p:sp>
-      <p:sp>
-        <p:nvSpPr>
-          <p:cNvPr id="17" name="矩形: 圆角 16">
-            <a:extLst>
-              <a:ext uri="{FF2B5EF4-FFF2-40B4-BE49-F238E27FC236}">
-                <a16:creationId xmlns:a16="http://schemas.microsoft.com/office/drawing/2014/main" id="{322725BD-1907-BD9C-8773-467E4D2B2916}"/>
-              </a:ext>
-            </a:extLst>
-          </p:cNvPr>
-          <p:cNvSpPr/>
-          <p:nvPr/>
-        </p:nvSpPr>
-        <p:spPr>
-          <a:xfrm>
-            <a:off x="10732196" y="1012362"/>
-            <a:ext cx="1383105" cy="452673"/>
-          </a:xfrm>
-          <a:prstGeom prst="roundRect">
-            <a:avLst/>
-          </a:prstGeom>
-          <a:solidFill>
-            <a:srgbClr val="2F5597">
-              <a:alpha val="69804"/>
-            </a:srgbClr>
-          </a:solidFill>
-          <a:ln>
-            <a:noFill/>
-          </a:ln>
-        </p:spPr>
-        <p:style>
-          <a:lnRef idx="2">
-            <a:schemeClr val="accent1">
-              <a:shade val="15000"/>
-            </a:schemeClr>
-          </a:lnRef>
-          <a:fillRef idx="1">
-            <a:schemeClr val="accent1"/>
-          </a:fillRef>
-          <a:effectRef idx="0">
-            <a:schemeClr val="accent1"/>
-          </a:effectRef>
-          <a:fontRef idx="minor">
-            <a:schemeClr val="lt1"/>
-          </a:fontRef>
-        </p:style>
-        <p:txBody>
-          <a:bodyPr rtlCol="0" anchor="ctr"/>
-          <a:lstStyle/>
-          <a:p>
-            <a:pPr algn="ctr"/>
-            <a:r>
-              <a:rPr lang="en-US" altLang="zh-CN" sz="1400" dirty="0">
-                <a:latin typeface="微软雅黑" panose="020B0503020204020204" pitchFamily="34" charset="-122"/>
-                <a:ea typeface="微软雅黑" panose="020B0503020204020204" pitchFamily="34" charset="-122"/>
-              </a:rPr>
-              <a:t>PS SDIO </a:t>
-            </a:r>
-            <a:r>
-              <a:rPr lang="en-US" altLang="zh-CN" sz="1400" dirty="0" err="1">
-                <a:latin typeface="微软雅黑" panose="020B0503020204020204" pitchFamily="34" charset="-122"/>
-                <a:ea typeface="微软雅黑" panose="020B0503020204020204" pitchFamily="34" charset="-122"/>
-              </a:rPr>
-              <a:t>WiFi</a:t>
-            </a:r>
-            <a:endParaRPr lang="zh-CN" altLang="en-US" sz="1400" dirty="0">
-              <a:latin typeface="微软雅黑" panose="020B0503020204020204" pitchFamily="34" charset="-122"/>
-              <a:ea typeface="微软雅黑" panose="020B0503020204020204" pitchFamily="34" charset="-122"/>
-            </a:endParaRPr>
-          </a:p>
-        </p:txBody>
-      </p:sp>
-      <p:sp>
-        <p:nvSpPr>
-          <p:cNvPr id="18" name="矩形: 圆角 17">
-            <a:extLst>
-              <a:ext uri="{FF2B5EF4-FFF2-40B4-BE49-F238E27FC236}">
-                <a16:creationId xmlns:a16="http://schemas.microsoft.com/office/drawing/2014/main" id="{2FBCAE6C-BB09-91AE-1071-091A90E94594}"/>
-              </a:ext>
-            </a:extLst>
-          </p:cNvPr>
-          <p:cNvSpPr/>
-          <p:nvPr/>
-        </p:nvSpPr>
-        <p:spPr>
-          <a:xfrm>
-            <a:off x="10732196" y="2273074"/>
-            <a:ext cx="887293" cy="452673"/>
-          </a:xfrm>
-          <a:prstGeom prst="roundRect">
-            <a:avLst/>
-          </a:prstGeom>
-          <a:solidFill>
-            <a:srgbClr val="2F5597">
-              <a:alpha val="69804"/>
-            </a:srgbClr>
-          </a:solidFill>
-          <a:ln>
-            <a:noFill/>
-          </a:ln>
-        </p:spPr>
-        <p:style>
-          <a:lnRef idx="2">
-            <a:schemeClr val="accent1">
-              <a:shade val="15000"/>
-            </a:schemeClr>
-          </a:lnRef>
-          <a:fillRef idx="1">
-            <a:schemeClr val="accent1"/>
-          </a:fillRef>
-          <a:effectRef idx="0">
-            <a:schemeClr val="accent1"/>
-          </a:effectRef>
-          <a:fontRef idx="minor">
-            <a:schemeClr val="lt1"/>
-          </a:fontRef>
-        </p:style>
-        <p:txBody>
-          <a:bodyPr rtlCol="0" anchor="ctr"/>
-          <a:lstStyle/>
-          <a:p>
-            <a:pPr algn="ctr"/>
-            <a:r>
-              <a:rPr lang="en-US" altLang="zh-CN" sz="1400" dirty="0">
-                <a:latin typeface="微软雅黑" panose="020B0503020204020204" pitchFamily="34" charset="-122"/>
-                <a:ea typeface="微软雅黑" panose="020B0503020204020204" pitchFamily="34" charset="-122"/>
-              </a:rPr>
-              <a:t>PS CAN</a:t>
-            </a:r>
-            <a:endParaRPr lang="zh-CN" altLang="en-US" sz="1400" dirty="0">
-              <a:latin typeface="微软雅黑" panose="020B0503020204020204" pitchFamily="34" charset="-122"/>
-              <a:ea typeface="微软雅黑" panose="020B0503020204020204" pitchFamily="34" charset="-122"/>
-            </a:endParaRPr>
-          </a:p>
-        </p:txBody>
-      </p:sp>
-      <p:sp>
-        <p:nvSpPr>
-          <p:cNvPr id="19" name="矩形: 圆角 18">
-            <a:extLst>
-              <a:ext uri="{FF2B5EF4-FFF2-40B4-BE49-F238E27FC236}">
-                <a16:creationId xmlns:a16="http://schemas.microsoft.com/office/drawing/2014/main" id="{4FFD5206-1CF0-5AA6-9B99-8B381249E1EC}"/>
-              </a:ext>
-            </a:extLst>
-          </p:cNvPr>
-          <p:cNvSpPr/>
-          <p:nvPr/>
-        </p:nvSpPr>
-        <p:spPr>
-          <a:xfrm>
-            <a:off x="-18473" y="2976029"/>
-            <a:ext cx="1387119" cy="452673"/>
-          </a:xfrm>
-          <a:prstGeom prst="roundRect">
-            <a:avLst/>
-          </a:prstGeom>
-          <a:solidFill>
-            <a:srgbClr val="2F5597">
-              <a:alpha val="69804"/>
-            </a:srgbClr>
-          </a:solidFill>
-          <a:ln>
-            <a:noFill/>
-          </a:ln>
-        </p:spPr>
-        <p:style>
-          <a:lnRef idx="2">
-            <a:schemeClr val="accent1">
-              <a:shade val="15000"/>
-            </a:schemeClr>
-          </a:lnRef>
-          <a:fillRef idx="1">
-            <a:schemeClr val="accent1"/>
-          </a:fillRef>
-          <a:effectRef idx="0">
-            <a:schemeClr val="accent1"/>
-          </a:effectRef>
-          <a:fontRef idx="minor">
-            <a:schemeClr val="lt1"/>
-          </a:fontRef>
-        </p:style>
-        <p:txBody>
-          <a:bodyPr rtlCol="0" anchor="ctr"/>
-          <a:lstStyle/>
-          <a:p>
-            <a:pPr algn="ctr"/>
-            <a:r>
-              <a:rPr lang="en-US" altLang="zh-CN" sz="1400" dirty="0">
-                <a:latin typeface="微软雅黑" panose="020B0503020204020204" pitchFamily="34" charset="-122"/>
-                <a:ea typeface="微软雅黑" panose="020B0503020204020204" pitchFamily="34" charset="-122"/>
-              </a:rPr>
-              <a:t>PS USB HOST</a:t>
-            </a:r>
-            <a:endParaRPr lang="zh-CN" altLang="en-US" sz="1400" dirty="0">
-              <a:latin typeface="微软雅黑" panose="020B0503020204020204" pitchFamily="34" charset="-122"/>
-              <a:ea typeface="微软雅黑" panose="020B0503020204020204" pitchFamily="34" charset="-122"/>
-            </a:endParaRPr>
-          </a:p>
-        </p:txBody>
-      </p:sp>
-      <p:sp>
-        <p:nvSpPr>
-          <p:cNvPr id="20" name="矩形: 圆角 19">
-            <a:extLst>
-              <a:ext uri="{FF2B5EF4-FFF2-40B4-BE49-F238E27FC236}">
-                <a16:creationId xmlns:a16="http://schemas.microsoft.com/office/drawing/2014/main" id="{FF10C6E3-D8D2-D76F-F945-3A4A865E397C}"/>
-              </a:ext>
-            </a:extLst>
-          </p:cNvPr>
-          <p:cNvSpPr/>
-          <p:nvPr/>
-        </p:nvSpPr>
-        <p:spPr>
-          <a:xfrm>
-            <a:off x="9257834" y="3533786"/>
-            <a:ext cx="1421022" cy="452673"/>
-          </a:xfrm>
-          <a:prstGeom prst="roundRect">
-            <a:avLst/>
-          </a:prstGeom>
-          <a:solidFill>
-            <a:srgbClr val="2F5597">
-              <a:alpha val="69804"/>
-            </a:srgbClr>
-          </a:solidFill>
-          <a:ln>
-            <a:noFill/>
-          </a:ln>
-        </p:spPr>
-        <p:style>
-          <a:lnRef idx="2">
-            <a:schemeClr val="accent1">
-              <a:shade val="15000"/>
-            </a:schemeClr>
-          </a:lnRef>
-          <a:fillRef idx="1">
-            <a:schemeClr val="accent1"/>
-          </a:fillRef>
-          <a:effectRef idx="0">
-            <a:schemeClr val="accent1"/>
-          </a:effectRef>
-          <a:fontRef idx="minor">
-            <a:schemeClr val="lt1"/>
-          </a:fontRef>
-        </p:style>
-        <p:txBody>
-          <a:bodyPr rtlCol="0" anchor="ctr"/>
-          <a:lstStyle/>
-          <a:p>
-            <a:pPr algn="ctr"/>
-            <a:r>
-              <a:rPr lang="en-US" altLang="zh-CN" sz="1400" dirty="0">
-                <a:latin typeface="微软雅黑" panose="020B0503020204020204" pitchFamily="34" charset="-122"/>
-                <a:ea typeface="微软雅黑" panose="020B0503020204020204" pitchFamily="34" charset="-122"/>
-              </a:rPr>
-              <a:t>PS PMOD</a:t>
-            </a:r>
-            <a:r>
-              <a:rPr lang="zh-CN" altLang="en-US" sz="1400" dirty="0">
-                <a:latin typeface="微软雅黑" panose="020B0503020204020204" pitchFamily="34" charset="-122"/>
-                <a:ea typeface="微软雅黑" panose="020B0503020204020204" pitchFamily="34" charset="-122"/>
-              </a:rPr>
-              <a:t>扩展</a:t>
-            </a:r>
-          </a:p>
-        </p:txBody>
-      </p:sp>
-      <p:sp>
-        <p:nvSpPr>
-          <p:cNvPr id="21" name="矩形: 圆角 20">
-            <a:extLst>
-              <a:ext uri="{FF2B5EF4-FFF2-40B4-BE49-F238E27FC236}">
-                <a16:creationId xmlns:a16="http://schemas.microsoft.com/office/drawing/2014/main" id="{B2F77426-553A-1C96-002B-661CF3F33931}"/>
-              </a:ext>
-            </a:extLst>
-          </p:cNvPr>
-          <p:cNvSpPr/>
-          <p:nvPr/>
-        </p:nvSpPr>
-        <p:spPr>
-          <a:xfrm>
-            <a:off x="9257834" y="1642718"/>
-            <a:ext cx="1383105" cy="452673"/>
-          </a:xfrm>
-          <a:prstGeom prst="roundRect">
-            <a:avLst/>
-          </a:prstGeom>
-          <a:solidFill>
-            <a:srgbClr val="2F5597">
-              <a:alpha val="69804"/>
-            </a:srgbClr>
-          </a:solidFill>
-          <a:ln>
-            <a:noFill/>
-          </a:ln>
-        </p:spPr>
-        <p:style>
-          <a:lnRef idx="2">
-            <a:schemeClr val="accent1">
-              <a:shade val="15000"/>
-            </a:schemeClr>
-          </a:lnRef>
-          <a:fillRef idx="1">
-            <a:schemeClr val="accent1"/>
-          </a:fillRef>
-          <a:effectRef idx="0">
-            <a:schemeClr val="accent1"/>
-          </a:effectRef>
-          <a:fontRef idx="minor">
-            <a:schemeClr val="lt1"/>
-          </a:fontRef>
-        </p:style>
-        <p:txBody>
-          <a:bodyPr rtlCol="0" anchor="ctr"/>
-          <a:lstStyle/>
-          <a:p>
-            <a:pPr algn="ctr"/>
-            <a:r>
-              <a:rPr lang="en-US" altLang="zh-CN" sz="1400" dirty="0">
-                <a:latin typeface="微软雅黑" panose="020B0503020204020204" pitchFamily="34" charset="-122"/>
-                <a:ea typeface="微软雅黑" panose="020B0503020204020204" pitchFamily="34" charset="-122"/>
-              </a:rPr>
-              <a:t>PS </a:t>
-            </a:r>
-            <a:r>
-              <a:rPr lang="zh-CN" altLang="en-US" sz="1400" dirty="0">
-                <a:latin typeface="微软雅黑" panose="020B0503020204020204" pitchFamily="34" charset="-122"/>
-                <a:ea typeface="微软雅黑" panose="020B0503020204020204" pitchFamily="34" charset="-122"/>
-              </a:rPr>
-              <a:t>自定义按键</a:t>
-            </a:r>
-          </a:p>
-        </p:txBody>
-      </p:sp>
-      <p:sp>
-        <p:nvSpPr>
-          <p:cNvPr id="22" name="矩形: 圆角 21">
-            <a:extLst>
-              <a:ext uri="{FF2B5EF4-FFF2-40B4-BE49-F238E27FC236}">
-                <a16:creationId xmlns:a16="http://schemas.microsoft.com/office/drawing/2014/main" id="{8ACCC809-C11A-987E-4FAC-0F13B46CABE7}"/>
-              </a:ext>
-            </a:extLst>
-          </p:cNvPr>
-          <p:cNvSpPr/>
-          <p:nvPr/>
-        </p:nvSpPr>
-        <p:spPr>
-          <a:xfrm>
-            <a:off x="10732196" y="1642718"/>
-            <a:ext cx="839346" cy="452673"/>
-          </a:xfrm>
-          <a:prstGeom prst="roundRect">
-            <a:avLst/>
-          </a:prstGeom>
-          <a:solidFill>
-            <a:srgbClr val="2F5597">
-              <a:alpha val="69804"/>
-            </a:srgbClr>
-          </a:solidFill>
-          <a:ln>
-            <a:noFill/>
-          </a:ln>
-        </p:spPr>
-        <p:style>
-          <a:lnRef idx="2">
-            <a:schemeClr val="accent1">
-              <a:shade val="15000"/>
-            </a:schemeClr>
-          </a:lnRef>
-          <a:fillRef idx="1">
-            <a:schemeClr val="accent1"/>
-          </a:fillRef>
-          <a:effectRef idx="0">
-            <a:schemeClr val="accent1"/>
-          </a:effectRef>
-          <a:fontRef idx="minor">
-            <a:schemeClr val="lt1"/>
-          </a:fontRef>
-        </p:style>
-        <p:txBody>
-          <a:bodyPr rtlCol="0" anchor="ctr"/>
-          <a:lstStyle/>
-          <a:p>
-            <a:pPr algn="ctr"/>
-            <a:r>
-              <a:rPr lang="en-US" altLang="zh-CN" sz="1400" dirty="0">
-                <a:latin typeface="微软雅黑" panose="020B0503020204020204" pitchFamily="34" charset="-122"/>
-                <a:ea typeface="微软雅黑" panose="020B0503020204020204" pitchFamily="34" charset="-122"/>
-              </a:rPr>
-              <a:t>PS LED</a:t>
-            </a:r>
-            <a:endParaRPr lang="zh-CN" altLang="en-US" sz="1400" dirty="0">
-              <a:latin typeface="微软雅黑" panose="020B0503020204020204" pitchFamily="34" charset="-122"/>
-              <a:ea typeface="微软雅黑" panose="020B0503020204020204" pitchFamily="34" charset="-122"/>
-            </a:endParaRPr>
-          </a:p>
-        </p:txBody>
-      </p:sp>
-      <p:sp>
-        <p:nvSpPr>
-          <p:cNvPr id="23" name="矩形: 圆角 22">
-            <a:extLst>
-              <a:ext uri="{FF2B5EF4-FFF2-40B4-BE49-F238E27FC236}">
-                <a16:creationId xmlns:a16="http://schemas.microsoft.com/office/drawing/2014/main" id="{ABE5D7D2-A1DD-3D85-2B51-9445B3CF7397}"/>
-              </a:ext>
-            </a:extLst>
-          </p:cNvPr>
-          <p:cNvSpPr/>
-          <p:nvPr/>
-        </p:nvSpPr>
-        <p:spPr>
-          <a:xfrm>
-            <a:off x="9257834" y="2273074"/>
-            <a:ext cx="1337257" cy="452673"/>
-          </a:xfrm>
-          <a:prstGeom prst="roundRect">
-            <a:avLst/>
-          </a:prstGeom>
-          <a:solidFill>
-            <a:srgbClr val="2F5597">
-              <a:alpha val="69804"/>
-            </a:srgbClr>
-          </a:solidFill>
-          <a:ln>
-            <a:noFill/>
-          </a:ln>
-        </p:spPr>
-        <p:style>
-          <a:lnRef idx="2">
-            <a:schemeClr val="accent1">
-              <a:shade val="15000"/>
-            </a:schemeClr>
-          </a:lnRef>
-          <a:fillRef idx="1">
-            <a:schemeClr val="accent1"/>
-          </a:fillRef>
-          <a:effectRef idx="0">
-            <a:schemeClr val="accent1"/>
-          </a:effectRef>
-          <a:fontRef idx="minor">
-            <a:schemeClr val="lt1"/>
-          </a:fontRef>
-        </p:style>
-        <p:txBody>
-          <a:bodyPr rtlCol="0" anchor="ctr"/>
-          <a:lstStyle/>
-          <a:p>
-            <a:pPr algn="ctr"/>
-            <a:r>
-              <a:rPr lang="en-US" altLang="zh-CN" sz="1400" dirty="0">
-                <a:latin typeface="微软雅黑" panose="020B0503020204020204" pitchFamily="34" charset="-122"/>
-                <a:ea typeface="微软雅黑" panose="020B0503020204020204" pitchFamily="34" charset="-122"/>
-              </a:rPr>
-              <a:t>PS WS2812</a:t>
-            </a:r>
-            <a:endParaRPr lang="zh-CN" altLang="en-US" sz="1400" dirty="0">
-              <a:latin typeface="微软雅黑" panose="020B0503020204020204" pitchFamily="34" charset="-122"/>
-              <a:ea typeface="微软雅黑" panose="020B0503020204020204" pitchFamily="34" charset="-122"/>
-            </a:endParaRPr>
-          </a:p>
-        </p:txBody>
-      </p:sp>
-      <p:sp>
-        <p:nvSpPr>
-          <p:cNvPr id="24" name="矩形: 圆角 23">
-            <a:extLst>
-              <a:ext uri="{FF2B5EF4-FFF2-40B4-BE49-F238E27FC236}">
-                <a16:creationId xmlns:a16="http://schemas.microsoft.com/office/drawing/2014/main" id="{4D93B63A-CA66-7285-871A-C58B11847853}"/>
-              </a:ext>
-            </a:extLst>
-          </p:cNvPr>
-          <p:cNvSpPr/>
-          <p:nvPr/>
-        </p:nvSpPr>
-        <p:spPr>
-          <a:xfrm>
-            <a:off x="6217455" y="347086"/>
-            <a:ext cx="925724" cy="452673"/>
-          </a:xfrm>
-          <a:prstGeom prst="roundRect">
-            <a:avLst/>
-          </a:prstGeom>
-          <a:solidFill>
-            <a:srgbClr val="548235">
-              <a:alpha val="69804"/>
-            </a:srgbClr>
-          </a:solidFill>
-          <a:ln>
-            <a:noFill/>
-          </a:ln>
-        </p:spPr>
-        <p:style>
-          <a:lnRef idx="2">
-            <a:schemeClr val="accent1">
-              <a:shade val="15000"/>
-            </a:schemeClr>
-          </a:lnRef>
-          <a:fillRef idx="1">
-            <a:schemeClr val="accent1"/>
-          </a:fillRef>
-          <a:effectRef idx="0">
-            <a:schemeClr val="accent1"/>
-          </a:effectRef>
-          <a:fontRef idx="minor">
-            <a:schemeClr val="lt1"/>
-          </a:fontRef>
-        </p:style>
-        <p:txBody>
-          <a:bodyPr rtlCol="0" anchor="ctr"/>
-          <a:lstStyle/>
-          <a:p>
-            <a:pPr algn="ctr"/>
-            <a:r>
-              <a:rPr lang="en-US" altLang="zh-CN" sz="1400" dirty="0">
-                <a:latin typeface="微软雅黑" panose="020B0503020204020204" pitchFamily="34" charset="-122"/>
-                <a:ea typeface="微软雅黑" panose="020B0503020204020204" pitchFamily="34" charset="-122"/>
-              </a:rPr>
-              <a:t>PL PS/2</a:t>
-            </a:r>
-            <a:endParaRPr lang="zh-CN" altLang="en-US" sz="1400" dirty="0">
-              <a:latin typeface="微软雅黑" panose="020B0503020204020204" pitchFamily="34" charset="-122"/>
-              <a:ea typeface="微软雅黑" panose="020B0503020204020204" pitchFamily="34" charset="-122"/>
-            </a:endParaRPr>
-          </a:p>
-        </p:txBody>
-      </p:sp>
-      <p:sp>
-        <p:nvSpPr>
-          <p:cNvPr id="25" name="矩形: 圆角 24">
-            <a:extLst>
-              <a:ext uri="{FF2B5EF4-FFF2-40B4-BE49-F238E27FC236}">
-                <a16:creationId xmlns:a16="http://schemas.microsoft.com/office/drawing/2014/main" id="{D7D50537-F450-694B-D3DE-3F363D6D2372}"/>
-              </a:ext>
-            </a:extLst>
-          </p:cNvPr>
-          <p:cNvSpPr/>
-          <p:nvPr/>
-        </p:nvSpPr>
-        <p:spPr>
-          <a:xfrm>
-            <a:off x="98576" y="3588235"/>
-            <a:ext cx="1270070" cy="452673"/>
-          </a:xfrm>
-          <a:prstGeom prst="roundRect">
-            <a:avLst/>
-          </a:prstGeom>
-          <a:solidFill>
-            <a:srgbClr val="548235">
-              <a:alpha val="69804"/>
-            </a:srgbClr>
-          </a:solidFill>
-          <a:ln>
-            <a:noFill/>
-          </a:ln>
-        </p:spPr>
-        <p:style>
-          <a:lnRef idx="2">
-            <a:schemeClr val="accent1">
-              <a:shade val="15000"/>
-            </a:schemeClr>
-          </a:lnRef>
-          <a:fillRef idx="1">
-            <a:schemeClr val="accent1"/>
-          </a:fillRef>
-          <a:effectRef idx="0">
-            <a:schemeClr val="accent1"/>
-          </a:effectRef>
-          <a:fontRef idx="minor">
-            <a:schemeClr val="lt1"/>
-          </a:fontRef>
-        </p:style>
-        <p:txBody>
-          <a:bodyPr rtlCol="0" anchor="ctr"/>
-          <a:lstStyle/>
-          <a:p>
-            <a:pPr algn="ctr"/>
-            <a:r>
-              <a:rPr lang="en-US" altLang="zh-CN" sz="1400" dirty="0">
-                <a:latin typeface="微软雅黑" panose="020B0503020204020204" pitchFamily="34" charset="-122"/>
-                <a:ea typeface="微软雅黑" panose="020B0503020204020204" pitchFamily="34" charset="-122"/>
-              </a:rPr>
-              <a:t>PL EEPROM</a:t>
-            </a:r>
-            <a:endParaRPr lang="zh-CN" altLang="en-US" sz="1400" dirty="0">
-              <a:latin typeface="微软雅黑" panose="020B0503020204020204" pitchFamily="34" charset="-122"/>
-              <a:ea typeface="微软雅黑" panose="020B0503020204020204" pitchFamily="34" charset="-122"/>
-            </a:endParaRPr>
-          </a:p>
-        </p:txBody>
-      </p:sp>
-      <p:sp>
-        <p:nvSpPr>
-          <p:cNvPr id="26" name="矩形: 圆角 25">
-            <a:extLst>
-              <a:ext uri="{FF2B5EF4-FFF2-40B4-BE49-F238E27FC236}">
-                <a16:creationId xmlns:a16="http://schemas.microsoft.com/office/drawing/2014/main" id="{2CCC9FFE-2DC0-58C5-29ED-24B639F83CF9}"/>
-              </a:ext>
-            </a:extLst>
-          </p:cNvPr>
-          <p:cNvSpPr/>
-          <p:nvPr/>
-        </p:nvSpPr>
-        <p:spPr>
-          <a:xfrm>
-            <a:off x="1831963" y="3591969"/>
-            <a:ext cx="823365" cy="452673"/>
-          </a:xfrm>
-          <a:prstGeom prst="roundRect">
-            <a:avLst/>
-          </a:prstGeom>
-          <a:solidFill>
-            <a:srgbClr val="548235">
-              <a:alpha val="69804"/>
-            </a:srgbClr>
-          </a:solidFill>
-          <a:ln>
-            <a:noFill/>
-          </a:ln>
-        </p:spPr>
-        <p:style>
-          <a:lnRef idx="2">
-            <a:schemeClr val="accent1">
-              <a:shade val="15000"/>
-            </a:schemeClr>
-          </a:lnRef>
-          <a:fillRef idx="1">
-            <a:schemeClr val="accent1"/>
-          </a:fillRef>
-          <a:effectRef idx="0">
-            <a:schemeClr val="accent1"/>
-          </a:effectRef>
-          <a:fontRef idx="minor">
-            <a:schemeClr val="lt1"/>
-          </a:fontRef>
-        </p:style>
-        <p:txBody>
-          <a:bodyPr rtlCol="0" anchor="ctr"/>
-          <a:lstStyle/>
-          <a:p>
-            <a:pPr algn="ctr"/>
-            <a:r>
-              <a:rPr lang="en-US" altLang="zh-CN" sz="1400" dirty="0">
-                <a:latin typeface="微软雅黑" panose="020B0503020204020204" pitchFamily="34" charset="-122"/>
-                <a:ea typeface="微软雅黑" panose="020B0503020204020204" pitchFamily="34" charset="-122"/>
-              </a:rPr>
-              <a:t>PL RTC</a:t>
-            </a:r>
-            <a:endParaRPr lang="zh-CN" altLang="en-US" sz="1400" dirty="0">
-              <a:latin typeface="微软雅黑" panose="020B0503020204020204" pitchFamily="34" charset="-122"/>
-              <a:ea typeface="微软雅黑" panose="020B0503020204020204" pitchFamily="34" charset="-122"/>
-            </a:endParaRPr>
-          </a:p>
-        </p:txBody>
-      </p:sp>
-      <p:sp>
-        <p:nvSpPr>
-          <p:cNvPr id="27" name="矩形: 圆角 26">
-            <a:extLst>
-              <a:ext uri="{FF2B5EF4-FFF2-40B4-BE49-F238E27FC236}">
-                <a16:creationId xmlns:a16="http://schemas.microsoft.com/office/drawing/2014/main" id="{D5909E79-6357-F29E-6476-49795D39FD69}"/>
-              </a:ext>
-            </a:extLst>
-          </p:cNvPr>
-          <p:cNvSpPr/>
-          <p:nvPr/>
-        </p:nvSpPr>
-        <p:spPr>
-          <a:xfrm>
-            <a:off x="1897538" y="4202931"/>
-            <a:ext cx="757790" cy="452673"/>
-          </a:xfrm>
-          <a:prstGeom prst="roundRect">
-            <a:avLst/>
-          </a:prstGeom>
-          <a:solidFill>
-            <a:srgbClr val="548235">
-              <a:alpha val="69804"/>
-            </a:srgbClr>
-          </a:solidFill>
-          <a:ln>
-            <a:noFill/>
-          </a:ln>
-        </p:spPr>
-        <p:style>
-          <a:lnRef idx="2">
-            <a:schemeClr val="accent1">
-              <a:shade val="15000"/>
-            </a:schemeClr>
-          </a:lnRef>
-          <a:fillRef idx="1">
-            <a:schemeClr val="accent1"/>
-          </a:fillRef>
-          <a:effectRef idx="0">
-            <a:schemeClr val="accent1"/>
-          </a:effectRef>
-          <a:fontRef idx="minor">
-            <a:schemeClr val="lt1"/>
-          </a:fontRef>
-        </p:style>
-        <p:txBody>
-          <a:bodyPr rtlCol="0" anchor="ctr"/>
-          <a:lstStyle/>
-          <a:p>
-            <a:pPr algn="ctr"/>
-            <a:r>
-              <a:rPr lang="en-US" altLang="zh-CN" sz="1400" dirty="0">
-                <a:latin typeface="微软雅黑" panose="020B0503020204020204" pitchFamily="34" charset="-122"/>
-                <a:ea typeface="微软雅黑" panose="020B0503020204020204" pitchFamily="34" charset="-122"/>
-              </a:rPr>
-              <a:t>PL SPI</a:t>
-            </a:r>
-            <a:endParaRPr lang="zh-CN" altLang="en-US" sz="1400" dirty="0">
-              <a:latin typeface="微软雅黑" panose="020B0503020204020204" pitchFamily="34" charset="-122"/>
-              <a:ea typeface="微软雅黑" panose="020B0503020204020204" pitchFamily="34" charset="-122"/>
-            </a:endParaRPr>
-          </a:p>
-        </p:txBody>
-      </p:sp>
-      <p:sp>
-        <p:nvSpPr>
-          <p:cNvPr id="28" name="矩形: 圆角 27">
-            <a:extLst>
-              <a:ext uri="{FF2B5EF4-FFF2-40B4-BE49-F238E27FC236}">
-                <a16:creationId xmlns:a16="http://schemas.microsoft.com/office/drawing/2014/main" id="{FE2CA239-7D88-B261-BA68-CD5AB6BA6392}"/>
-              </a:ext>
-            </a:extLst>
-          </p:cNvPr>
-          <p:cNvSpPr/>
-          <p:nvPr/>
-        </p:nvSpPr>
-        <p:spPr>
-          <a:xfrm>
-            <a:off x="1913041" y="4813893"/>
-            <a:ext cx="742287" cy="452673"/>
-          </a:xfrm>
-          <a:prstGeom prst="roundRect">
-            <a:avLst/>
-          </a:prstGeom>
-          <a:solidFill>
-            <a:srgbClr val="548235">
-              <a:alpha val="69804"/>
-            </a:srgbClr>
-          </a:solidFill>
-          <a:ln>
-            <a:noFill/>
-          </a:ln>
-        </p:spPr>
-        <p:style>
-          <a:lnRef idx="2">
-            <a:schemeClr val="accent1">
-              <a:shade val="15000"/>
-            </a:schemeClr>
-          </a:lnRef>
-          <a:fillRef idx="1">
-            <a:schemeClr val="accent1"/>
-          </a:fillRef>
-          <a:effectRef idx="0">
-            <a:schemeClr val="accent1"/>
-          </a:effectRef>
-          <a:fontRef idx="minor">
-            <a:schemeClr val="lt1"/>
-          </a:fontRef>
-        </p:style>
-        <p:txBody>
-          <a:bodyPr rtlCol="0" anchor="ctr"/>
-          <a:lstStyle/>
-          <a:p>
-            <a:pPr algn="ctr"/>
-            <a:r>
-              <a:rPr lang="en-US" altLang="zh-CN" sz="1400" dirty="0">
-                <a:latin typeface="微软雅黑" panose="020B0503020204020204" pitchFamily="34" charset="-122"/>
-                <a:ea typeface="微软雅黑" panose="020B0503020204020204" pitchFamily="34" charset="-122"/>
-              </a:rPr>
-              <a:t>PL I2S</a:t>
-            </a:r>
-            <a:endParaRPr lang="zh-CN" altLang="en-US" sz="1400" dirty="0">
-              <a:latin typeface="微软雅黑" panose="020B0503020204020204" pitchFamily="34" charset="-122"/>
-              <a:ea typeface="微软雅黑" panose="020B0503020204020204" pitchFamily="34" charset="-122"/>
-            </a:endParaRPr>
-          </a:p>
-        </p:txBody>
-      </p:sp>
-      <p:sp>
-        <p:nvSpPr>
-          <p:cNvPr id="29" name="矩形: 圆角 28">
-            <a:extLst>
-              <a:ext uri="{FF2B5EF4-FFF2-40B4-BE49-F238E27FC236}">
-                <a16:creationId xmlns:a16="http://schemas.microsoft.com/office/drawing/2014/main" id="{4904483A-6560-8A5D-7EC0-F51DF8E29F4F}"/>
-              </a:ext>
-            </a:extLst>
-          </p:cNvPr>
-          <p:cNvSpPr/>
-          <p:nvPr/>
-        </p:nvSpPr>
-        <p:spPr>
-          <a:xfrm>
-            <a:off x="1513144" y="1148121"/>
-            <a:ext cx="1119760" cy="452673"/>
-          </a:xfrm>
-          <a:prstGeom prst="roundRect">
-            <a:avLst/>
-          </a:prstGeom>
-          <a:solidFill>
-            <a:srgbClr val="548235">
-              <a:alpha val="69804"/>
-            </a:srgbClr>
-          </a:solidFill>
-          <a:ln>
-            <a:noFill/>
-          </a:ln>
-        </p:spPr>
-        <p:style>
-          <a:lnRef idx="2">
-            <a:schemeClr val="accent1">
-              <a:shade val="15000"/>
-            </a:schemeClr>
-          </a:lnRef>
-          <a:fillRef idx="1">
-            <a:schemeClr val="accent1"/>
-          </a:fillRef>
-          <a:effectRef idx="0">
-            <a:schemeClr val="accent1"/>
-          </a:effectRef>
-          <a:fontRef idx="minor">
-            <a:schemeClr val="lt1"/>
-          </a:fontRef>
-        </p:style>
-        <p:txBody>
-          <a:bodyPr rtlCol="0" anchor="ctr"/>
-          <a:lstStyle/>
-          <a:p>
-            <a:pPr algn="ctr"/>
-            <a:r>
-              <a:rPr lang="en-US" altLang="zh-CN" sz="1400" dirty="0">
-                <a:latin typeface="微软雅黑" panose="020B0503020204020204" pitchFamily="34" charset="-122"/>
-                <a:ea typeface="微软雅黑" panose="020B0503020204020204" pitchFamily="34" charset="-122"/>
-              </a:rPr>
-              <a:t>PL </a:t>
-            </a:r>
-            <a:r>
-              <a:rPr lang="zh-CN" altLang="en-US" sz="1400" dirty="0">
-                <a:latin typeface="微软雅黑" panose="020B0503020204020204" pitchFamily="34" charset="-122"/>
-                <a:ea typeface="微软雅黑" panose="020B0503020204020204" pitchFamily="34" charset="-122"/>
-              </a:rPr>
-              <a:t>自定义按键</a:t>
-            </a:r>
-          </a:p>
-        </p:txBody>
-      </p:sp>
-      <p:sp>
-        <p:nvSpPr>
-          <p:cNvPr id="30" name="矩形: 圆角 29">
-            <a:extLst>
-              <a:ext uri="{FF2B5EF4-FFF2-40B4-BE49-F238E27FC236}">
-                <a16:creationId xmlns:a16="http://schemas.microsoft.com/office/drawing/2014/main" id="{15F6E9DD-209B-ADA7-190F-440978E091D5}"/>
-              </a:ext>
-            </a:extLst>
-          </p:cNvPr>
-          <p:cNvSpPr/>
-          <p:nvPr/>
-        </p:nvSpPr>
-        <p:spPr>
-          <a:xfrm>
-            <a:off x="1834130" y="1759083"/>
-            <a:ext cx="821198" cy="452673"/>
-          </a:xfrm>
-          <a:prstGeom prst="roundRect">
-            <a:avLst/>
-          </a:prstGeom>
-          <a:solidFill>
-            <a:srgbClr val="548235">
-              <a:alpha val="69804"/>
-            </a:srgbClr>
-          </a:solidFill>
-          <a:ln>
-            <a:noFill/>
-          </a:ln>
-        </p:spPr>
-        <p:style>
-          <a:lnRef idx="2">
-            <a:schemeClr val="accent1">
-              <a:shade val="15000"/>
-            </a:schemeClr>
-          </a:lnRef>
-          <a:fillRef idx="1">
-            <a:schemeClr val="accent1"/>
-          </a:fillRef>
-          <a:effectRef idx="0">
-            <a:schemeClr val="accent1"/>
-          </a:effectRef>
-          <a:fontRef idx="minor">
-            <a:schemeClr val="lt1"/>
-          </a:fontRef>
-        </p:style>
-        <p:txBody>
-          <a:bodyPr rtlCol="0" anchor="ctr"/>
-          <a:lstStyle/>
-          <a:p>
-            <a:pPr algn="ctr"/>
-            <a:r>
-              <a:rPr lang="en-US" altLang="zh-CN" sz="1400" dirty="0">
-                <a:latin typeface="微软雅黑" panose="020B0503020204020204" pitchFamily="34" charset="-122"/>
-                <a:ea typeface="微软雅黑" panose="020B0503020204020204" pitchFamily="34" charset="-122"/>
-              </a:rPr>
-              <a:t>PL LED</a:t>
-            </a:r>
-            <a:endParaRPr lang="zh-CN" altLang="en-US" sz="1400" dirty="0">
-              <a:latin typeface="微软雅黑" panose="020B0503020204020204" pitchFamily="34" charset="-122"/>
-              <a:ea typeface="微软雅黑" panose="020B0503020204020204" pitchFamily="34" charset="-122"/>
-            </a:endParaRPr>
-          </a:p>
-        </p:txBody>
-      </p:sp>
-      <p:sp>
-        <p:nvSpPr>
-          <p:cNvPr id="31" name="矩形: 圆角 30">
-            <a:extLst>
-              <a:ext uri="{FF2B5EF4-FFF2-40B4-BE49-F238E27FC236}">
-                <a16:creationId xmlns:a16="http://schemas.microsoft.com/office/drawing/2014/main" id="{C21572AA-E9E8-9339-01CD-B35540D8FD4B}"/>
-              </a:ext>
-            </a:extLst>
-          </p:cNvPr>
-          <p:cNvSpPr/>
-          <p:nvPr/>
-        </p:nvSpPr>
-        <p:spPr>
-          <a:xfrm>
-            <a:off x="9257834" y="2903430"/>
-            <a:ext cx="1352821" cy="452673"/>
-          </a:xfrm>
-          <a:prstGeom prst="roundRect">
-            <a:avLst/>
-          </a:prstGeom>
-          <a:solidFill>
-            <a:srgbClr val="548235">
-              <a:alpha val="69804"/>
-            </a:srgbClr>
-          </a:solidFill>
-          <a:ln>
-            <a:noFill/>
-          </a:ln>
-        </p:spPr>
-        <p:style>
-          <a:lnRef idx="2">
-            <a:schemeClr val="accent1">
-              <a:shade val="15000"/>
-            </a:schemeClr>
-          </a:lnRef>
-          <a:fillRef idx="1">
-            <a:schemeClr val="accent1"/>
-          </a:fillRef>
-          <a:effectRef idx="0">
-            <a:schemeClr val="accent1"/>
-          </a:effectRef>
-          <a:fontRef idx="minor">
-            <a:schemeClr val="lt1"/>
-          </a:fontRef>
-        </p:style>
-        <p:txBody>
-          <a:bodyPr rtlCol="0" anchor="ctr"/>
-          <a:lstStyle/>
-          <a:p>
-            <a:pPr algn="ctr"/>
-            <a:r>
-              <a:rPr lang="en-US" altLang="zh-CN" sz="1400" dirty="0">
-                <a:latin typeface="微软雅黑" panose="020B0503020204020204" pitchFamily="34" charset="-122"/>
-                <a:ea typeface="微软雅黑" panose="020B0503020204020204" pitchFamily="34" charset="-122"/>
-              </a:rPr>
-              <a:t>PL WS2812</a:t>
-            </a:r>
-            <a:endParaRPr lang="zh-CN" altLang="en-US" sz="1400" dirty="0">
-              <a:latin typeface="微软雅黑" panose="020B0503020204020204" pitchFamily="34" charset="-122"/>
-              <a:ea typeface="微软雅黑" panose="020B0503020204020204" pitchFamily="34" charset="-122"/>
-            </a:endParaRPr>
-          </a:p>
-        </p:txBody>
-      </p:sp>
-      <p:sp>
-        <p:nvSpPr>
-          <p:cNvPr id="37" name="矩形: 圆角 36">
-            <a:extLst>
-              <a:ext uri="{FF2B5EF4-FFF2-40B4-BE49-F238E27FC236}">
-                <a16:creationId xmlns:a16="http://schemas.microsoft.com/office/drawing/2014/main" id="{8E678401-8384-2E59-C0BB-909731EB26B7}"/>
-              </a:ext>
-            </a:extLst>
-          </p:cNvPr>
-          <p:cNvSpPr/>
-          <p:nvPr/>
-        </p:nvSpPr>
-        <p:spPr>
-          <a:xfrm>
-            <a:off x="5119114" y="6174780"/>
-            <a:ext cx="1086691" cy="452673"/>
-          </a:xfrm>
-          <a:prstGeom prst="roundRect">
-            <a:avLst/>
-          </a:prstGeom>
-          <a:solidFill>
-            <a:srgbClr val="7030A0">
-              <a:alpha val="69804"/>
-            </a:srgbClr>
-          </a:solidFill>
-          <a:ln>
-            <a:noFill/>
-          </a:ln>
-        </p:spPr>
-        <p:style>
-          <a:lnRef idx="2">
-            <a:schemeClr val="accent1">
-              <a:shade val="15000"/>
-            </a:schemeClr>
-          </a:lnRef>
-          <a:fillRef idx="1">
-            <a:schemeClr val="accent1"/>
-          </a:fillRef>
-          <a:effectRef idx="0">
-            <a:schemeClr val="accent1"/>
-          </a:effectRef>
-          <a:fontRef idx="minor">
-            <a:schemeClr val="lt1"/>
-          </a:fontRef>
-        </p:style>
-        <p:txBody>
-          <a:bodyPr rtlCol="0" anchor="ctr"/>
-          <a:lstStyle/>
-          <a:p>
-            <a:pPr algn="ctr"/>
-            <a:r>
-              <a:rPr lang="en-US" altLang="zh-CN" sz="1400" dirty="0">
-                <a:latin typeface="微软雅黑" panose="020B0503020204020204" pitchFamily="34" charset="-122"/>
-                <a:ea typeface="微软雅黑" panose="020B0503020204020204" pitchFamily="34" charset="-122"/>
-              </a:rPr>
-              <a:t>SoC UART</a:t>
-            </a:r>
-            <a:endParaRPr lang="zh-CN" altLang="en-US" sz="1400" dirty="0">
-              <a:latin typeface="微软雅黑" panose="020B0503020204020204" pitchFamily="34" charset="-122"/>
-              <a:ea typeface="微软雅黑" panose="020B0503020204020204" pitchFamily="34" charset="-122"/>
-            </a:endParaRPr>
-          </a:p>
-        </p:txBody>
-      </p:sp>
-      <p:sp>
-        <p:nvSpPr>
-          <p:cNvPr id="38" name="矩形: 圆角 37">
-            <a:extLst>
-              <a:ext uri="{FF2B5EF4-FFF2-40B4-BE49-F238E27FC236}">
-                <a16:creationId xmlns:a16="http://schemas.microsoft.com/office/drawing/2014/main" id="{64D9D097-E5D4-5BBD-B2AB-518E58C58F5F}"/>
-              </a:ext>
-            </a:extLst>
-          </p:cNvPr>
-          <p:cNvSpPr/>
-          <p:nvPr/>
-        </p:nvSpPr>
-        <p:spPr>
-          <a:xfrm>
-            <a:off x="3930923" y="6174780"/>
-            <a:ext cx="1056646" cy="452673"/>
-          </a:xfrm>
-          <a:prstGeom prst="roundRect">
-            <a:avLst/>
-          </a:prstGeom>
-          <a:solidFill>
-            <a:srgbClr val="7030A0">
-              <a:alpha val="69804"/>
-            </a:srgbClr>
-          </a:solidFill>
-          <a:ln>
-            <a:noFill/>
-          </a:ln>
-        </p:spPr>
-        <p:style>
-          <a:lnRef idx="2">
-            <a:schemeClr val="accent1">
-              <a:shade val="15000"/>
-            </a:schemeClr>
-          </a:lnRef>
-          <a:fillRef idx="1">
-            <a:schemeClr val="accent1"/>
-          </a:fillRef>
-          <a:effectRef idx="0">
-            <a:schemeClr val="accent1"/>
-          </a:effectRef>
-          <a:fontRef idx="minor">
-            <a:schemeClr val="lt1"/>
-          </a:fontRef>
-        </p:style>
-        <p:txBody>
-          <a:bodyPr rtlCol="0" anchor="ctr"/>
-          <a:lstStyle/>
-          <a:p>
-            <a:pPr algn="ctr"/>
-            <a:r>
-              <a:rPr lang="en-US" altLang="zh-CN" sz="1400" dirty="0">
-                <a:latin typeface="微软雅黑" panose="020B0503020204020204" pitchFamily="34" charset="-122"/>
-                <a:ea typeface="微软雅黑" panose="020B0503020204020204" pitchFamily="34" charset="-122"/>
-              </a:rPr>
-              <a:t>Flash</a:t>
-            </a:r>
-            <a:r>
-              <a:rPr lang="zh-CN" altLang="en-US" sz="1400" dirty="0">
-                <a:latin typeface="微软雅黑" panose="020B0503020204020204" pitchFamily="34" charset="-122"/>
-                <a:ea typeface="微软雅黑" panose="020B0503020204020204" pitchFamily="34" charset="-122"/>
-              </a:rPr>
-              <a:t>插座</a:t>
-            </a:r>
-          </a:p>
-        </p:txBody>
-      </p:sp>
-      <p:sp>
-        <p:nvSpPr>
-          <p:cNvPr id="39" name="矩形: 圆角 38">
-            <a:extLst>
-              <a:ext uri="{FF2B5EF4-FFF2-40B4-BE49-F238E27FC236}">
-                <a16:creationId xmlns:a16="http://schemas.microsoft.com/office/drawing/2014/main" id="{80A1CD1F-8710-4049-6575-A7BA1CEF0187}"/>
-              </a:ext>
-            </a:extLst>
-          </p:cNvPr>
-          <p:cNvSpPr/>
-          <p:nvPr/>
-        </p:nvSpPr>
-        <p:spPr>
-          <a:xfrm>
-            <a:off x="2634720" y="6174780"/>
-            <a:ext cx="1164658" cy="452673"/>
-          </a:xfrm>
-          <a:prstGeom prst="roundRect">
-            <a:avLst/>
-          </a:prstGeom>
-          <a:solidFill>
-            <a:srgbClr val="7030A0">
-              <a:alpha val="69804"/>
-            </a:srgbClr>
-          </a:solidFill>
-          <a:ln>
-            <a:noFill/>
-          </a:ln>
-        </p:spPr>
-        <p:style>
-          <a:lnRef idx="2">
-            <a:schemeClr val="accent1">
-              <a:shade val="15000"/>
-            </a:schemeClr>
-          </a:lnRef>
-          <a:fillRef idx="1">
-            <a:schemeClr val="accent1"/>
-          </a:fillRef>
-          <a:effectRef idx="0">
-            <a:schemeClr val="accent1"/>
-          </a:effectRef>
-          <a:fontRef idx="minor">
-            <a:schemeClr val="lt1"/>
-          </a:fontRef>
-        </p:style>
-        <p:txBody>
-          <a:bodyPr rtlCol="0" anchor="ctr"/>
-          <a:lstStyle/>
-          <a:p>
-            <a:pPr algn="ctr"/>
-            <a:r>
-              <a:rPr lang="zh-CN" altLang="en-US" sz="1400" dirty="0">
-                <a:latin typeface="微软雅黑" panose="020B0503020204020204" pitchFamily="34" charset="-122"/>
-                <a:ea typeface="微软雅黑" panose="020B0503020204020204" pitchFamily="34" charset="-122"/>
-              </a:rPr>
-              <a:t>板载烧写器</a:t>
-            </a:r>
-          </a:p>
-        </p:txBody>
-      </p:sp>
-      <p:sp>
-        <p:nvSpPr>
-          <p:cNvPr id="40" name="矩形: 圆角 39">
-            <a:extLst>
-              <a:ext uri="{FF2B5EF4-FFF2-40B4-BE49-F238E27FC236}">
-                <a16:creationId xmlns:a16="http://schemas.microsoft.com/office/drawing/2014/main" id="{E9DE248D-8E92-F797-797C-24D3F33F40A7}"/>
-              </a:ext>
-            </a:extLst>
-          </p:cNvPr>
-          <p:cNvSpPr/>
-          <p:nvPr/>
-        </p:nvSpPr>
-        <p:spPr>
-          <a:xfrm>
-            <a:off x="1532892" y="6174780"/>
-            <a:ext cx="970283" cy="452673"/>
-          </a:xfrm>
-          <a:prstGeom prst="roundRect">
-            <a:avLst/>
-          </a:prstGeom>
-          <a:solidFill>
-            <a:srgbClr val="7030A0">
-              <a:alpha val="69804"/>
-            </a:srgbClr>
-          </a:solidFill>
-          <a:ln>
-            <a:noFill/>
-          </a:ln>
-        </p:spPr>
-        <p:style>
-          <a:lnRef idx="2">
-            <a:schemeClr val="accent1">
-              <a:shade val="15000"/>
-            </a:schemeClr>
-          </a:lnRef>
-          <a:fillRef idx="1">
-            <a:schemeClr val="accent1"/>
-          </a:fillRef>
-          <a:effectRef idx="0">
-            <a:schemeClr val="accent1"/>
-          </a:effectRef>
-          <a:fontRef idx="minor">
-            <a:schemeClr val="lt1"/>
-          </a:fontRef>
-        </p:style>
-        <p:txBody>
-          <a:bodyPr rtlCol="0" anchor="ctr"/>
-          <a:lstStyle/>
-          <a:p>
-            <a:pPr algn="ctr"/>
-            <a:r>
-              <a:rPr lang="en-US" altLang="zh-CN" sz="1400" dirty="0">
-                <a:latin typeface="微软雅黑" panose="020B0503020204020204" pitchFamily="34" charset="-122"/>
-                <a:ea typeface="微软雅黑" panose="020B0503020204020204" pitchFamily="34" charset="-122"/>
-              </a:rPr>
-              <a:t>TF</a:t>
-            </a:r>
-            <a:r>
-              <a:rPr lang="zh-CN" altLang="en-US" sz="1400" dirty="0">
-                <a:latin typeface="微软雅黑" panose="020B0503020204020204" pitchFamily="34" charset="-122"/>
-                <a:ea typeface="微软雅黑" panose="020B0503020204020204" pitchFamily="34" charset="-122"/>
-              </a:rPr>
-              <a:t>卡插座</a:t>
-            </a:r>
-          </a:p>
-        </p:txBody>
-      </p:sp>
-      <p:sp>
-        <p:nvSpPr>
-          <p:cNvPr id="41" name="矩形: 圆角 40">
-            <a:extLst>
-              <a:ext uri="{FF2B5EF4-FFF2-40B4-BE49-F238E27FC236}">
-                <a16:creationId xmlns:a16="http://schemas.microsoft.com/office/drawing/2014/main" id="{7F84D267-B816-6A28-C045-7C51B7F2B849}"/>
-              </a:ext>
-            </a:extLst>
-          </p:cNvPr>
-          <p:cNvSpPr/>
-          <p:nvPr/>
-        </p:nvSpPr>
-        <p:spPr>
-          <a:xfrm>
-            <a:off x="1699139" y="2981007"/>
-            <a:ext cx="956189" cy="452673"/>
-          </a:xfrm>
-          <a:prstGeom prst="roundRect">
-            <a:avLst/>
-          </a:prstGeom>
-          <a:solidFill>
-            <a:srgbClr val="7030A0">
-              <a:alpha val="69804"/>
-            </a:srgbClr>
-          </a:solidFill>
-          <a:ln>
-            <a:noFill/>
-          </a:ln>
-        </p:spPr>
-        <p:style>
-          <a:lnRef idx="2">
-            <a:schemeClr val="accent1">
-              <a:shade val="15000"/>
-            </a:schemeClr>
-          </a:lnRef>
-          <a:fillRef idx="1">
-            <a:schemeClr val="accent1"/>
-          </a:fillRef>
-          <a:effectRef idx="0">
-            <a:schemeClr val="accent1"/>
-          </a:effectRef>
-          <a:fontRef idx="minor">
-            <a:schemeClr val="lt1"/>
-          </a:fontRef>
-        </p:style>
-        <p:txBody>
-          <a:bodyPr rtlCol="0" anchor="ctr"/>
-          <a:lstStyle/>
-          <a:p>
-            <a:pPr algn="ctr"/>
-            <a:r>
-              <a:rPr lang="zh-CN" altLang="en-US" sz="1400" dirty="0">
-                <a:latin typeface="微软雅黑" panose="020B0503020204020204" pitchFamily="34" charset="-122"/>
-                <a:ea typeface="微软雅黑" panose="020B0503020204020204" pitchFamily="34" charset="-122"/>
-              </a:rPr>
-              <a:t>晶振插座</a:t>
-            </a:r>
-          </a:p>
-        </p:txBody>
-      </p:sp>
-      <p:sp>
-        <p:nvSpPr>
-          <p:cNvPr id="42" name="矩形: 圆角 41">
-            <a:extLst>
-              <a:ext uri="{FF2B5EF4-FFF2-40B4-BE49-F238E27FC236}">
-                <a16:creationId xmlns:a16="http://schemas.microsoft.com/office/drawing/2014/main" id="{B7F8044A-7488-603D-9A9E-4924A96C2699}"/>
-              </a:ext>
-            </a:extLst>
-          </p:cNvPr>
-          <p:cNvSpPr/>
-          <p:nvPr/>
-        </p:nvSpPr>
-        <p:spPr>
-          <a:xfrm>
-            <a:off x="6337350" y="6174780"/>
-            <a:ext cx="1230147" cy="452673"/>
-          </a:xfrm>
-          <a:prstGeom prst="roundRect">
-            <a:avLst/>
-          </a:prstGeom>
-          <a:solidFill>
-            <a:srgbClr val="7030A0">
-              <a:alpha val="69804"/>
-            </a:srgbClr>
-          </a:solidFill>
-          <a:ln>
-            <a:noFill/>
-          </a:ln>
-        </p:spPr>
-        <p:style>
-          <a:lnRef idx="2">
-            <a:schemeClr val="accent1">
-              <a:shade val="15000"/>
-            </a:schemeClr>
-          </a:lnRef>
-          <a:fillRef idx="1">
-            <a:schemeClr val="accent1"/>
-          </a:fillRef>
-          <a:effectRef idx="0">
-            <a:schemeClr val="accent1"/>
-          </a:effectRef>
-          <a:fontRef idx="minor">
-            <a:schemeClr val="lt1"/>
-          </a:fontRef>
-        </p:style>
-        <p:txBody>
-          <a:bodyPr rtlCol="0" anchor="ctr"/>
-          <a:lstStyle/>
-          <a:p>
-            <a:pPr algn="ctr"/>
-            <a:r>
-              <a:rPr lang="zh-CN" altLang="en-US" sz="1400" dirty="0">
-                <a:latin typeface="微软雅黑" panose="020B0503020204020204" pitchFamily="34" charset="-122"/>
-                <a:ea typeface="微软雅黑" panose="020B0503020204020204" pitchFamily="34" charset="-122"/>
-              </a:rPr>
-              <a:t>外置</a:t>
-            </a:r>
-            <a:r>
-              <a:rPr lang="en-US" altLang="zh-CN" sz="1400" dirty="0">
-                <a:latin typeface="微软雅黑" panose="020B0503020204020204" pitchFamily="34" charset="-122"/>
-                <a:ea typeface="微软雅黑" panose="020B0503020204020204" pitchFamily="34" charset="-122"/>
-              </a:rPr>
-              <a:t>5V</a:t>
-            </a:r>
-            <a:r>
-              <a:rPr lang="zh-CN" altLang="en-US" sz="1400" dirty="0">
-                <a:latin typeface="微软雅黑" panose="020B0503020204020204" pitchFamily="34" charset="-122"/>
-                <a:ea typeface="微软雅黑" panose="020B0503020204020204" pitchFamily="34" charset="-122"/>
-              </a:rPr>
-              <a:t>电源</a:t>
-            </a:r>
-          </a:p>
-        </p:txBody>
-      </p:sp>
-      <p:sp>
-        <p:nvSpPr>
-          <p:cNvPr id="43" name="矩形: 圆角 42">
-            <a:extLst>
-              <a:ext uri="{FF2B5EF4-FFF2-40B4-BE49-F238E27FC236}">
-                <a16:creationId xmlns:a16="http://schemas.microsoft.com/office/drawing/2014/main" id="{9504C668-FE6B-3617-2B06-CDD7482EE37B}"/>
-              </a:ext>
-            </a:extLst>
-          </p:cNvPr>
-          <p:cNvSpPr/>
-          <p:nvPr/>
-        </p:nvSpPr>
-        <p:spPr>
-          <a:xfrm>
-            <a:off x="7699042" y="6174780"/>
-            <a:ext cx="1324545" cy="452673"/>
-          </a:xfrm>
-          <a:prstGeom prst="roundRect">
-            <a:avLst/>
-          </a:prstGeom>
-          <a:solidFill>
-            <a:srgbClr val="7030A0">
-              <a:alpha val="69804"/>
-            </a:srgbClr>
-          </a:solidFill>
-          <a:ln>
-            <a:noFill/>
-          </a:ln>
-        </p:spPr>
-        <p:style>
-          <a:lnRef idx="2">
-            <a:schemeClr val="accent1">
-              <a:shade val="15000"/>
-            </a:schemeClr>
-          </a:lnRef>
-          <a:fillRef idx="1">
-            <a:schemeClr val="accent1"/>
-          </a:fillRef>
-          <a:effectRef idx="0">
-            <a:schemeClr val="accent1"/>
-          </a:effectRef>
-          <a:fontRef idx="minor">
-            <a:schemeClr val="lt1"/>
-          </a:fontRef>
-        </p:style>
-        <p:txBody>
-          <a:bodyPr rtlCol="0" anchor="ctr"/>
-          <a:lstStyle/>
-          <a:p>
-            <a:pPr algn="ctr"/>
-            <a:r>
-              <a:rPr lang="zh-CN" altLang="en-US" sz="1400" dirty="0">
-                <a:latin typeface="微软雅黑" panose="020B0503020204020204" pitchFamily="34" charset="-122"/>
-                <a:ea typeface="微软雅黑" panose="020B0503020204020204" pitchFamily="34" charset="-122"/>
-              </a:rPr>
-              <a:t>电源模式切换</a:t>
-            </a:r>
-          </a:p>
-        </p:txBody>
-      </p:sp>
-      <p:sp>
-        <p:nvSpPr>
-          <p:cNvPr id="44" name="矩形: 圆角 43">
-            <a:extLst>
-              <a:ext uri="{FF2B5EF4-FFF2-40B4-BE49-F238E27FC236}">
-                <a16:creationId xmlns:a16="http://schemas.microsoft.com/office/drawing/2014/main" id="{F435EF3B-D59E-3105-A842-4E8C8EF83538}"/>
-              </a:ext>
-            </a:extLst>
-          </p:cNvPr>
-          <p:cNvSpPr/>
-          <p:nvPr/>
-        </p:nvSpPr>
-        <p:spPr>
-          <a:xfrm>
-            <a:off x="9155130" y="6174780"/>
-            <a:ext cx="1324544" cy="452673"/>
-          </a:xfrm>
-          <a:prstGeom prst="roundRect">
-            <a:avLst/>
-          </a:prstGeom>
-          <a:solidFill>
-            <a:srgbClr val="7030A0">
-              <a:alpha val="69804"/>
-            </a:srgbClr>
-          </a:solidFill>
-          <a:ln>
-            <a:noFill/>
-          </a:ln>
-        </p:spPr>
-        <p:style>
-          <a:lnRef idx="2">
-            <a:schemeClr val="accent1">
-              <a:shade val="15000"/>
-            </a:schemeClr>
-          </a:lnRef>
-          <a:fillRef idx="1">
-            <a:schemeClr val="accent1"/>
-          </a:fillRef>
-          <a:effectRef idx="0">
-            <a:schemeClr val="accent1"/>
-          </a:effectRef>
-          <a:fontRef idx="minor">
-            <a:schemeClr val="lt1"/>
-          </a:fontRef>
-        </p:style>
-        <p:txBody>
-          <a:bodyPr rtlCol="0" anchor="ctr"/>
-          <a:lstStyle/>
-          <a:p>
-            <a:pPr algn="ctr"/>
-            <a:r>
-              <a:rPr lang="zh-CN" altLang="en-US" sz="1400" dirty="0">
-                <a:latin typeface="微软雅黑" panose="020B0503020204020204" pitchFamily="34" charset="-122"/>
-                <a:ea typeface="微软雅黑" panose="020B0503020204020204" pitchFamily="34" charset="-122"/>
-              </a:rPr>
-              <a:t>自锁电源开关</a:t>
-            </a:r>
-          </a:p>
-        </p:txBody>
-      </p:sp>
-      <p:sp>
-        <p:nvSpPr>
-          <p:cNvPr id="45" name="矩形: 圆角 44">
-            <a:extLst>
-              <a:ext uri="{FF2B5EF4-FFF2-40B4-BE49-F238E27FC236}">
-                <a16:creationId xmlns:a16="http://schemas.microsoft.com/office/drawing/2014/main" id="{65B709A5-640F-E8E9-2FC2-EB9B7861C517}"/>
-              </a:ext>
-            </a:extLst>
-          </p:cNvPr>
-          <p:cNvSpPr/>
-          <p:nvPr/>
-        </p:nvSpPr>
-        <p:spPr>
-          <a:xfrm>
-            <a:off x="735071" y="5424852"/>
-            <a:ext cx="633575" cy="452673"/>
-          </a:xfrm>
-          <a:prstGeom prst="roundRect">
-            <a:avLst/>
-          </a:prstGeom>
-          <a:solidFill>
-            <a:srgbClr val="548235">
-              <a:alpha val="69804"/>
-            </a:srgbClr>
-          </a:solidFill>
-          <a:ln>
-            <a:noFill/>
-          </a:ln>
-        </p:spPr>
-        <p:style>
-          <a:lnRef idx="2">
-            <a:schemeClr val="accent1">
-              <a:shade val="15000"/>
-            </a:schemeClr>
-          </a:lnRef>
-          <a:fillRef idx="1">
-            <a:schemeClr val="accent1"/>
-          </a:fillRef>
-          <a:effectRef idx="0">
-            <a:schemeClr val="accent1"/>
-          </a:effectRef>
-          <a:fontRef idx="minor">
-            <a:schemeClr val="lt1"/>
-          </a:fontRef>
-        </p:style>
-        <p:txBody>
-          <a:bodyPr rtlCol="0" anchor="ctr"/>
-          <a:lstStyle/>
-          <a:p>
-            <a:pPr algn="ctr"/>
-            <a:r>
-              <a:rPr lang="en-US" altLang="zh-CN" sz="1400" dirty="0">
-                <a:latin typeface="微软雅黑" panose="020B0503020204020204" pitchFamily="34" charset="-122"/>
-                <a:ea typeface="微软雅黑" panose="020B0503020204020204" pitchFamily="34" charset="-122"/>
-              </a:rPr>
-              <a:t>MIC</a:t>
-            </a:r>
-            <a:endParaRPr lang="zh-CN" altLang="en-US" sz="1400" dirty="0">
-              <a:latin typeface="微软雅黑" panose="020B0503020204020204" pitchFamily="34" charset="-122"/>
-              <a:ea typeface="微软雅黑" panose="020B0503020204020204" pitchFamily="34" charset="-122"/>
-            </a:endParaRPr>
-          </a:p>
-        </p:txBody>
-      </p:sp>
-      <p:sp>
-        <p:nvSpPr>
-          <p:cNvPr id="46" name="矩形: 圆角 45">
-            <a:extLst>
-              <a:ext uri="{FF2B5EF4-FFF2-40B4-BE49-F238E27FC236}">
-                <a16:creationId xmlns:a16="http://schemas.microsoft.com/office/drawing/2014/main" id="{79D7F830-CAFF-45A3-DBC2-14F2B9540AC7}"/>
-              </a:ext>
-            </a:extLst>
-          </p:cNvPr>
-          <p:cNvSpPr/>
-          <p:nvPr/>
-        </p:nvSpPr>
-        <p:spPr>
-          <a:xfrm>
-            <a:off x="397940" y="4812647"/>
-            <a:ext cx="970706" cy="452673"/>
-          </a:xfrm>
-          <a:prstGeom prst="roundRect">
-            <a:avLst/>
-          </a:prstGeom>
-          <a:solidFill>
-            <a:srgbClr val="548235">
-              <a:alpha val="69804"/>
-            </a:srgbClr>
-          </a:solidFill>
-          <a:ln>
-            <a:noFill/>
-          </a:ln>
-        </p:spPr>
-        <p:style>
-          <a:lnRef idx="2">
-            <a:schemeClr val="accent1">
-              <a:shade val="15000"/>
-            </a:schemeClr>
-          </a:lnRef>
-          <a:fillRef idx="1">
-            <a:schemeClr val="accent1"/>
-          </a:fillRef>
-          <a:effectRef idx="0">
-            <a:schemeClr val="accent1"/>
-          </a:effectRef>
-          <a:fontRef idx="minor">
-            <a:schemeClr val="lt1"/>
-          </a:fontRef>
-        </p:style>
-        <p:txBody>
-          <a:bodyPr rtlCol="0" anchor="ctr"/>
-          <a:lstStyle/>
-          <a:p>
-            <a:pPr algn="ctr"/>
-            <a:r>
-              <a:rPr lang="zh-CN" altLang="en-US" sz="1400" dirty="0">
-                <a:latin typeface="微软雅黑" panose="020B0503020204020204" pitchFamily="34" charset="-122"/>
-                <a:ea typeface="微软雅黑" panose="020B0503020204020204" pitchFamily="34" charset="-122"/>
-              </a:rPr>
-              <a:t>音频输入</a:t>
-            </a:r>
-          </a:p>
-        </p:txBody>
-      </p:sp>
-      <p:sp>
-        <p:nvSpPr>
-          <p:cNvPr id="47" name="矩形: 圆角 46">
-            <a:extLst>
-              <a:ext uri="{FF2B5EF4-FFF2-40B4-BE49-F238E27FC236}">
-                <a16:creationId xmlns:a16="http://schemas.microsoft.com/office/drawing/2014/main" id="{A202E340-F290-24B5-D7AC-2E9FF7A0BBFB}"/>
-              </a:ext>
-            </a:extLst>
-          </p:cNvPr>
-          <p:cNvSpPr/>
-          <p:nvPr/>
-        </p:nvSpPr>
-        <p:spPr>
-          <a:xfrm>
-            <a:off x="400424" y="4200441"/>
-            <a:ext cx="968222" cy="452673"/>
-          </a:xfrm>
-          <a:prstGeom prst="roundRect">
-            <a:avLst/>
-          </a:prstGeom>
-          <a:solidFill>
-            <a:srgbClr val="548235">
-              <a:alpha val="69804"/>
-            </a:srgbClr>
-          </a:solidFill>
-          <a:ln>
-            <a:noFill/>
-          </a:ln>
-        </p:spPr>
-        <p:style>
-          <a:lnRef idx="2">
-            <a:schemeClr val="accent1">
-              <a:shade val="15000"/>
-            </a:schemeClr>
-          </a:lnRef>
-          <a:fillRef idx="1">
-            <a:schemeClr val="accent1"/>
-          </a:fillRef>
-          <a:effectRef idx="0">
-            <a:schemeClr val="accent1"/>
-          </a:effectRef>
-          <a:fontRef idx="minor">
-            <a:schemeClr val="lt1"/>
-          </a:fontRef>
-        </p:style>
-        <p:txBody>
-          <a:bodyPr rtlCol="0" anchor="ctr"/>
-          <a:lstStyle/>
-          <a:p>
-            <a:pPr algn="ctr"/>
-            <a:r>
-              <a:rPr lang="zh-CN" altLang="en-US" sz="1400" dirty="0">
-                <a:latin typeface="微软雅黑" panose="020B0503020204020204" pitchFamily="34" charset="-122"/>
-                <a:ea typeface="微软雅黑" panose="020B0503020204020204" pitchFamily="34" charset="-122"/>
-              </a:rPr>
-              <a:t>耳机输出</a:t>
-            </a:r>
-          </a:p>
-        </p:txBody>
-      </p:sp>
-      <p:sp>
-        <p:nvSpPr>
-          <p:cNvPr id="48" name="矩形: 圆角 47">
-            <a:extLst>
-              <a:ext uri="{FF2B5EF4-FFF2-40B4-BE49-F238E27FC236}">
-                <a16:creationId xmlns:a16="http://schemas.microsoft.com/office/drawing/2014/main" id="{10E42CB5-93DD-3E27-34B7-BEFAEB57F938}"/>
-              </a:ext>
-            </a:extLst>
-          </p:cNvPr>
-          <p:cNvSpPr/>
-          <p:nvPr/>
-        </p:nvSpPr>
-        <p:spPr>
-          <a:xfrm>
-            <a:off x="9257834" y="5424853"/>
-            <a:ext cx="1338293" cy="452673"/>
-          </a:xfrm>
-          <a:prstGeom prst="roundRect">
-            <a:avLst/>
-          </a:prstGeom>
-          <a:solidFill>
-            <a:srgbClr val="7030A0">
-              <a:alpha val="69804"/>
-            </a:srgbClr>
-          </a:solidFill>
-          <a:ln>
-            <a:noFill/>
-          </a:ln>
-        </p:spPr>
-        <p:style>
-          <a:lnRef idx="2">
-            <a:schemeClr val="accent1">
-              <a:shade val="15000"/>
-            </a:schemeClr>
-          </a:lnRef>
-          <a:fillRef idx="1">
-            <a:schemeClr val="accent1"/>
-          </a:fillRef>
-          <a:effectRef idx="0">
-            <a:schemeClr val="accent1"/>
-          </a:effectRef>
-          <a:fontRef idx="minor">
-            <a:schemeClr val="lt1"/>
-          </a:fontRef>
-        </p:style>
-        <p:txBody>
-          <a:bodyPr rtlCol="0" anchor="ctr"/>
-          <a:lstStyle/>
-          <a:p>
-            <a:pPr algn="ctr"/>
-            <a:r>
-              <a:rPr lang="zh-CN" altLang="en-US" sz="1400" dirty="0">
-                <a:latin typeface="微软雅黑" panose="020B0503020204020204" pitchFamily="34" charset="-122"/>
-                <a:ea typeface="微软雅黑" panose="020B0503020204020204" pitchFamily="34" charset="-122"/>
-              </a:rPr>
-              <a:t>时钟拨码开关</a:t>
-            </a:r>
-          </a:p>
-        </p:txBody>
-      </p:sp>
-      <p:sp>
-        <p:nvSpPr>
-          <p:cNvPr id="49" name="矩形: 圆角 48">
-            <a:extLst>
-              <a:ext uri="{FF2B5EF4-FFF2-40B4-BE49-F238E27FC236}">
-                <a16:creationId xmlns:a16="http://schemas.microsoft.com/office/drawing/2014/main" id="{E8636E72-4B2A-8B25-1488-88956BB92D7E}"/>
-              </a:ext>
-            </a:extLst>
-          </p:cNvPr>
-          <p:cNvSpPr/>
-          <p:nvPr/>
-        </p:nvSpPr>
-        <p:spPr>
-          <a:xfrm>
-            <a:off x="10732197" y="5424852"/>
-            <a:ext cx="1181130" cy="452673"/>
-          </a:xfrm>
-          <a:prstGeom prst="roundRect">
-            <a:avLst/>
-          </a:prstGeom>
-          <a:solidFill>
-            <a:srgbClr val="7030A0">
-              <a:alpha val="69804"/>
-            </a:srgbClr>
-          </a:solidFill>
-          <a:ln>
-            <a:noFill/>
-          </a:ln>
-        </p:spPr>
-        <p:style>
-          <a:lnRef idx="2">
-            <a:schemeClr val="accent1">
-              <a:shade val="15000"/>
-            </a:schemeClr>
-          </a:lnRef>
-          <a:fillRef idx="1">
-            <a:schemeClr val="accent1"/>
-          </a:fillRef>
-          <a:effectRef idx="0">
-            <a:schemeClr val="accent1"/>
-          </a:effectRef>
-          <a:fontRef idx="minor">
-            <a:schemeClr val="lt1"/>
-          </a:fontRef>
-        </p:style>
-        <p:txBody>
-          <a:bodyPr rtlCol="0" anchor="ctr"/>
-          <a:lstStyle/>
-          <a:p>
-            <a:pPr algn="ctr"/>
-            <a:r>
-              <a:rPr lang="zh-CN" altLang="en-US" sz="1400" dirty="0">
-                <a:latin typeface="微软雅黑" panose="020B0503020204020204" pitchFamily="34" charset="-122"/>
-                <a:ea typeface="微软雅黑" panose="020B0503020204020204" pitchFamily="34" charset="-122"/>
-              </a:rPr>
-              <a:t>核选通拨码开关</a:t>
-            </a:r>
-          </a:p>
-        </p:txBody>
-      </p:sp>
-      <p:sp>
-        <p:nvSpPr>
-          <p:cNvPr id="50" name="矩形: 圆角 49">
-            <a:extLst>
-              <a:ext uri="{FF2B5EF4-FFF2-40B4-BE49-F238E27FC236}">
-                <a16:creationId xmlns:a16="http://schemas.microsoft.com/office/drawing/2014/main" id="{5CCE9934-D672-D146-0B98-A7EACCEEC01D}"/>
-              </a:ext>
-            </a:extLst>
-          </p:cNvPr>
-          <p:cNvSpPr/>
-          <p:nvPr/>
-        </p:nvSpPr>
-        <p:spPr>
-          <a:xfrm>
-            <a:off x="7371806" y="347086"/>
-            <a:ext cx="703887" cy="452673"/>
-          </a:xfrm>
-          <a:prstGeom prst="roundRect">
-            <a:avLst/>
-          </a:prstGeom>
-          <a:solidFill>
-            <a:srgbClr val="548235">
-              <a:alpha val="69804"/>
-            </a:srgbClr>
-          </a:solidFill>
-          <a:ln>
-            <a:noFill/>
-          </a:ln>
-        </p:spPr>
-        <p:style>
-          <a:lnRef idx="2">
-            <a:schemeClr val="accent1">
-              <a:shade val="15000"/>
-            </a:schemeClr>
-          </a:lnRef>
-          <a:fillRef idx="1">
-            <a:schemeClr val="accent1"/>
-          </a:fillRef>
-          <a:effectRef idx="0">
-            <a:schemeClr val="accent1"/>
-          </a:effectRef>
-          <a:fontRef idx="minor">
-            <a:schemeClr val="lt1"/>
-          </a:fontRef>
-        </p:style>
-        <p:txBody>
-          <a:bodyPr rtlCol="0" anchor="ctr"/>
-          <a:lstStyle/>
-          <a:p>
-            <a:pPr algn="ctr"/>
-            <a:r>
-              <a:rPr lang="en-US" altLang="zh-CN" sz="1400" dirty="0">
-                <a:latin typeface="微软雅黑" panose="020B0503020204020204" pitchFamily="34" charset="-122"/>
-                <a:ea typeface="微软雅黑" panose="020B0503020204020204" pitchFamily="34" charset="-122"/>
-              </a:rPr>
-              <a:t>PL IO</a:t>
-            </a:r>
-            <a:endParaRPr lang="zh-CN" altLang="en-US" sz="1400" dirty="0">
-              <a:latin typeface="微软雅黑" panose="020B0503020204020204" pitchFamily="34" charset="-122"/>
-              <a:ea typeface="微软雅黑" panose="020B0503020204020204" pitchFamily="34" charset="-122"/>
-            </a:endParaRPr>
-          </a:p>
-        </p:txBody>
-      </p:sp>
-      <p:sp>
-        <p:nvSpPr>
-          <p:cNvPr id="51" name="矩形: 圆角 50">
-            <a:extLst>
-              <a:ext uri="{FF2B5EF4-FFF2-40B4-BE49-F238E27FC236}">
-                <a16:creationId xmlns:a16="http://schemas.microsoft.com/office/drawing/2014/main" id="{B62544C1-ED4D-57F7-900F-7FEE3B608BFE}"/>
-              </a:ext>
-            </a:extLst>
-          </p:cNvPr>
-          <p:cNvSpPr/>
-          <p:nvPr/>
-        </p:nvSpPr>
-        <p:spPr>
-          <a:xfrm>
-            <a:off x="9257834" y="1012362"/>
-            <a:ext cx="1144379" cy="452673"/>
-          </a:xfrm>
-          <a:prstGeom prst="roundRect">
-            <a:avLst/>
-          </a:prstGeom>
-          <a:solidFill>
-            <a:srgbClr val="2F5597">
-              <a:alpha val="69804"/>
-            </a:srgbClr>
-          </a:solidFill>
-          <a:ln>
-            <a:noFill/>
-          </a:ln>
-        </p:spPr>
-        <p:style>
-          <a:lnRef idx="2">
-            <a:schemeClr val="accent1">
-              <a:shade val="15000"/>
-            </a:schemeClr>
-          </a:lnRef>
-          <a:fillRef idx="1">
-            <a:schemeClr val="accent1"/>
-          </a:fillRef>
-          <a:effectRef idx="0">
-            <a:schemeClr val="accent1"/>
-          </a:effectRef>
-          <a:fontRef idx="minor">
-            <a:schemeClr val="lt1"/>
-          </a:fontRef>
-        </p:style>
-        <p:txBody>
-          <a:bodyPr rtlCol="0" anchor="ctr"/>
-          <a:lstStyle/>
-          <a:p>
-            <a:pPr algn="ctr"/>
-            <a:r>
-              <a:rPr lang="en-US" altLang="zh-CN" sz="1400" dirty="0">
-                <a:latin typeface="微软雅黑" panose="020B0503020204020204" pitchFamily="34" charset="-122"/>
-                <a:ea typeface="微软雅黑" panose="020B0503020204020204" pitchFamily="34" charset="-122"/>
-              </a:rPr>
-              <a:t>IPEX</a:t>
-            </a:r>
-            <a:r>
-              <a:rPr lang="zh-CN" altLang="en-US" sz="1400" dirty="0">
-                <a:latin typeface="微软雅黑" panose="020B0503020204020204" pitchFamily="34" charset="-122"/>
-                <a:ea typeface="微软雅黑" panose="020B0503020204020204" pitchFamily="34" charset="-122"/>
-              </a:rPr>
-              <a:t>天线座</a:t>
-            </a:r>
-          </a:p>
-        </p:txBody>
-      </p:sp>
-      <p:sp>
-        <p:nvSpPr>
-          <p:cNvPr id="52" name="矩形: 圆角 51">
-            <a:extLst>
-              <a:ext uri="{FF2B5EF4-FFF2-40B4-BE49-F238E27FC236}">
-                <a16:creationId xmlns:a16="http://schemas.microsoft.com/office/drawing/2014/main" id="{0CBDB308-F86A-75F3-55AE-A052CC98C396}"/>
-              </a:ext>
-            </a:extLst>
-          </p:cNvPr>
-          <p:cNvSpPr/>
-          <p:nvPr/>
-        </p:nvSpPr>
-        <p:spPr>
-          <a:xfrm>
-            <a:off x="1685045" y="5424853"/>
-            <a:ext cx="970283" cy="452673"/>
-          </a:xfrm>
-          <a:prstGeom prst="roundRect">
-            <a:avLst/>
-          </a:prstGeom>
-          <a:solidFill>
-            <a:srgbClr val="7030A0">
-              <a:alpha val="69804"/>
-            </a:srgbClr>
-          </a:solidFill>
-          <a:ln>
-            <a:noFill/>
-          </a:ln>
-        </p:spPr>
-        <p:style>
-          <a:lnRef idx="2">
-            <a:schemeClr val="accent1">
-              <a:shade val="15000"/>
-            </a:schemeClr>
-          </a:lnRef>
-          <a:fillRef idx="1">
-            <a:schemeClr val="accent1"/>
-          </a:fillRef>
-          <a:effectRef idx="0">
-            <a:schemeClr val="accent1"/>
-          </a:effectRef>
-          <a:fontRef idx="minor">
-            <a:schemeClr val="lt1"/>
-          </a:fontRef>
-        </p:style>
-        <p:txBody>
-          <a:bodyPr rtlCol="0" anchor="ctr"/>
-          <a:lstStyle/>
-          <a:p>
-            <a:pPr algn="ctr"/>
-            <a:r>
-              <a:rPr lang="zh-CN" altLang="en-US" sz="1400" dirty="0">
-                <a:latin typeface="微软雅黑" panose="020B0503020204020204" pitchFamily="34" charset="-122"/>
-                <a:ea typeface="微软雅黑" panose="020B0503020204020204" pitchFamily="34" charset="-122"/>
-              </a:rPr>
-              <a:t>复位按键</a:t>
-            </a:r>
-          </a:p>
-        </p:txBody>
-      </p:sp>
-      <p:sp>
-        <p:nvSpPr>
-          <p:cNvPr id="53" name="矩形: 圆角 52">
-            <a:extLst>
-              <a:ext uri="{FF2B5EF4-FFF2-40B4-BE49-F238E27FC236}">
-                <a16:creationId xmlns:a16="http://schemas.microsoft.com/office/drawing/2014/main" id="{2ECF9E85-D945-88E9-6162-E8A305F60E98}"/>
-              </a:ext>
-            </a:extLst>
-          </p:cNvPr>
-          <p:cNvSpPr/>
-          <p:nvPr/>
-        </p:nvSpPr>
-        <p:spPr>
-          <a:xfrm>
-            <a:off x="1319439" y="345148"/>
-            <a:ext cx="1332700" cy="452673"/>
-          </a:xfrm>
-          <a:prstGeom prst="roundRect">
-            <a:avLst/>
-          </a:prstGeom>
-          <a:solidFill>
-            <a:srgbClr val="C55A11">
-              <a:alpha val="69804"/>
-            </a:srgbClr>
-          </a:solidFill>
-          <a:ln>
-            <a:noFill/>
-          </a:ln>
-        </p:spPr>
-        <p:style>
-          <a:lnRef idx="2">
-            <a:schemeClr val="accent1">
-              <a:shade val="15000"/>
-            </a:schemeClr>
-          </a:lnRef>
-          <a:fillRef idx="1">
-            <a:schemeClr val="accent1"/>
-          </a:fillRef>
-          <a:effectRef idx="0">
-            <a:schemeClr val="accent1"/>
-          </a:effectRef>
-          <a:fontRef idx="minor">
-            <a:schemeClr val="lt1"/>
-          </a:fontRef>
-        </p:style>
-        <p:txBody>
-          <a:bodyPr rtlCol="0" anchor="ctr"/>
-          <a:lstStyle/>
-          <a:p>
-            <a:pPr algn="ctr"/>
-            <a:r>
-              <a:rPr lang="zh-CN" altLang="en-US" sz="1400" dirty="0">
-                <a:latin typeface="微软雅黑" panose="020B0503020204020204" pitchFamily="34" charset="-122"/>
-                <a:ea typeface="微软雅黑" panose="020B0503020204020204" pitchFamily="34" charset="-122"/>
-              </a:rPr>
-              <a:t>外设切换开关</a:t>
-            </a:r>
-          </a:p>
-        </p:txBody>
-      </p:sp>
-      <p:sp>
-        <p:nvSpPr>
-          <p:cNvPr id="56" name="矩形: 圆角 55">
-            <a:extLst>
-              <a:ext uri="{FF2B5EF4-FFF2-40B4-BE49-F238E27FC236}">
-                <a16:creationId xmlns:a16="http://schemas.microsoft.com/office/drawing/2014/main" id="{20C050DD-B035-20D5-DFA7-29C7F26E66FC}"/>
-              </a:ext>
-            </a:extLst>
-          </p:cNvPr>
-          <p:cNvSpPr/>
-          <p:nvPr/>
-        </p:nvSpPr>
-        <p:spPr>
-          <a:xfrm>
-            <a:off x="10732196" y="4794498"/>
-            <a:ext cx="1069166" cy="452673"/>
-          </a:xfrm>
-          <a:prstGeom prst="roundRect">
-            <a:avLst/>
-          </a:prstGeom>
-          <a:solidFill>
-            <a:srgbClr val="C55A11">
-              <a:alpha val="69804"/>
-            </a:srgbClr>
-          </a:solidFill>
-          <a:ln>
-            <a:noFill/>
-          </a:ln>
-        </p:spPr>
-        <p:style>
-          <a:lnRef idx="2">
-            <a:schemeClr val="accent1">
-              <a:shade val="15000"/>
-            </a:schemeClr>
-          </a:lnRef>
-          <a:fillRef idx="1">
-            <a:schemeClr val="accent1"/>
-          </a:fillRef>
-          <a:effectRef idx="0">
-            <a:schemeClr val="accent1"/>
-          </a:effectRef>
-          <a:fontRef idx="minor">
-            <a:schemeClr val="lt1"/>
-          </a:fontRef>
-        </p:style>
-        <p:txBody>
-          <a:bodyPr rtlCol="0" anchor="ctr"/>
-          <a:lstStyle/>
-          <a:p>
-            <a:pPr algn="ctr"/>
-            <a:r>
-              <a:rPr lang="zh-CN" altLang="en-US" sz="1400" dirty="0">
-                <a:latin typeface="微软雅黑" panose="020B0503020204020204" pitchFamily="34" charset="-122"/>
-                <a:ea typeface="微软雅黑" panose="020B0503020204020204" pitchFamily="34" charset="-122"/>
-              </a:rPr>
-              <a:t>电源</a:t>
-            </a:r>
-            <a:r>
-              <a:rPr lang="en-US" altLang="zh-CN" sz="1400" dirty="0">
-                <a:latin typeface="微软雅黑" panose="020B0503020204020204" pitchFamily="34" charset="-122"/>
-                <a:ea typeface="微软雅黑" panose="020B0503020204020204" pitchFamily="34" charset="-122"/>
-              </a:rPr>
-              <a:t>LDO</a:t>
-            </a:r>
-            <a:endParaRPr lang="zh-CN" altLang="en-US" sz="1400" dirty="0">
-              <a:latin typeface="微软雅黑" panose="020B0503020204020204" pitchFamily="34" charset="-122"/>
-              <a:ea typeface="微软雅黑" panose="020B0503020204020204" pitchFamily="34" charset="-122"/>
-            </a:endParaRPr>
-          </a:p>
-        </p:txBody>
-      </p:sp>
-      <p:sp>
-        <p:nvSpPr>
-          <p:cNvPr id="57" name="矩形: 圆角 56">
-            <a:extLst>
-              <a:ext uri="{FF2B5EF4-FFF2-40B4-BE49-F238E27FC236}">
-                <a16:creationId xmlns:a16="http://schemas.microsoft.com/office/drawing/2014/main" id="{8D8FE63F-3479-C6BC-6BE4-021DE6800470}"/>
-              </a:ext>
-            </a:extLst>
-          </p:cNvPr>
-          <p:cNvSpPr/>
-          <p:nvPr/>
-        </p:nvSpPr>
-        <p:spPr>
-          <a:xfrm>
-            <a:off x="10732196" y="3533786"/>
-            <a:ext cx="1361228" cy="452673"/>
-          </a:xfrm>
-          <a:prstGeom prst="roundRect">
-            <a:avLst/>
-          </a:prstGeom>
-          <a:solidFill>
-            <a:srgbClr val="2F5597">
-              <a:alpha val="69804"/>
-            </a:srgbClr>
-          </a:solidFill>
-          <a:ln>
-            <a:noFill/>
-          </a:ln>
-        </p:spPr>
-        <p:style>
-          <a:lnRef idx="2">
-            <a:schemeClr val="accent1">
-              <a:shade val="15000"/>
-            </a:schemeClr>
-          </a:lnRef>
-          <a:fillRef idx="1">
-            <a:schemeClr val="accent1"/>
-          </a:fillRef>
-          <a:effectRef idx="0">
-            <a:schemeClr val="accent1"/>
-          </a:effectRef>
-          <a:fontRef idx="minor">
-            <a:schemeClr val="lt1"/>
-          </a:fontRef>
-        </p:style>
-        <p:txBody>
-          <a:bodyPr rtlCol="0" anchor="ctr"/>
-          <a:lstStyle/>
-          <a:p>
-            <a:pPr algn="ctr"/>
-            <a:r>
-              <a:rPr lang="zh-CN" altLang="en-US" sz="1400" dirty="0">
-                <a:latin typeface="微软雅黑" panose="020B0503020204020204" pitchFamily="34" charset="-122"/>
-                <a:ea typeface="微软雅黑" panose="020B0503020204020204" pitchFamily="34" charset="-122"/>
-              </a:rPr>
-              <a:t>电平转换芯片</a:t>
-            </a:r>
-          </a:p>
-        </p:txBody>
-      </p:sp>
-      <p:cxnSp>
-        <p:nvCxnSpPr>
-          <p:cNvPr id="59" name="连接符: 肘形 58">
-            <a:extLst>
-              <a:ext uri="{FF2B5EF4-FFF2-40B4-BE49-F238E27FC236}">
-                <a16:creationId xmlns:a16="http://schemas.microsoft.com/office/drawing/2014/main" id="{8AA000B3-A2C2-C17B-C628-0807938BF26B}"/>
-              </a:ext>
-            </a:extLst>
-          </p:cNvPr>
-          <p:cNvCxnSpPr>
-            <a:cxnSpLocks/>
-          </p:cNvCxnSpPr>
-          <p:nvPr/>
-        </p:nvCxnSpPr>
-        <p:spPr>
-          <a:xfrm>
-            <a:off x="2632904" y="1365747"/>
-            <a:ext cx="1258971" cy="548778"/>
-          </a:xfrm>
-          <a:prstGeom prst="bentConnector3">
-            <a:avLst>
-              <a:gd name="adj1" fmla="val 99556"/>
-            </a:avLst>
-          </a:prstGeom>
-          <a:ln w="28575">
-            <a:solidFill>
-              <a:srgbClr val="FFC000"/>
-            </a:solidFill>
-            <a:tailEnd type="triangle"/>
-          </a:ln>
-        </p:spPr>
-        <p:style>
-          <a:lnRef idx="1">
-            <a:schemeClr val="accent1"/>
-          </a:lnRef>
-          <a:fillRef idx="0">
-            <a:schemeClr val="accent1"/>
-          </a:fillRef>
-          <a:effectRef idx="0">
-            <a:schemeClr val="accent1"/>
-          </a:effectRef>
-          <a:fontRef idx="minor">
-            <a:schemeClr val="tx1"/>
-          </a:fontRef>
-        </p:style>
-      </p:cxnSp>
-      <p:sp>
-        <p:nvSpPr>
-          <p:cNvPr id="73" name="矩形: 圆角 72">
-            <a:extLst>
-              <a:ext uri="{FF2B5EF4-FFF2-40B4-BE49-F238E27FC236}">
-                <a16:creationId xmlns:a16="http://schemas.microsoft.com/office/drawing/2014/main" id="{33F9FDDF-37AE-C72C-4BE9-750F5A2D875A}"/>
-              </a:ext>
-            </a:extLst>
-          </p:cNvPr>
-          <p:cNvSpPr/>
-          <p:nvPr/>
-        </p:nvSpPr>
-        <p:spPr>
-          <a:xfrm>
-            <a:off x="9257834" y="66215"/>
-            <a:ext cx="2408195" cy="790540"/>
-          </a:xfrm>
-          <a:prstGeom prst="roundRect">
-            <a:avLst/>
-          </a:prstGeom>
-          <a:solidFill>
-            <a:schemeClr val="bg2">
-              <a:lumMod val="75000"/>
-            </a:schemeClr>
-          </a:solidFill>
-          <a:ln>
-            <a:noFill/>
-          </a:ln>
-        </p:spPr>
-        <p:style>
-          <a:lnRef idx="2">
-            <a:schemeClr val="accent1">
-              <a:shade val="15000"/>
-            </a:schemeClr>
-          </a:lnRef>
-          <a:fillRef idx="1">
-            <a:schemeClr val="accent1"/>
-          </a:fillRef>
-          <a:effectRef idx="0">
-            <a:schemeClr val="accent1"/>
-          </a:effectRef>
-          <a:fontRef idx="minor">
-            <a:schemeClr val="lt1"/>
-          </a:fontRef>
-        </p:style>
-        <p:txBody>
-          <a:bodyPr rtlCol="0" anchor="ctr"/>
-          <a:lstStyle/>
-          <a:p>
-            <a:r>
-              <a:rPr lang="zh-CN" altLang="en-US" sz="1400" b="1" dirty="0">
-                <a:latin typeface="微软雅黑" panose="020B0503020204020204" pitchFamily="34" charset="-122"/>
-                <a:ea typeface="微软雅黑" panose="020B0503020204020204" pitchFamily="34" charset="-122"/>
-              </a:rPr>
-              <a:t>图示：</a:t>
-            </a:r>
-          </a:p>
-        </p:txBody>
-      </p:sp>
-      <p:cxnSp>
-        <p:nvCxnSpPr>
-          <p:cNvPr id="62" name="连接符: 肘形 61">
-            <a:extLst>
-              <a:ext uri="{FF2B5EF4-FFF2-40B4-BE49-F238E27FC236}">
-                <a16:creationId xmlns:a16="http://schemas.microsoft.com/office/drawing/2014/main" id="{C8CD7E61-C2A9-5573-4FC4-73A64EC4404E}"/>
-              </a:ext>
-            </a:extLst>
-          </p:cNvPr>
-          <p:cNvCxnSpPr>
-            <a:stCxn id="12" idx="2"/>
-          </p:cNvCxnSpPr>
-          <p:nvPr/>
-        </p:nvCxnSpPr>
-        <p:spPr>
-          <a:xfrm rot="5400000">
-            <a:off x="3488974" y="968254"/>
-            <a:ext cx="338393" cy="1402"/>
-          </a:xfrm>
-          <a:prstGeom prst="bentConnector3">
-            <a:avLst/>
-          </a:prstGeom>
-          <a:ln w="28575">
-            <a:solidFill>
-              <a:srgbClr val="FFC000"/>
-            </a:solidFill>
-            <a:tailEnd type="triangle"/>
-          </a:ln>
-        </p:spPr>
-        <p:style>
-          <a:lnRef idx="1">
-            <a:schemeClr val="accent1"/>
-          </a:lnRef>
-          <a:fillRef idx="0">
-            <a:schemeClr val="accent1"/>
-          </a:fillRef>
-          <a:effectRef idx="0">
-            <a:schemeClr val="accent1"/>
-          </a:effectRef>
-          <a:fontRef idx="minor">
-            <a:schemeClr val="tx1"/>
-          </a:fontRef>
-        </p:style>
-      </p:cxnSp>
-      <p:sp>
-        <p:nvSpPr>
-          <p:cNvPr id="64" name="矩形: 圆角 63">
-            <a:extLst>
-              <a:ext uri="{FF2B5EF4-FFF2-40B4-BE49-F238E27FC236}">
-                <a16:creationId xmlns:a16="http://schemas.microsoft.com/office/drawing/2014/main" id="{9B7E372C-F5CB-A49F-C5E9-AE4E838A1F9B}"/>
-              </a:ext>
-            </a:extLst>
-          </p:cNvPr>
-          <p:cNvSpPr/>
-          <p:nvPr/>
-        </p:nvSpPr>
-        <p:spPr>
-          <a:xfrm>
-            <a:off x="10732196" y="4164142"/>
-            <a:ext cx="933833" cy="452673"/>
-          </a:xfrm>
-          <a:prstGeom prst="roundRect">
-            <a:avLst/>
-          </a:prstGeom>
-          <a:solidFill>
-            <a:srgbClr val="7030A0">
-              <a:alpha val="69804"/>
-            </a:srgbClr>
-          </a:solidFill>
-          <a:ln>
-            <a:noFill/>
-          </a:ln>
-        </p:spPr>
-        <p:style>
-          <a:lnRef idx="2">
-            <a:schemeClr val="accent1">
-              <a:shade val="15000"/>
-            </a:schemeClr>
-          </a:lnRef>
-          <a:fillRef idx="1">
-            <a:schemeClr val="accent1"/>
-          </a:fillRef>
-          <a:effectRef idx="0">
-            <a:schemeClr val="accent1"/>
-          </a:effectRef>
-          <a:fontRef idx="minor">
-            <a:schemeClr val="lt1"/>
-          </a:fontRef>
-        </p:style>
-        <p:txBody>
-          <a:bodyPr rtlCol="0" anchor="ctr"/>
-          <a:lstStyle/>
-          <a:p>
-            <a:pPr algn="ctr"/>
-            <a:r>
-              <a:rPr lang="en-US" altLang="zh-CN" sz="1400" dirty="0">
-                <a:latin typeface="微软雅黑" panose="020B0503020204020204" pitchFamily="34" charset="-122"/>
-                <a:ea typeface="微软雅黑" panose="020B0503020204020204" pitchFamily="34" charset="-122"/>
-              </a:rPr>
-              <a:t>SoC</a:t>
-            </a:r>
-            <a:r>
-              <a:rPr lang="zh-CN" altLang="en-US" sz="1400" dirty="0">
-                <a:latin typeface="微软雅黑" panose="020B0503020204020204" pitchFamily="34" charset="-122"/>
-                <a:ea typeface="微软雅黑" panose="020B0503020204020204" pitchFamily="34" charset="-122"/>
-              </a:rPr>
-              <a:t>芯片</a:t>
-            </a:r>
-          </a:p>
-        </p:txBody>
-      </p:sp>
-      <p:sp>
-        <p:nvSpPr>
-          <p:cNvPr id="65" name="矩形: 圆角 64">
-            <a:extLst>
-              <a:ext uri="{FF2B5EF4-FFF2-40B4-BE49-F238E27FC236}">
-                <a16:creationId xmlns:a16="http://schemas.microsoft.com/office/drawing/2014/main" id="{D1E000E7-D07A-3444-A0B4-84CCC7CB80E2}"/>
-              </a:ext>
-            </a:extLst>
-          </p:cNvPr>
-          <p:cNvSpPr/>
-          <p:nvPr/>
-        </p:nvSpPr>
-        <p:spPr>
-          <a:xfrm>
-            <a:off x="9933398" y="126817"/>
-            <a:ext cx="703886" cy="267710"/>
-          </a:xfrm>
-          <a:prstGeom prst="roundRect">
-            <a:avLst/>
-          </a:prstGeom>
-          <a:solidFill>
-            <a:srgbClr val="7030A0">
-              <a:alpha val="69804"/>
-            </a:srgbClr>
-          </a:solidFill>
-          <a:ln>
-            <a:noFill/>
-          </a:ln>
-        </p:spPr>
-        <p:style>
-          <a:lnRef idx="2">
-            <a:schemeClr val="accent1">
-              <a:shade val="15000"/>
-            </a:schemeClr>
-          </a:lnRef>
-          <a:fillRef idx="1">
-            <a:schemeClr val="accent1"/>
-          </a:fillRef>
-          <a:effectRef idx="0">
-            <a:schemeClr val="accent1"/>
-          </a:effectRef>
-          <a:fontRef idx="minor">
-            <a:schemeClr val="lt1"/>
-          </a:fontRef>
-        </p:style>
-        <p:txBody>
-          <a:bodyPr rtlCol="0" anchor="ctr"/>
-          <a:lstStyle/>
-          <a:p>
-            <a:pPr algn="ctr"/>
-            <a:r>
-              <a:rPr lang="en-US" altLang="zh-CN" sz="1400" dirty="0">
-                <a:latin typeface="微软雅黑" panose="020B0503020204020204" pitchFamily="34" charset="-122"/>
-                <a:ea typeface="微软雅黑" panose="020B0503020204020204" pitchFamily="34" charset="-122"/>
-              </a:rPr>
-              <a:t>SoC</a:t>
-            </a:r>
-            <a:endParaRPr lang="zh-CN" altLang="en-US" sz="1400" dirty="0">
-              <a:latin typeface="微软雅黑" panose="020B0503020204020204" pitchFamily="34" charset="-122"/>
-              <a:ea typeface="微软雅黑" panose="020B0503020204020204" pitchFamily="34" charset="-122"/>
-            </a:endParaRPr>
-          </a:p>
-        </p:txBody>
-      </p:sp>
-      <p:sp>
-        <p:nvSpPr>
-          <p:cNvPr id="66" name="矩形: 圆角 65">
-            <a:extLst>
-              <a:ext uri="{FF2B5EF4-FFF2-40B4-BE49-F238E27FC236}">
-                <a16:creationId xmlns:a16="http://schemas.microsoft.com/office/drawing/2014/main" id="{0F89AD88-F7E2-B9EA-D904-4AEEBB86B74D}"/>
-              </a:ext>
-            </a:extLst>
-          </p:cNvPr>
-          <p:cNvSpPr/>
-          <p:nvPr/>
-        </p:nvSpPr>
-        <p:spPr>
-          <a:xfrm>
-            <a:off x="9939338" y="509921"/>
-            <a:ext cx="697946" cy="267710"/>
-          </a:xfrm>
-          <a:prstGeom prst="roundRect">
-            <a:avLst/>
-          </a:prstGeom>
-          <a:solidFill>
-            <a:srgbClr val="C55A11">
-              <a:alpha val="69804"/>
-            </a:srgbClr>
-          </a:solidFill>
-          <a:ln>
-            <a:noFill/>
-          </a:ln>
-        </p:spPr>
-        <p:style>
-          <a:lnRef idx="2">
-            <a:schemeClr val="accent1">
-              <a:shade val="15000"/>
-            </a:schemeClr>
-          </a:lnRef>
-          <a:fillRef idx="1">
-            <a:schemeClr val="accent1"/>
-          </a:fillRef>
-          <a:effectRef idx="0">
-            <a:schemeClr val="accent1"/>
-          </a:effectRef>
-          <a:fontRef idx="minor">
-            <a:schemeClr val="lt1"/>
-          </a:fontRef>
-        </p:style>
-        <p:txBody>
-          <a:bodyPr rtlCol="0" anchor="ctr"/>
-          <a:lstStyle/>
-          <a:p>
-            <a:pPr algn="ctr"/>
-            <a:r>
-              <a:rPr lang="zh-CN" altLang="en-US" sz="1400" dirty="0">
-                <a:latin typeface="微软雅黑" panose="020B0503020204020204" pitchFamily="34" charset="-122"/>
-                <a:ea typeface="微软雅黑" panose="020B0503020204020204" pitchFamily="34" charset="-122"/>
-              </a:rPr>
-              <a:t>系统</a:t>
-            </a:r>
-          </a:p>
-        </p:txBody>
-      </p:sp>
-      <p:sp>
-        <p:nvSpPr>
-          <p:cNvPr id="70" name="矩形: 圆角 69">
-            <a:extLst>
-              <a:ext uri="{FF2B5EF4-FFF2-40B4-BE49-F238E27FC236}">
-                <a16:creationId xmlns:a16="http://schemas.microsoft.com/office/drawing/2014/main" id="{7EB43095-D8FC-FCFF-89E1-5B4B1A442CAD}"/>
-              </a:ext>
-            </a:extLst>
-          </p:cNvPr>
-          <p:cNvSpPr/>
-          <p:nvPr/>
-        </p:nvSpPr>
-        <p:spPr>
-          <a:xfrm>
-            <a:off x="10807736" y="132235"/>
-            <a:ext cx="703886" cy="267710"/>
-          </a:xfrm>
-          <a:prstGeom prst="roundRect">
-            <a:avLst/>
-          </a:prstGeom>
-          <a:solidFill>
-            <a:srgbClr val="548235">
-              <a:alpha val="69804"/>
-            </a:srgbClr>
-          </a:solidFill>
-          <a:ln>
-            <a:noFill/>
-          </a:ln>
-        </p:spPr>
-        <p:style>
-          <a:lnRef idx="2">
-            <a:schemeClr val="accent1">
-              <a:shade val="15000"/>
-            </a:schemeClr>
-          </a:lnRef>
-          <a:fillRef idx="1">
-            <a:schemeClr val="accent1"/>
-          </a:fillRef>
-          <a:effectRef idx="0">
-            <a:schemeClr val="accent1"/>
-          </a:effectRef>
-          <a:fontRef idx="minor">
-            <a:schemeClr val="lt1"/>
-          </a:fontRef>
-        </p:style>
-        <p:txBody>
-          <a:bodyPr rtlCol="0" anchor="ctr"/>
-          <a:lstStyle/>
-          <a:p>
-            <a:pPr algn="ctr"/>
-            <a:r>
-              <a:rPr lang="en-US" altLang="zh-CN" sz="1400" dirty="0">
-                <a:latin typeface="微软雅黑" panose="020B0503020204020204" pitchFamily="34" charset="-122"/>
-                <a:ea typeface="微软雅黑" panose="020B0503020204020204" pitchFamily="34" charset="-122"/>
-              </a:rPr>
-              <a:t>PL</a:t>
-            </a:r>
-            <a:endParaRPr lang="zh-CN" altLang="en-US" sz="1400" dirty="0">
-              <a:latin typeface="微软雅黑" panose="020B0503020204020204" pitchFamily="34" charset="-122"/>
-              <a:ea typeface="微软雅黑" panose="020B0503020204020204" pitchFamily="34" charset="-122"/>
-            </a:endParaRPr>
-          </a:p>
-        </p:txBody>
-      </p:sp>
-      <p:sp>
-        <p:nvSpPr>
-          <p:cNvPr id="71" name="矩形: 圆角 70">
-            <a:extLst>
-              <a:ext uri="{FF2B5EF4-FFF2-40B4-BE49-F238E27FC236}">
-                <a16:creationId xmlns:a16="http://schemas.microsoft.com/office/drawing/2014/main" id="{29DB0B57-2CF2-9012-0094-7338323EB610}"/>
-              </a:ext>
-            </a:extLst>
-          </p:cNvPr>
-          <p:cNvSpPr/>
-          <p:nvPr/>
-        </p:nvSpPr>
-        <p:spPr>
-          <a:xfrm>
-            <a:off x="10807736" y="516560"/>
-            <a:ext cx="703886" cy="267710"/>
-          </a:xfrm>
-          <a:prstGeom prst="roundRect">
-            <a:avLst/>
-          </a:prstGeom>
-          <a:solidFill>
-            <a:srgbClr val="2F5597">
-              <a:alpha val="69804"/>
-            </a:srgbClr>
-          </a:solidFill>
-          <a:ln>
-            <a:noFill/>
-          </a:ln>
-        </p:spPr>
-        <p:style>
-          <a:lnRef idx="2">
-            <a:schemeClr val="accent1">
-              <a:shade val="15000"/>
-            </a:schemeClr>
-          </a:lnRef>
-          <a:fillRef idx="1">
-            <a:schemeClr val="accent1"/>
-          </a:fillRef>
-          <a:effectRef idx="0">
-            <a:schemeClr val="accent1"/>
-          </a:effectRef>
-          <a:fontRef idx="minor">
-            <a:schemeClr val="lt1"/>
-          </a:fontRef>
-        </p:style>
-        <p:txBody>
-          <a:bodyPr rtlCol="0" anchor="ctr"/>
-          <a:lstStyle/>
-          <a:p>
-            <a:pPr algn="ctr"/>
-            <a:r>
-              <a:rPr lang="en-US" altLang="zh-CN" sz="1400" dirty="0">
-                <a:latin typeface="微软雅黑" panose="020B0503020204020204" pitchFamily="34" charset="-122"/>
-                <a:ea typeface="微软雅黑" panose="020B0503020204020204" pitchFamily="34" charset="-122"/>
-              </a:rPr>
-              <a:t>PS</a:t>
-            </a:r>
-            <a:endParaRPr lang="zh-CN" altLang="en-US" sz="1400" dirty="0">
-              <a:latin typeface="微软雅黑" panose="020B0503020204020204" pitchFamily="34" charset="-122"/>
-              <a:ea typeface="微软雅黑" panose="020B0503020204020204" pitchFamily="34" charset="-122"/>
-            </a:endParaRPr>
-          </a:p>
-        </p:txBody>
-      </p:sp>
-      <p:cxnSp>
-        <p:nvCxnSpPr>
-          <p:cNvPr id="86" name="连接符: 肘形 85">
-            <a:extLst>
-              <a:ext uri="{FF2B5EF4-FFF2-40B4-BE49-F238E27FC236}">
-                <a16:creationId xmlns:a16="http://schemas.microsoft.com/office/drawing/2014/main" id="{26295E6D-C0EB-DBC3-9C68-CA5586A9A524}"/>
-              </a:ext>
-            </a:extLst>
-          </p:cNvPr>
-          <p:cNvCxnSpPr>
-            <a:cxnSpLocks/>
-          </p:cNvCxnSpPr>
-          <p:nvPr/>
-        </p:nvCxnSpPr>
-        <p:spPr>
-          <a:xfrm rot="16200000" flipH="1">
-            <a:off x="1831609" y="624389"/>
-            <a:ext cx="66703" cy="2030168"/>
-          </a:xfrm>
-          <a:prstGeom prst="bentConnector2">
-            <a:avLst/>
-          </a:prstGeom>
-          <a:ln w="28575">
-            <a:solidFill>
-              <a:srgbClr val="FFC000"/>
-            </a:solidFill>
-            <a:tailEnd type="triangle"/>
-          </a:ln>
-        </p:spPr>
-        <p:style>
-          <a:lnRef idx="1">
-            <a:schemeClr val="accent1"/>
-          </a:lnRef>
-          <a:fillRef idx="0">
-            <a:schemeClr val="accent1"/>
-          </a:fillRef>
-          <a:effectRef idx="0">
-            <a:schemeClr val="accent1"/>
-          </a:effectRef>
-          <a:fontRef idx="minor">
-            <a:schemeClr val="tx1"/>
-          </a:fontRef>
-        </p:style>
-      </p:cxnSp>
-      <p:cxnSp>
-        <p:nvCxnSpPr>
-          <p:cNvPr id="94" name="直接箭头连接符 93">
-            <a:extLst>
-              <a:ext uri="{FF2B5EF4-FFF2-40B4-BE49-F238E27FC236}">
-                <a16:creationId xmlns:a16="http://schemas.microsoft.com/office/drawing/2014/main" id="{6B949FDD-08F9-BD99-8488-D8255854C54B}"/>
-              </a:ext>
-            </a:extLst>
-          </p:cNvPr>
-          <p:cNvCxnSpPr>
-            <a:cxnSpLocks/>
-            <a:stCxn id="14" idx="2"/>
-          </p:cNvCxnSpPr>
-          <p:nvPr/>
-        </p:nvCxnSpPr>
-        <p:spPr>
-          <a:xfrm>
-            <a:off x="5270416" y="799759"/>
-            <a:ext cx="0" cy="438939"/>
-          </a:xfrm>
-          <a:prstGeom prst="straightConnector1">
-            <a:avLst/>
-          </a:prstGeom>
-          <a:ln w="28575">
-            <a:solidFill>
-              <a:srgbClr val="FFC000"/>
-            </a:solidFill>
-            <a:tailEnd type="triangle"/>
-          </a:ln>
-        </p:spPr>
-        <p:style>
-          <a:lnRef idx="1">
-            <a:schemeClr val="accent1"/>
-          </a:lnRef>
-          <a:fillRef idx="0">
-            <a:schemeClr val="accent1"/>
-          </a:fillRef>
-          <a:effectRef idx="0">
-            <a:schemeClr val="accent1"/>
-          </a:effectRef>
-          <a:fontRef idx="minor">
-            <a:schemeClr val="tx1"/>
-          </a:fontRef>
-        </p:style>
-      </p:cxnSp>
-      <p:cxnSp>
-        <p:nvCxnSpPr>
-          <p:cNvPr id="98" name="直接箭头连接符 97">
-            <a:extLst>
-              <a:ext uri="{FF2B5EF4-FFF2-40B4-BE49-F238E27FC236}">
-                <a16:creationId xmlns:a16="http://schemas.microsoft.com/office/drawing/2014/main" id="{61A32AA1-A7AB-381E-352B-C7D9E33699EF}"/>
-              </a:ext>
-            </a:extLst>
-          </p:cNvPr>
-          <p:cNvCxnSpPr>
-            <a:cxnSpLocks/>
-            <a:stCxn id="24" idx="2"/>
-          </p:cNvCxnSpPr>
-          <p:nvPr/>
-        </p:nvCxnSpPr>
-        <p:spPr>
-          <a:xfrm>
-            <a:off x="6680317" y="799759"/>
-            <a:ext cx="0" cy="348362"/>
-          </a:xfrm>
-          <a:prstGeom prst="straightConnector1">
-            <a:avLst/>
-          </a:prstGeom>
-          <a:ln w="28575">
-            <a:solidFill>
-              <a:srgbClr val="FFC000"/>
-            </a:solidFill>
-            <a:tailEnd type="triangle"/>
-          </a:ln>
-        </p:spPr>
-        <p:style>
-          <a:lnRef idx="1">
-            <a:schemeClr val="accent1"/>
-          </a:lnRef>
-          <a:fillRef idx="0">
-            <a:schemeClr val="accent1"/>
-          </a:fillRef>
-          <a:effectRef idx="0">
-            <a:schemeClr val="accent1"/>
-          </a:effectRef>
-          <a:fontRef idx="minor">
-            <a:schemeClr val="tx1"/>
-          </a:fontRef>
-        </p:style>
-      </p:cxnSp>
-      <p:cxnSp>
-        <p:nvCxnSpPr>
-          <p:cNvPr id="102" name="连接符: 肘形 101">
-            <a:extLst>
-              <a:ext uri="{FF2B5EF4-FFF2-40B4-BE49-F238E27FC236}">
-                <a16:creationId xmlns:a16="http://schemas.microsoft.com/office/drawing/2014/main" id="{8E99FBB9-3C06-2FC3-E2D9-466E74AC78F0}"/>
-              </a:ext>
-            </a:extLst>
-          </p:cNvPr>
-          <p:cNvCxnSpPr>
-            <a:stCxn id="50" idx="2"/>
-          </p:cNvCxnSpPr>
-          <p:nvPr/>
-        </p:nvCxnSpPr>
-        <p:spPr>
-          <a:xfrm rot="5400000">
-            <a:off x="6512036" y="817111"/>
-            <a:ext cx="1229066" cy="1194362"/>
-          </a:xfrm>
-          <a:prstGeom prst="bentConnector3">
-            <a:avLst>
-              <a:gd name="adj1" fmla="val 35017"/>
-            </a:avLst>
-          </a:prstGeom>
-          <a:ln w="28575">
-            <a:solidFill>
-              <a:srgbClr val="FFC000"/>
-            </a:solidFill>
-            <a:tailEnd type="triangle"/>
-          </a:ln>
-        </p:spPr>
-        <p:style>
-          <a:lnRef idx="1">
-            <a:schemeClr val="accent1"/>
-          </a:lnRef>
-          <a:fillRef idx="0">
-            <a:schemeClr val="accent1"/>
-          </a:fillRef>
-          <a:effectRef idx="0">
-            <a:schemeClr val="accent1"/>
-          </a:effectRef>
-          <a:fontRef idx="minor">
-            <a:schemeClr val="tx1"/>
-          </a:fontRef>
-        </p:style>
-      </p:cxnSp>
-      <p:cxnSp>
-        <p:nvCxnSpPr>
-          <p:cNvPr id="107" name="连接符: 肘形 106">
-            <a:extLst>
-              <a:ext uri="{FF2B5EF4-FFF2-40B4-BE49-F238E27FC236}">
-                <a16:creationId xmlns:a16="http://schemas.microsoft.com/office/drawing/2014/main" id="{9BA0CDCE-F512-2A1E-E1E1-774EC6D289D8}"/>
-              </a:ext>
-            </a:extLst>
-          </p:cNvPr>
-          <p:cNvCxnSpPr>
-            <a:cxnSpLocks/>
-            <a:stCxn id="30" idx="3"/>
-          </p:cNvCxnSpPr>
-          <p:nvPr/>
-        </p:nvCxnSpPr>
-        <p:spPr>
-          <a:xfrm flipV="1">
-            <a:off x="2655328" y="1825787"/>
-            <a:ext cx="1054660" cy="159633"/>
-          </a:xfrm>
-          <a:prstGeom prst="bentConnector3">
-            <a:avLst>
-              <a:gd name="adj1" fmla="val 50000"/>
-            </a:avLst>
-          </a:prstGeom>
-          <a:ln w="28575">
-            <a:solidFill>
-              <a:srgbClr val="FFC000"/>
-            </a:solidFill>
-            <a:tailEnd type="triangle"/>
-          </a:ln>
-        </p:spPr>
-        <p:style>
-          <a:lnRef idx="1">
-            <a:schemeClr val="accent1"/>
-          </a:lnRef>
-          <a:fillRef idx="0">
-            <a:schemeClr val="accent1"/>
-          </a:fillRef>
-          <a:effectRef idx="0">
-            <a:schemeClr val="accent1"/>
-          </a:effectRef>
-          <a:fontRef idx="minor">
-            <a:schemeClr val="tx1"/>
-          </a:fontRef>
-        </p:style>
-      </p:cxnSp>
-      <p:cxnSp>
-        <p:nvCxnSpPr>
-          <p:cNvPr id="111" name="连接符: 肘形 110">
-            <a:extLst>
-              <a:ext uri="{FF2B5EF4-FFF2-40B4-BE49-F238E27FC236}">
-                <a16:creationId xmlns:a16="http://schemas.microsoft.com/office/drawing/2014/main" id="{22AE44D4-9E72-C885-C89B-1203B6265E88}"/>
-              </a:ext>
-            </a:extLst>
-          </p:cNvPr>
-          <p:cNvCxnSpPr>
-            <a:cxnSpLocks/>
-            <a:stCxn id="15" idx="3"/>
-          </p:cNvCxnSpPr>
-          <p:nvPr/>
-        </p:nvCxnSpPr>
-        <p:spPr>
-          <a:xfrm>
-            <a:off x="1368646" y="1977954"/>
-            <a:ext cx="1534084" cy="316876"/>
-          </a:xfrm>
-          <a:prstGeom prst="bentConnector3">
-            <a:avLst>
-              <a:gd name="adj1" fmla="val 16058"/>
-            </a:avLst>
-          </a:prstGeom>
-          <a:ln w="28575">
-            <a:solidFill>
-              <a:srgbClr val="FFC000"/>
-            </a:solidFill>
-            <a:tailEnd type="triangle"/>
-          </a:ln>
-        </p:spPr>
-        <p:style>
-          <a:lnRef idx="1">
-            <a:schemeClr val="accent1"/>
-          </a:lnRef>
-          <a:fillRef idx="0">
-            <a:schemeClr val="accent1"/>
-          </a:fillRef>
-          <a:effectRef idx="0">
-            <a:schemeClr val="accent1"/>
-          </a:effectRef>
-          <a:fontRef idx="minor">
-            <a:schemeClr val="tx1"/>
-          </a:fontRef>
-        </p:style>
-      </p:cxnSp>
-      <p:cxnSp>
-        <p:nvCxnSpPr>
-          <p:cNvPr id="133" name="直接箭头连接符 132">
-            <a:extLst>
-              <a:ext uri="{FF2B5EF4-FFF2-40B4-BE49-F238E27FC236}">
-                <a16:creationId xmlns:a16="http://schemas.microsoft.com/office/drawing/2014/main" id="{A82BD3B6-6515-BDB1-AD6F-E57201117592}"/>
-              </a:ext>
-            </a:extLst>
-          </p:cNvPr>
-          <p:cNvCxnSpPr>
-            <a:stCxn id="41" idx="3"/>
-          </p:cNvCxnSpPr>
-          <p:nvPr/>
-        </p:nvCxnSpPr>
-        <p:spPr>
-          <a:xfrm flipV="1">
-            <a:off x="2655328" y="3202365"/>
-            <a:ext cx="1586472" cy="4979"/>
-          </a:xfrm>
-          <a:prstGeom prst="straightConnector1">
-            <a:avLst/>
-          </a:prstGeom>
-          <a:ln w="28575">
-            <a:solidFill>
-              <a:srgbClr val="FFC000"/>
-            </a:solidFill>
-            <a:tailEnd type="triangle"/>
-          </a:ln>
-        </p:spPr>
-        <p:style>
-          <a:lnRef idx="1">
-            <a:schemeClr val="accent1"/>
-          </a:lnRef>
-          <a:fillRef idx="0">
-            <a:schemeClr val="accent1"/>
-          </a:fillRef>
-          <a:effectRef idx="0">
-            <a:schemeClr val="accent1"/>
-          </a:effectRef>
-          <a:fontRef idx="minor">
-            <a:schemeClr val="tx1"/>
-          </a:fontRef>
-        </p:style>
-      </p:cxnSp>
-      <p:cxnSp>
-        <p:nvCxnSpPr>
-          <p:cNvPr id="135" name="连接符: 肘形 134">
-            <a:extLst>
-              <a:ext uri="{FF2B5EF4-FFF2-40B4-BE49-F238E27FC236}">
-                <a16:creationId xmlns:a16="http://schemas.microsoft.com/office/drawing/2014/main" id="{A1C2727D-484A-7E9D-51D0-330642725364}"/>
-              </a:ext>
-            </a:extLst>
-          </p:cNvPr>
-          <p:cNvCxnSpPr>
-            <a:cxnSpLocks/>
-            <a:stCxn id="19" idx="3"/>
-          </p:cNvCxnSpPr>
-          <p:nvPr/>
-        </p:nvCxnSpPr>
-        <p:spPr>
-          <a:xfrm>
-            <a:off x="1368646" y="3202366"/>
-            <a:ext cx="1510979" cy="298997"/>
-          </a:xfrm>
-          <a:prstGeom prst="bentConnector3">
-            <a:avLst>
-              <a:gd name="adj1" fmla="val 10916"/>
-            </a:avLst>
-          </a:prstGeom>
-          <a:ln w="28575">
-            <a:solidFill>
-              <a:srgbClr val="FFC000"/>
-            </a:solidFill>
-            <a:headEnd type="none" w="med" len="med"/>
-            <a:tailEnd type="none" w="med" len="med"/>
-          </a:ln>
-        </p:spPr>
-        <p:style>
-          <a:lnRef idx="1">
-            <a:schemeClr val="accent1"/>
-          </a:lnRef>
-          <a:fillRef idx="0">
-            <a:schemeClr val="accent1"/>
-          </a:fillRef>
-          <a:effectRef idx="0">
-            <a:schemeClr val="accent1"/>
-          </a:effectRef>
-          <a:fontRef idx="minor">
-            <a:schemeClr val="tx1"/>
-          </a:fontRef>
-        </p:style>
-      </p:cxnSp>
-      <p:cxnSp>
-        <p:nvCxnSpPr>
-          <p:cNvPr id="142" name="直接箭头连接符 141">
-            <a:extLst>
-              <a:ext uri="{FF2B5EF4-FFF2-40B4-BE49-F238E27FC236}">
-                <a16:creationId xmlns:a16="http://schemas.microsoft.com/office/drawing/2014/main" id="{E78DF275-311B-184E-B5C6-EC7203447FD6}"/>
-              </a:ext>
-            </a:extLst>
-          </p:cNvPr>
-          <p:cNvCxnSpPr/>
-          <p:nvPr/>
-        </p:nvCxnSpPr>
-        <p:spPr>
-          <a:xfrm flipV="1">
-            <a:off x="2868195" y="3286812"/>
-            <a:ext cx="0" cy="220901"/>
-          </a:xfrm>
-          <a:prstGeom prst="straightConnector1">
-            <a:avLst/>
-          </a:prstGeom>
-          <a:ln w="28575">
-            <a:solidFill>
-              <a:srgbClr val="FFC000"/>
-            </a:solidFill>
-            <a:tailEnd type="triangle"/>
-          </a:ln>
-        </p:spPr>
-        <p:style>
-          <a:lnRef idx="1">
-            <a:schemeClr val="accent1"/>
-          </a:lnRef>
-          <a:fillRef idx="0">
-            <a:schemeClr val="accent1"/>
-          </a:fillRef>
-          <a:effectRef idx="0">
-            <a:schemeClr val="accent1"/>
-          </a:effectRef>
-          <a:fontRef idx="minor">
-            <a:schemeClr val="tx1"/>
-          </a:fontRef>
-        </p:style>
-      </p:cxnSp>
-      <p:cxnSp>
-        <p:nvCxnSpPr>
-          <p:cNvPr id="161" name="直接箭头连接符 160">
-            <a:extLst>
-              <a:ext uri="{FF2B5EF4-FFF2-40B4-BE49-F238E27FC236}">
-                <a16:creationId xmlns:a16="http://schemas.microsoft.com/office/drawing/2014/main" id="{61968460-7471-99E9-82F9-577080CBB2EC}"/>
-              </a:ext>
-            </a:extLst>
-          </p:cNvPr>
-          <p:cNvCxnSpPr>
-            <a:stCxn id="26" idx="3"/>
-          </p:cNvCxnSpPr>
-          <p:nvPr/>
-        </p:nvCxnSpPr>
-        <p:spPr>
-          <a:xfrm>
-            <a:off x="2655328" y="3818306"/>
-            <a:ext cx="1694422" cy="4394"/>
-          </a:xfrm>
-          <a:prstGeom prst="straightConnector1">
-            <a:avLst/>
-          </a:prstGeom>
-          <a:ln w="28575">
-            <a:solidFill>
-              <a:srgbClr val="FFC000"/>
-            </a:solidFill>
-            <a:tailEnd type="triangle"/>
-          </a:ln>
-        </p:spPr>
-        <p:style>
-          <a:lnRef idx="1">
-            <a:schemeClr val="accent1"/>
-          </a:lnRef>
-          <a:fillRef idx="0">
-            <a:schemeClr val="accent1"/>
-          </a:fillRef>
-          <a:effectRef idx="0">
-            <a:schemeClr val="accent1"/>
-          </a:effectRef>
-          <a:fontRef idx="minor">
-            <a:schemeClr val="tx1"/>
-          </a:fontRef>
-        </p:style>
-      </p:cxnSp>
-      <p:cxnSp>
-        <p:nvCxnSpPr>
-          <p:cNvPr id="163" name="连接符: 肘形 162">
-            <a:extLst>
-              <a:ext uri="{FF2B5EF4-FFF2-40B4-BE49-F238E27FC236}">
-                <a16:creationId xmlns:a16="http://schemas.microsoft.com/office/drawing/2014/main" id="{E3785DB3-8577-F314-E1D8-C42194FC554E}"/>
-              </a:ext>
-            </a:extLst>
-          </p:cNvPr>
-          <p:cNvCxnSpPr>
-            <a:stCxn id="25" idx="3"/>
-          </p:cNvCxnSpPr>
-          <p:nvPr/>
-        </p:nvCxnSpPr>
-        <p:spPr>
-          <a:xfrm>
-            <a:off x="1368646" y="3814572"/>
-            <a:ext cx="2981103" cy="302731"/>
-          </a:xfrm>
-          <a:prstGeom prst="bentConnector3">
-            <a:avLst>
-              <a:gd name="adj1" fmla="val 7398"/>
-            </a:avLst>
-          </a:prstGeom>
-          <a:ln w="28575">
-            <a:solidFill>
-              <a:srgbClr val="FFC000"/>
-            </a:solidFill>
-            <a:tailEnd type="triangle"/>
-          </a:ln>
-        </p:spPr>
-        <p:style>
-          <a:lnRef idx="1">
-            <a:schemeClr val="accent1"/>
-          </a:lnRef>
-          <a:fillRef idx="0">
-            <a:schemeClr val="accent1"/>
-          </a:fillRef>
-          <a:effectRef idx="0">
-            <a:schemeClr val="accent1"/>
-          </a:effectRef>
-          <a:fontRef idx="minor">
-            <a:schemeClr val="tx1"/>
-          </a:fontRef>
-        </p:style>
-      </p:cxnSp>
-      <p:cxnSp>
-        <p:nvCxnSpPr>
-          <p:cNvPr id="176" name="连接符: 肘形 175">
-            <a:extLst>
-              <a:ext uri="{FF2B5EF4-FFF2-40B4-BE49-F238E27FC236}">
-                <a16:creationId xmlns:a16="http://schemas.microsoft.com/office/drawing/2014/main" id="{0860B692-4F90-9DFA-C469-2A30F6E14973}"/>
-              </a:ext>
-            </a:extLst>
-          </p:cNvPr>
-          <p:cNvCxnSpPr>
-            <a:cxnSpLocks/>
-            <a:stCxn id="9" idx="3"/>
-          </p:cNvCxnSpPr>
-          <p:nvPr/>
-        </p:nvCxnSpPr>
-        <p:spPr>
-          <a:xfrm flipV="1">
-            <a:off x="2655328" y="2294830"/>
-            <a:ext cx="1054660" cy="301552"/>
-          </a:xfrm>
-          <a:prstGeom prst="bentConnector3">
-            <a:avLst>
-              <a:gd name="adj1" fmla="val 53010"/>
-            </a:avLst>
-          </a:prstGeom>
-          <a:ln w="28575">
-            <a:solidFill>
-              <a:srgbClr val="FFC000"/>
-            </a:solidFill>
-            <a:tailEnd type="triangle"/>
-          </a:ln>
-        </p:spPr>
-        <p:style>
-          <a:lnRef idx="1">
-            <a:schemeClr val="accent1"/>
-          </a:lnRef>
-          <a:fillRef idx="0">
-            <a:schemeClr val="accent1"/>
-          </a:fillRef>
-          <a:effectRef idx="0">
-            <a:schemeClr val="accent1"/>
-          </a:effectRef>
-          <a:fontRef idx="minor">
-            <a:schemeClr val="tx1"/>
-          </a:fontRef>
-        </p:style>
-      </p:cxnSp>
-      <p:cxnSp>
-        <p:nvCxnSpPr>
-          <p:cNvPr id="178" name="连接符: 肘形 177">
-            <a:extLst>
-              <a:ext uri="{FF2B5EF4-FFF2-40B4-BE49-F238E27FC236}">
-                <a16:creationId xmlns:a16="http://schemas.microsoft.com/office/drawing/2014/main" id="{655F223F-D5A5-180F-F373-EA243D2E5D1B}"/>
-              </a:ext>
-            </a:extLst>
-          </p:cNvPr>
-          <p:cNvCxnSpPr>
-            <a:stCxn id="10" idx="2"/>
-          </p:cNvCxnSpPr>
-          <p:nvPr/>
-        </p:nvCxnSpPr>
-        <p:spPr>
-          <a:xfrm rot="5400000" flipH="1" flipV="1">
-            <a:off x="2211974" y="970821"/>
-            <a:ext cx="379747" cy="3311604"/>
-          </a:xfrm>
-          <a:prstGeom prst="bentConnector4">
-            <a:avLst>
-              <a:gd name="adj1" fmla="val -23410"/>
-              <a:gd name="adj2" fmla="val 81835"/>
-            </a:avLst>
-          </a:prstGeom>
-          <a:ln w="28575">
-            <a:solidFill>
-              <a:srgbClr val="FFC000"/>
-            </a:solidFill>
-            <a:tailEnd type="triangle"/>
-          </a:ln>
-        </p:spPr>
-        <p:style>
-          <a:lnRef idx="1">
-            <a:schemeClr val="accent1"/>
-          </a:lnRef>
-          <a:fillRef idx="0">
-            <a:schemeClr val="accent1"/>
-          </a:fillRef>
-          <a:effectRef idx="0">
-            <a:schemeClr val="accent1"/>
-          </a:effectRef>
-          <a:fontRef idx="minor">
-            <a:schemeClr val="tx1"/>
-          </a:fontRef>
-        </p:style>
-      </p:cxnSp>
-      <p:cxnSp>
-        <p:nvCxnSpPr>
-          <p:cNvPr id="184" name="连接符: 肘形 183">
-            <a:extLst>
-              <a:ext uri="{FF2B5EF4-FFF2-40B4-BE49-F238E27FC236}">
-                <a16:creationId xmlns:a16="http://schemas.microsoft.com/office/drawing/2014/main" id="{4D5315A6-972D-C2FA-372E-CF50506095F5}"/>
-              </a:ext>
-            </a:extLst>
-          </p:cNvPr>
-          <p:cNvCxnSpPr>
-            <a:cxnSpLocks/>
-            <a:stCxn id="27" idx="3"/>
-          </p:cNvCxnSpPr>
-          <p:nvPr/>
-        </p:nvCxnSpPr>
-        <p:spPr>
-          <a:xfrm flipV="1">
-            <a:off x="2655328" y="2725747"/>
-            <a:ext cx="1747761" cy="1703521"/>
-          </a:xfrm>
-          <a:prstGeom prst="bentConnector3">
-            <a:avLst>
-              <a:gd name="adj1" fmla="val 117578"/>
-            </a:avLst>
-          </a:prstGeom>
-          <a:ln w="28575">
-            <a:solidFill>
-              <a:srgbClr val="FFC000"/>
-            </a:solidFill>
-            <a:tailEnd type="triangle"/>
-          </a:ln>
-        </p:spPr>
-        <p:style>
-          <a:lnRef idx="1">
-            <a:schemeClr val="accent1"/>
-          </a:lnRef>
-          <a:fillRef idx="0">
-            <a:schemeClr val="accent1"/>
-          </a:fillRef>
-          <a:effectRef idx="0">
-            <a:schemeClr val="accent1"/>
-          </a:effectRef>
-          <a:fontRef idx="minor">
-            <a:schemeClr val="tx1"/>
-          </a:fontRef>
-        </p:style>
-      </p:cxnSp>
-      <p:cxnSp>
-        <p:nvCxnSpPr>
-          <p:cNvPr id="207" name="连接符: 肘形 206">
-            <a:extLst>
-              <a:ext uri="{FF2B5EF4-FFF2-40B4-BE49-F238E27FC236}">
-                <a16:creationId xmlns:a16="http://schemas.microsoft.com/office/drawing/2014/main" id="{96175B31-8707-7473-82A4-F6D992F85A1C}"/>
-              </a:ext>
-            </a:extLst>
-          </p:cNvPr>
-          <p:cNvCxnSpPr>
-            <a:cxnSpLocks/>
-            <a:stCxn id="39" idx="0"/>
-          </p:cNvCxnSpPr>
-          <p:nvPr/>
-        </p:nvCxnSpPr>
-        <p:spPr>
-          <a:xfrm rot="5400000" flipH="1" flipV="1">
-            <a:off x="3721945" y="5579540"/>
-            <a:ext cx="90344" cy="1100137"/>
-          </a:xfrm>
-          <a:prstGeom prst="bentConnector2">
-            <a:avLst/>
-          </a:prstGeom>
-          <a:ln w="28575">
-            <a:solidFill>
-              <a:srgbClr val="FFC000"/>
-            </a:solidFill>
-            <a:headEnd type="none" w="med" len="med"/>
-            <a:tailEnd type="none" w="med" len="med"/>
-          </a:ln>
-        </p:spPr>
-        <p:style>
-          <a:lnRef idx="1">
-            <a:schemeClr val="accent1"/>
-          </a:lnRef>
-          <a:fillRef idx="0">
-            <a:schemeClr val="accent1"/>
-          </a:fillRef>
-          <a:effectRef idx="0">
-            <a:schemeClr val="accent1"/>
-          </a:effectRef>
-          <a:fontRef idx="minor">
-            <a:schemeClr val="tx1"/>
-          </a:fontRef>
-        </p:style>
-      </p:cxnSp>
-      <p:cxnSp>
-        <p:nvCxnSpPr>
-          <p:cNvPr id="209" name="连接符: 肘形 208">
-            <a:extLst>
-              <a:ext uri="{FF2B5EF4-FFF2-40B4-BE49-F238E27FC236}">
-                <a16:creationId xmlns:a16="http://schemas.microsoft.com/office/drawing/2014/main" id="{9890E8AF-0AA4-7F05-DFFE-29AD3F8E208F}"/>
-              </a:ext>
-            </a:extLst>
-          </p:cNvPr>
-          <p:cNvCxnSpPr>
-            <a:cxnSpLocks/>
-            <a:stCxn id="40" idx="0"/>
-          </p:cNvCxnSpPr>
-          <p:nvPr/>
-        </p:nvCxnSpPr>
-        <p:spPr>
-          <a:xfrm rot="5400000" flipH="1" flipV="1">
-            <a:off x="2796625" y="5213905"/>
-            <a:ext cx="182284" cy="1739467"/>
-          </a:xfrm>
-          <a:prstGeom prst="bentConnector2">
-            <a:avLst/>
-          </a:prstGeom>
-          <a:ln w="28575">
-            <a:solidFill>
-              <a:srgbClr val="FFC000"/>
-            </a:solidFill>
-            <a:headEnd type="none" w="med" len="med"/>
-            <a:tailEnd type="none" w="med" len="med"/>
-          </a:ln>
-        </p:spPr>
-        <p:style>
-          <a:lnRef idx="1">
-            <a:schemeClr val="accent1"/>
-          </a:lnRef>
-          <a:fillRef idx="0">
-            <a:schemeClr val="accent1"/>
-          </a:fillRef>
-          <a:effectRef idx="0">
-            <a:schemeClr val="accent1"/>
-          </a:effectRef>
-          <a:fontRef idx="minor">
-            <a:schemeClr val="tx1"/>
-          </a:fontRef>
-        </p:style>
-      </p:cxnSp>
-      <p:cxnSp>
-        <p:nvCxnSpPr>
-          <p:cNvPr id="212" name="直接箭头连接符 211">
-            <a:extLst>
-              <a:ext uri="{FF2B5EF4-FFF2-40B4-BE49-F238E27FC236}">
-                <a16:creationId xmlns:a16="http://schemas.microsoft.com/office/drawing/2014/main" id="{1762BA6C-101F-C16F-A107-FC8A716A2C7E}"/>
-              </a:ext>
-            </a:extLst>
-          </p:cNvPr>
-          <p:cNvCxnSpPr/>
-          <p:nvPr/>
-        </p:nvCxnSpPr>
-        <p:spPr>
-          <a:xfrm flipV="1">
-            <a:off x="3751151" y="5782523"/>
-            <a:ext cx="0" cy="220901"/>
-          </a:xfrm>
-          <a:prstGeom prst="straightConnector1">
-            <a:avLst/>
-          </a:prstGeom>
-          <a:ln w="28575">
-            <a:solidFill>
-              <a:srgbClr val="FFC000"/>
-            </a:solidFill>
-            <a:tailEnd type="triangle"/>
-          </a:ln>
-        </p:spPr>
-        <p:style>
-          <a:lnRef idx="1">
-            <a:schemeClr val="accent1"/>
-          </a:lnRef>
-          <a:fillRef idx="0">
-            <a:schemeClr val="accent1"/>
-          </a:fillRef>
-          <a:effectRef idx="0">
-            <a:schemeClr val="accent1"/>
-          </a:effectRef>
-          <a:fontRef idx="minor">
-            <a:schemeClr val="tx1"/>
-          </a:fontRef>
-        </p:style>
-      </p:cxnSp>
-      <p:cxnSp>
-        <p:nvCxnSpPr>
-          <p:cNvPr id="214" name="直接箭头连接符 213">
-            <a:extLst>
-              <a:ext uri="{FF2B5EF4-FFF2-40B4-BE49-F238E27FC236}">
-                <a16:creationId xmlns:a16="http://schemas.microsoft.com/office/drawing/2014/main" id="{E33DE448-D5B6-3250-6985-26AC2CA3CDC7}"/>
-              </a:ext>
-            </a:extLst>
-          </p:cNvPr>
-          <p:cNvCxnSpPr>
-            <a:cxnSpLocks/>
-          </p:cNvCxnSpPr>
-          <p:nvPr/>
-        </p:nvCxnSpPr>
-        <p:spPr>
-          <a:xfrm flipV="1">
-            <a:off x="4301152" y="5358516"/>
-            <a:ext cx="0" cy="723029"/>
-          </a:xfrm>
-          <a:prstGeom prst="straightConnector1">
-            <a:avLst/>
-          </a:prstGeom>
-          <a:ln w="28575">
-            <a:solidFill>
-              <a:srgbClr val="FFC000"/>
-            </a:solidFill>
-            <a:headEnd type="none" w="med" len="med"/>
-            <a:tailEnd type="none" w="med" len="med"/>
-          </a:ln>
-        </p:spPr>
-        <p:style>
-          <a:lnRef idx="1">
-            <a:schemeClr val="accent1"/>
-          </a:lnRef>
-          <a:fillRef idx="0">
-            <a:schemeClr val="accent1"/>
-          </a:fillRef>
-          <a:effectRef idx="0">
-            <a:schemeClr val="accent1"/>
-          </a:effectRef>
-          <a:fontRef idx="minor">
-            <a:schemeClr val="tx1"/>
-          </a:fontRef>
-        </p:style>
-      </p:cxnSp>
-      <p:cxnSp>
-        <p:nvCxnSpPr>
-          <p:cNvPr id="218" name="连接符: 肘形 217">
-            <a:extLst>
-              <a:ext uri="{FF2B5EF4-FFF2-40B4-BE49-F238E27FC236}">
-                <a16:creationId xmlns:a16="http://schemas.microsoft.com/office/drawing/2014/main" id="{A5E662ED-E253-CA49-C567-73D32FE4C525}"/>
-              </a:ext>
-            </a:extLst>
-          </p:cNvPr>
-          <p:cNvCxnSpPr>
-            <a:stCxn id="37" idx="0"/>
-          </p:cNvCxnSpPr>
-          <p:nvPr/>
-        </p:nvCxnSpPr>
-        <p:spPr>
-          <a:xfrm rot="5400000" flipH="1" flipV="1">
-            <a:off x="5951206" y="5788636"/>
-            <a:ext cx="97398" cy="674890"/>
-          </a:xfrm>
-          <a:prstGeom prst="bentConnector2">
-            <a:avLst/>
-          </a:prstGeom>
-          <a:ln w="28575">
-            <a:solidFill>
-              <a:srgbClr val="FFC000"/>
-            </a:solidFill>
-            <a:headEnd type="none" w="med" len="med"/>
-            <a:tailEnd type="none" w="med" len="med"/>
-          </a:ln>
-        </p:spPr>
-        <p:style>
-          <a:lnRef idx="1">
-            <a:schemeClr val="accent1"/>
-          </a:lnRef>
-          <a:fillRef idx="0">
-            <a:schemeClr val="accent1"/>
-          </a:fillRef>
-          <a:effectRef idx="0">
-            <a:schemeClr val="accent1"/>
-          </a:effectRef>
-          <a:fontRef idx="minor">
-            <a:schemeClr val="tx1"/>
-          </a:fontRef>
-        </p:style>
-      </p:cxnSp>
-      <p:cxnSp>
-        <p:nvCxnSpPr>
-          <p:cNvPr id="220" name="直接箭头连接符 219">
-            <a:extLst>
-              <a:ext uri="{FF2B5EF4-FFF2-40B4-BE49-F238E27FC236}">
-                <a16:creationId xmlns:a16="http://schemas.microsoft.com/office/drawing/2014/main" id="{BB60B88E-17E7-456A-DE23-058E58BB2A3D}"/>
-              </a:ext>
-            </a:extLst>
-          </p:cNvPr>
-          <p:cNvCxnSpPr>
-            <a:stCxn id="42" idx="0"/>
-          </p:cNvCxnSpPr>
-          <p:nvPr/>
-        </p:nvCxnSpPr>
-        <p:spPr>
-          <a:xfrm flipH="1" flipV="1">
-            <a:off x="6952423" y="5877525"/>
-            <a:ext cx="1" cy="297255"/>
-          </a:xfrm>
-          <a:prstGeom prst="straightConnector1">
-            <a:avLst/>
-          </a:prstGeom>
-          <a:ln w="28575">
-            <a:solidFill>
-              <a:srgbClr val="FFC000"/>
-            </a:solidFill>
-            <a:tailEnd type="triangle"/>
-          </a:ln>
-        </p:spPr>
-        <p:style>
-          <a:lnRef idx="1">
-            <a:schemeClr val="accent1"/>
-          </a:lnRef>
-          <a:fillRef idx="0">
-            <a:schemeClr val="accent1"/>
-          </a:fillRef>
-          <a:effectRef idx="0">
-            <a:schemeClr val="accent1"/>
-          </a:effectRef>
-          <a:fontRef idx="minor">
-            <a:schemeClr val="tx1"/>
-          </a:fontRef>
-        </p:style>
-      </p:cxnSp>
-      <p:cxnSp>
-        <p:nvCxnSpPr>
-          <p:cNvPr id="222" name="连接符: 肘形 221">
-            <a:extLst>
-              <a:ext uri="{FF2B5EF4-FFF2-40B4-BE49-F238E27FC236}">
-                <a16:creationId xmlns:a16="http://schemas.microsoft.com/office/drawing/2014/main" id="{0464BF78-00BB-DD4A-FB2E-1C5D81C70938}"/>
-              </a:ext>
-            </a:extLst>
-          </p:cNvPr>
-          <p:cNvCxnSpPr>
-            <a:cxnSpLocks/>
-          </p:cNvCxnSpPr>
-          <p:nvPr/>
-        </p:nvCxnSpPr>
-        <p:spPr>
-          <a:xfrm rot="10800000">
-            <a:off x="7628235" y="6126081"/>
-            <a:ext cx="720205" cy="46184"/>
-          </a:xfrm>
-          <a:prstGeom prst="bentConnector3">
-            <a:avLst>
-              <a:gd name="adj1" fmla="val -2020"/>
-            </a:avLst>
-          </a:prstGeom>
-          <a:ln w="28575">
-            <a:solidFill>
-              <a:srgbClr val="FFC000"/>
-            </a:solidFill>
-            <a:headEnd type="none" w="med" len="med"/>
-            <a:tailEnd type="none" w="med" len="med"/>
-          </a:ln>
-        </p:spPr>
-        <p:style>
-          <a:lnRef idx="1">
-            <a:schemeClr val="accent1"/>
-          </a:lnRef>
-          <a:fillRef idx="0">
-            <a:schemeClr val="accent1"/>
-          </a:fillRef>
-          <a:effectRef idx="0">
-            <a:schemeClr val="accent1"/>
-          </a:effectRef>
-          <a:fontRef idx="minor">
-            <a:schemeClr val="tx1"/>
-          </a:fontRef>
-        </p:style>
-      </p:cxnSp>
-      <p:cxnSp>
-        <p:nvCxnSpPr>
-          <p:cNvPr id="231" name="直接箭头连接符 230">
-            <a:extLst>
-              <a:ext uri="{FF2B5EF4-FFF2-40B4-BE49-F238E27FC236}">
-                <a16:creationId xmlns:a16="http://schemas.microsoft.com/office/drawing/2014/main" id="{7AFFC037-B693-B509-7A05-3E132D5B8323}"/>
-              </a:ext>
-            </a:extLst>
-          </p:cNvPr>
-          <p:cNvCxnSpPr>
-            <a:cxnSpLocks/>
-          </p:cNvCxnSpPr>
-          <p:nvPr/>
-        </p:nvCxnSpPr>
-        <p:spPr>
-          <a:xfrm>
-            <a:off x="4287880" y="5358516"/>
-            <a:ext cx="490449" cy="0"/>
-          </a:xfrm>
-          <a:prstGeom prst="straightConnector1">
-            <a:avLst/>
-          </a:prstGeom>
-          <a:ln w="28575">
-            <a:solidFill>
-              <a:srgbClr val="FFC000"/>
-            </a:solidFill>
-            <a:tailEnd type="triangle"/>
-          </a:ln>
-        </p:spPr>
-        <p:style>
-          <a:lnRef idx="1">
-            <a:schemeClr val="accent1"/>
-          </a:lnRef>
-          <a:fillRef idx="0">
-            <a:schemeClr val="accent1"/>
-          </a:fillRef>
-          <a:effectRef idx="0">
-            <a:schemeClr val="accent1"/>
-          </a:effectRef>
-          <a:fontRef idx="minor">
-            <a:schemeClr val="tx1"/>
-          </a:fontRef>
-        </p:style>
-      </p:cxnSp>
-      <p:cxnSp>
-        <p:nvCxnSpPr>
-          <p:cNvPr id="235" name="连接符: 肘形 234">
-            <a:extLst>
-              <a:ext uri="{FF2B5EF4-FFF2-40B4-BE49-F238E27FC236}">
-                <a16:creationId xmlns:a16="http://schemas.microsoft.com/office/drawing/2014/main" id="{8BE30A19-AAC9-3A5A-0927-5B91337F2C1D}"/>
-              </a:ext>
-            </a:extLst>
-          </p:cNvPr>
-          <p:cNvCxnSpPr>
-            <a:stCxn id="38" idx="0"/>
-          </p:cNvCxnSpPr>
-          <p:nvPr/>
-        </p:nvCxnSpPr>
-        <p:spPr>
-          <a:xfrm rot="5400000" flipH="1" flipV="1">
-            <a:off x="4828502" y="5281932"/>
-            <a:ext cx="523592" cy="1262104"/>
-          </a:xfrm>
-          <a:prstGeom prst="bentConnector2">
-            <a:avLst/>
-          </a:prstGeom>
-          <a:ln w="28575">
-            <a:solidFill>
-              <a:srgbClr val="FFC000"/>
-            </a:solidFill>
-            <a:tailEnd type="triangle"/>
-          </a:ln>
-        </p:spPr>
-        <p:style>
-          <a:lnRef idx="1">
-            <a:schemeClr val="accent1"/>
-          </a:lnRef>
-          <a:fillRef idx="0">
-            <a:schemeClr val="accent1"/>
-          </a:fillRef>
-          <a:effectRef idx="0">
-            <a:schemeClr val="accent1"/>
-          </a:effectRef>
-          <a:fontRef idx="minor">
-            <a:schemeClr val="tx1"/>
-          </a:fontRef>
-        </p:style>
-      </p:cxnSp>
-      <p:cxnSp>
-        <p:nvCxnSpPr>
-          <p:cNvPr id="238" name="直接箭头连接符 237">
-            <a:extLst>
-              <a:ext uri="{FF2B5EF4-FFF2-40B4-BE49-F238E27FC236}">
-                <a16:creationId xmlns:a16="http://schemas.microsoft.com/office/drawing/2014/main" id="{73A71ADB-250B-ECB3-A653-D99F5EB98AA2}"/>
-              </a:ext>
-            </a:extLst>
-          </p:cNvPr>
-          <p:cNvCxnSpPr/>
-          <p:nvPr/>
-        </p:nvCxnSpPr>
-        <p:spPr>
-          <a:xfrm flipV="1">
-            <a:off x="6337350" y="5867999"/>
-            <a:ext cx="0" cy="220901"/>
-          </a:xfrm>
-          <a:prstGeom prst="straightConnector1">
-            <a:avLst/>
-          </a:prstGeom>
-          <a:ln w="28575">
-            <a:solidFill>
-              <a:srgbClr val="FFC000"/>
-            </a:solidFill>
-            <a:tailEnd type="triangle"/>
-          </a:ln>
-        </p:spPr>
-        <p:style>
-          <a:lnRef idx="1">
-            <a:schemeClr val="accent1"/>
-          </a:lnRef>
-          <a:fillRef idx="0">
-            <a:schemeClr val="accent1"/>
-          </a:fillRef>
-          <a:effectRef idx="0">
-            <a:schemeClr val="accent1"/>
-          </a:effectRef>
-          <a:fontRef idx="minor">
-            <a:schemeClr val="tx1"/>
-          </a:fontRef>
-        </p:style>
-      </p:cxnSp>
-      <p:cxnSp>
-        <p:nvCxnSpPr>
-          <p:cNvPr id="240" name="直接箭头连接符 239">
-            <a:extLst>
-              <a:ext uri="{FF2B5EF4-FFF2-40B4-BE49-F238E27FC236}">
-                <a16:creationId xmlns:a16="http://schemas.microsoft.com/office/drawing/2014/main" id="{2A8D7716-BA40-8B3D-53FB-50EFE761CA6C}"/>
-              </a:ext>
-            </a:extLst>
-          </p:cNvPr>
-          <p:cNvCxnSpPr/>
-          <p:nvPr/>
-        </p:nvCxnSpPr>
-        <p:spPr>
-          <a:xfrm flipV="1">
-            <a:off x="7639893" y="5910050"/>
-            <a:ext cx="0" cy="220901"/>
-          </a:xfrm>
-          <a:prstGeom prst="straightConnector1">
-            <a:avLst/>
-          </a:prstGeom>
-          <a:ln w="28575">
-            <a:solidFill>
-              <a:srgbClr val="FFC000"/>
-            </a:solidFill>
-            <a:tailEnd type="triangle"/>
-          </a:ln>
-        </p:spPr>
-        <p:style>
-          <a:lnRef idx="1">
-            <a:schemeClr val="accent1"/>
-          </a:lnRef>
-          <a:fillRef idx="0">
-            <a:schemeClr val="accent1"/>
-          </a:fillRef>
-          <a:effectRef idx="0">
-            <a:schemeClr val="accent1"/>
-          </a:effectRef>
-          <a:fontRef idx="minor">
-            <a:schemeClr val="tx1"/>
-          </a:fontRef>
-        </p:style>
-      </p:cxnSp>
-      <p:cxnSp>
-        <p:nvCxnSpPr>
-          <p:cNvPr id="242" name="连接符: 肘形 241">
-            <a:extLst>
-              <a:ext uri="{FF2B5EF4-FFF2-40B4-BE49-F238E27FC236}">
-                <a16:creationId xmlns:a16="http://schemas.microsoft.com/office/drawing/2014/main" id="{5FB98649-50D6-23D7-C4DB-5EDA4C8C2552}"/>
-              </a:ext>
-            </a:extLst>
-          </p:cNvPr>
-          <p:cNvCxnSpPr>
-            <a:stCxn id="52" idx="3"/>
-          </p:cNvCxnSpPr>
-          <p:nvPr/>
-        </p:nvCxnSpPr>
-        <p:spPr>
-          <a:xfrm flipV="1">
-            <a:off x="2655328" y="4812647"/>
-            <a:ext cx="2272272" cy="838543"/>
-          </a:xfrm>
-          <a:prstGeom prst="bentConnector3">
-            <a:avLst>
-              <a:gd name="adj1" fmla="val 42734"/>
-            </a:avLst>
-          </a:prstGeom>
-          <a:ln w="28575">
-            <a:solidFill>
-              <a:srgbClr val="FFC000"/>
-            </a:solidFill>
-            <a:headEnd type="none" w="med" len="med"/>
-            <a:tailEnd type="none" w="med" len="med"/>
-          </a:ln>
-        </p:spPr>
-        <p:style>
-          <a:lnRef idx="1">
-            <a:schemeClr val="accent1"/>
-          </a:lnRef>
-          <a:fillRef idx="0">
-            <a:schemeClr val="accent1"/>
-          </a:fillRef>
-          <a:effectRef idx="0">
-            <a:schemeClr val="accent1"/>
-          </a:effectRef>
-          <a:fontRef idx="minor">
-            <a:schemeClr val="tx1"/>
-          </a:fontRef>
-        </p:style>
-      </p:cxnSp>
-      <p:cxnSp>
-        <p:nvCxnSpPr>
-          <p:cNvPr id="244" name="直接箭头连接符 243">
-            <a:extLst>
-              <a:ext uri="{FF2B5EF4-FFF2-40B4-BE49-F238E27FC236}">
-                <a16:creationId xmlns:a16="http://schemas.microsoft.com/office/drawing/2014/main" id="{5662B3E5-AEB5-CE22-0B87-75B4E71B822A}"/>
-              </a:ext>
-            </a:extLst>
-          </p:cNvPr>
-          <p:cNvCxnSpPr/>
-          <p:nvPr/>
-        </p:nvCxnSpPr>
-        <p:spPr>
-          <a:xfrm flipV="1">
-            <a:off x="4906851" y="4586297"/>
-            <a:ext cx="0" cy="220901"/>
-          </a:xfrm>
-          <a:prstGeom prst="straightConnector1">
-            <a:avLst/>
-          </a:prstGeom>
-          <a:ln w="28575">
-            <a:solidFill>
-              <a:srgbClr val="FFC000"/>
-            </a:solidFill>
-            <a:tailEnd type="triangle"/>
-          </a:ln>
-        </p:spPr>
-        <p:style>
-          <a:lnRef idx="1">
-            <a:schemeClr val="accent1"/>
-          </a:lnRef>
-          <a:fillRef idx="0">
-            <a:schemeClr val="accent1"/>
-          </a:fillRef>
-          <a:effectRef idx="0">
-            <a:schemeClr val="accent1"/>
-          </a:effectRef>
-          <a:fontRef idx="minor">
-            <a:schemeClr val="tx1"/>
-          </a:fontRef>
-        </p:style>
-      </p:cxnSp>
-      <p:cxnSp>
-        <p:nvCxnSpPr>
-          <p:cNvPr id="247" name="连接符: 肘形 246">
-            <a:extLst>
-              <a:ext uri="{FF2B5EF4-FFF2-40B4-BE49-F238E27FC236}">
-                <a16:creationId xmlns:a16="http://schemas.microsoft.com/office/drawing/2014/main" id="{DD87DE2B-9542-3598-4E92-5569D4F0F6C9}"/>
-              </a:ext>
-            </a:extLst>
-          </p:cNvPr>
-          <p:cNvCxnSpPr>
-            <a:stCxn id="45" idx="3"/>
-          </p:cNvCxnSpPr>
-          <p:nvPr/>
-        </p:nvCxnSpPr>
-        <p:spPr>
-          <a:xfrm flipV="1">
-            <a:off x="1368646" y="5358516"/>
-            <a:ext cx="1641254" cy="292673"/>
-          </a:xfrm>
-          <a:prstGeom prst="bentConnector3">
-            <a:avLst>
-              <a:gd name="adj1" fmla="val 12084"/>
-            </a:avLst>
-          </a:prstGeom>
-          <a:ln w="28575">
-            <a:solidFill>
-              <a:srgbClr val="FFC000"/>
-            </a:solidFill>
-            <a:headEnd type="none" w="med" len="med"/>
-            <a:tailEnd type="none" w="med" len="med"/>
-          </a:ln>
-        </p:spPr>
-        <p:style>
-          <a:lnRef idx="1">
-            <a:schemeClr val="accent1"/>
-          </a:lnRef>
-          <a:fillRef idx="0">
-            <a:schemeClr val="accent1"/>
-          </a:fillRef>
-          <a:effectRef idx="0">
-            <a:schemeClr val="accent1"/>
-          </a:effectRef>
-          <a:fontRef idx="minor">
-            <a:schemeClr val="tx1"/>
-          </a:fontRef>
-        </p:style>
-      </p:cxnSp>
-      <p:cxnSp>
-        <p:nvCxnSpPr>
-          <p:cNvPr id="249" name="直接箭头连接符 248">
-            <a:extLst>
-              <a:ext uri="{FF2B5EF4-FFF2-40B4-BE49-F238E27FC236}">
-                <a16:creationId xmlns:a16="http://schemas.microsoft.com/office/drawing/2014/main" id="{B120460B-07ED-73B7-8BEE-40CE261542F5}"/>
-              </a:ext>
-            </a:extLst>
-          </p:cNvPr>
-          <p:cNvCxnSpPr/>
-          <p:nvPr/>
-        </p:nvCxnSpPr>
-        <p:spPr>
-          <a:xfrm flipV="1">
-            <a:off x="2997200" y="5134167"/>
-            <a:ext cx="0" cy="220901"/>
-          </a:xfrm>
-          <a:prstGeom prst="straightConnector1">
-            <a:avLst/>
-          </a:prstGeom>
-          <a:ln w="28575">
-            <a:solidFill>
-              <a:srgbClr val="FFC000"/>
-            </a:solidFill>
-            <a:tailEnd type="triangle"/>
-          </a:ln>
-        </p:spPr>
-        <p:style>
-          <a:lnRef idx="1">
-            <a:schemeClr val="accent1"/>
-          </a:lnRef>
-          <a:fillRef idx="0">
-            <a:schemeClr val="accent1"/>
-          </a:fillRef>
-          <a:effectRef idx="0">
-            <a:schemeClr val="accent1"/>
-          </a:effectRef>
-          <a:fontRef idx="minor">
-            <a:schemeClr val="tx1"/>
-          </a:fontRef>
-        </p:style>
-      </p:cxnSp>
-      <p:cxnSp>
-        <p:nvCxnSpPr>
-          <p:cNvPr id="251" name="连接符: 肘形 250">
-            <a:extLst>
-              <a:ext uri="{FF2B5EF4-FFF2-40B4-BE49-F238E27FC236}">
-                <a16:creationId xmlns:a16="http://schemas.microsoft.com/office/drawing/2014/main" id="{25F59CF5-2D97-92BB-6630-439916FC487D}"/>
-              </a:ext>
-            </a:extLst>
-          </p:cNvPr>
-          <p:cNvCxnSpPr>
-            <a:stCxn id="28" idx="3"/>
-          </p:cNvCxnSpPr>
-          <p:nvPr/>
-        </p:nvCxnSpPr>
-        <p:spPr>
-          <a:xfrm flipV="1">
-            <a:off x="2655328" y="4533900"/>
-            <a:ext cx="1275595" cy="506330"/>
-          </a:xfrm>
-          <a:prstGeom prst="bentConnector3">
-            <a:avLst/>
-          </a:prstGeom>
-          <a:ln w="28575">
-            <a:solidFill>
-              <a:srgbClr val="FFC000"/>
-            </a:solidFill>
-            <a:tailEnd type="triangle"/>
-          </a:ln>
-        </p:spPr>
-        <p:style>
-          <a:lnRef idx="1">
-            <a:schemeClr val="accent1"/>
-          </a:lnRef>
-          <a:fillRef idx="0">
-            <a:schemeClr val="accent1"/>
-          </a:fillRef>
-          <a:effectRef idx="0">
-            <a:schemeClr val="accent1"/>
-          </a:effectRef>
-          <a:fontRef idx="minor">
-            <a:schemeClr val="tx1"/>
-          </a:fontRef>
-        </p:style>
-      </p:cxnSp>
-      <p:cxnSp>
-        <p:nvCxnSpPr>
-          <p:cNvPr id="253" name="连接符: 肘形 252">
-            <a:extLst>
-              <a:ext uri="{FF2B5EF4-FFF2-40B4-BE49-F238E27FC236}">
-                <a16:creationId xmlns:a16="http://schemas.microsoft.com/office/drawing/2014/main" id="{8B145BF3-AA41-F04C-C188-7FF756CABD50}"/>
-              </a:ext>
-            </a:extLst>
-          </p:cNvPr>
-          <p:cNvCxnSpPr>
-            <a:stCxn id="46" idx="3"/>
-          </p:cNvCxnSpPr>
-          <p:nvPr/>
-        </p:nvCxnSpPr>
-        <p:spPr>
-          <a:xfrm flipV="1">
-            <a:off x="1368646" y="4741232"/>
-            <a:ext cx="1734496" cy="297752"/>
-          </a:xfrm>
-          <a:prstGeom prst="bentConnector3">
-            <a:avLst>
-              <a:gd name="adj1" fmla="val 17051"/>
-            </a:avLst>
-          </a:prstGeom>
-          <a:ln w="28575">
-            <a:solidFill>
-              <a:srgbClr val="FFC000"/>
-            </a:solidFill>
-            <a:headEnd type="none" w="med" len="med"/>
-            <a:tailEnd type="none" w="med" len="med"/>
-          </a:ln>
-        </p:spPr>
-        <p:style>
-          <a:lnRef idx="1">
-            <a:schemeClr val="accent1"/>
-          </a:lnRef>
-          <a:fillRef idx="0">
-            <a:schemeClr val="accent1"/>
-          </a:fillRef>
-          <a:effectRef idx="0">
-            <a:schemeClr val="accent1"/>
-          </a:effectRef>
-          <a:fontRef idx="minor">
-            <a:schemeClr val="tx1"/>
-          </a:fontRef>
-        </p:style>
-      </p:cxnSp>
-      <p:cxnSp>
-        <p:nvCxnSpPr>
-          <p:cNvPr id="255" name="直接箭头连接符 254">
-            <a:extLst>
-              <a:ext uri="{FF2B5EF4-FFF2-40B4-BE49-F238E27FC236}">
-                <a16:creationId xmlns:a16="http://schemas.microsoft.com/office/drawing/2014/main" id="{A7418D7B-BE5E-8F63-2044-60EA5484D267}"/>
-              </a:ext>
-            </a:extLst>
-          </p:cNvPr>
-          <p:cNvCxnSpPr/>
-          <p:nvPr/>
-        </p:nvCxnSpPr>
-        <p:spPr>
-          <a:xfrm flipV="1">
-            <a:off x="3090442" y="4536313"/>
-            <a:ext cx="0" cy="220901"/>
-          </a:xfrm>
-          <a:prstGeom prst="straightConnector1">
-            <a:avLst/>
-          </a:prstGeom>
-          <a:ln w="28575">
-            <a:solidFill>
-              <a:srgbClr val="FFC000"/>
-            </a:solidFill>
-            <a:tailEnd type="triangle"/>
-          </a:ln>
-        </p:spPr>
-        <p:style>
-          <a:lnRef idx="1">
-            <a:schemeClr val="accent1"/>
-          </a:lnRef>
-          <a:fillRef idx="0">
-            <a:schemeClr val="accent1"/>
-          </a:fillRef>
-          <a:effectRef idx="0">
-            <a:schemeClr val="accent1"/>
-          </a:effectRef>
-          <a:fontRef idx="minor">
-            <a:schemeClr val="tx1"/>
-          </a:fontRef>
-        </p:style>
-      </p:cxnSp>
-      <p:cxnSp>
-        <p:nvCxnSpPr>
-          <p:cNvPr id="257" name="连接符: 肘形 256">
-            <a:extLst>
-              <a:ext uri="{FF2B5EF4-FFF2-40B4-BE49-F238E27FC236}">
-                <a16:creationId xmlns:a16="http://schemas.microsoft.com/office/drawing/2014/main" id="{A9ACF367-0E39-A424-B88F-694762B5195A}"/>
-              </a:ext>
-            </a:extLst>
-          </p:cNvPr>
-          <p:cNvCxnSpPr>
-            <a:stCxn id="47" idx="3"/>
-          </p:cNvCxnSpPr>
-          <p:nvPr/>
-        </p:nvCxnSpPr>
-        <p:spPr>
-          <a:xfrm>
-            <a:off x="1368646" y="4426778"/>
-            <a:ext cx="1499549" cy="269969"/>
-          </a:xfrm>
-          <a:prstGeom prst="bentConnector3">
-            <a:avLst>
-              <a:gd name="adj1" fmla="val 19934"/>
-            </a:avLst>
-          </a:prstGeom>
-          <a:ln w="28575">
-            <a:solidFill>
-              <a:srgbClr val="FFC000"/>
-            </a:solidFill>
-            <a:headEnd type="none" w="med" len="med"/>
-            <a:tailEnd type="none" w="med" len="med"/>
-          </a:ln>
-        </p:spPr>
-        <p:style>
-          <a:lnRef idx="1">
-            <a:schemeClr val="accent1"/>
-          </a:lnRef>
-          <a:fillRef idx="0">
-            <a:schemeClr val="accent1"/>
-          </a:fillRef>
-          <a:effectRef idx="0">
-            <a:schemeClr val="accent1"/>
-          </a:effectRef>
-          <a:fontRef idx="minor">
-            <a:schemeClr val="tx1"/>
-          </a:fontRef>
-        </p:style>
-      </p:cxnSp>
-      <p:cxnSp>
-        <p:nvCxnSpPr>
-          <p:cNvPr id="264" name="直接箭头连接符 263">
-            <a:extLst>
-              <a:ext uri="{FF2B5EF4-FFF2-40B4-BE49-F238E27FC236}">
-                <a16:creationId xmlns:a16="http://schemas.microsoft.com/office/drawing/2014/main" id="{0B18A9EA-A15E-2071-3B2B-E7CD30CD95F7}"/>
-              </a:ext>
-            </a:extLst>
-          </p:cNvPr>
-          <p:cNvCxnSpPr>
-            <a:cxnSpLocks/>
-          </p:cNvCxnSpPr>
-          <p:nvPr/>
-        </p:nvCxnSpPr>
-        <p:spPr>
-          <a:xfrm flipV="1">
-            <a:off x="2859197" y="4164142"/>
-            <a:ext cx="0" cy="538384"/>
-          </a:xfrm>
-          <a:prstGeom prst="straightConnector1">
-            <a:avLst/>
-          </a:prstGeom>
-          <a:ln w="28575">
-            <a:solidFill>
-              <a:srgbClr val="FFC000"/>
-            </a:solidFill>
-            <a:tailEnd type="triangle"/>
-          </a:ln>
-        </p:spPr>
-        <p:style>
-          <a:lnRef idx="1">
-            <a:schemeClr val="accent1"/>
-          </a:lnRef>
-          <a:fillRef idx="0">
-            <a:schemeClr val="accent1"/>
-          </a:fillRef>
-          <a:effectRef idx="0">
-            <a:schemeClr val="accent1"/>
-          </a:effectRef>
-          <a:fontRef idx="minor">
-            <a:schemeClr val="tx1"/>
-          </a:fontRef>
-        </p:style>
-      </p:cxnSp>
-      <p:cxnSp>
-        <p:nvCxnSpPr>
-          <p:cNvPr id="268" name="连接符: 肘形 267">
-            <a:extLst>
-              <a:ext uri="{FF2B5EF4-FFF2-40B4-BE49-F238E27FC236}">
-                <a16:creationId xmlns:a16="http://schemas.microsoft.com/office/drawing/2014/main" id="{DC311C66-6317-4322-4CDC-D2ED15D54D5B}"/>
-              </a:ext>
-            </a:extLst>
-          </p:cNvPr>
-          <p:cNvCxnSpPr>
-            <a:stCxn id="44" idx="0"/>
-          </p:cNvCxnSpPr>
-          <p:nvPr/>
-        </p:nvCxnSpPr>
-        <p:spPr>
-          <a:xfrm rot="16200000" flipV="1">
-            <a:off x="9016866" y="5374244"/>
-            <a:ext cx="264730" cy="1336342"/>
-          </a:xfrm>
-          <a:prstGeom prst="bentConnector2">
-            <a:avLst/>
-          </a:prstGeom>
-          <a:ln w="28575">
-            <a:solidFill>
-              <a:srgbClr val="FFC000"/>
-            </a:solidFill>
-            <a:tailEnd type="triangle"/>
-          </a:ln>
-        </p:spPr>
-        <p:style>
-          <a:lnRef idx="1">
-            <a:schemeClr val="accent1"/>
-          </a:lnRef>
-          <a:fillRef idx="0">
-            <a:schemeClr val="accent1"/>
-          </a:fillRef>
-          <a:effectRef idx="0">
-            <a:schemeClr val="accent1"/>
-          </a:effectRef>
-          <a:fontRef idx="minor">
-            <a:schemeClr val="tx1"/>
-          </a:fontRef>
-        </p:style>
-      </p:cxnSp>
-      <p:cxnSp>
-        <p:nvCxnSpPr>
-          <p:cNvPr id="270" name="连接符: 肘形 269">
-            <a:extLst>
-              <a:ext uri="{FF2B5EF4-FFF2-40B4-BE49-F238E27FC236}">
-                <a16:creationId xmlns:a16="http://schemas.microsoft.com/office/drawing/2014/main" id="{40E31465-AE1E-30C5-5CF7-85F19850FFA4}"/>
-              </a:ext>
-            </a:extLst>
-          </p:cNvPr>
-          <p:cNvCxnSpPr>
-            <a:stCxn id="48" idx="1"/>
-          </p:cNvCxnSpPr>
-          <p:nvPr/>
-        </p:nvCxnSpPr>
-        <p:spPr>
-          <a:xfrm rot="10800000">
-            <a:off x="7012242" y="5127600"/>
-            <a:ext cx="2245593" cy="523591"/>
-          </a:xfrm>
-          <a:prstGeom prst="bentConnector3">
-            <a:avLst>
-              <a:gd name="adj1" fmla="val 99833"/>
-            </a:avLst>
-          </a:prstGeom>
-          <a:ln w="28575">
-            <a:solidFill>
-              <a:srgbClr val="FFC000"/>
-            </a:solidFill>
-            <a:headEnd type="none" w="med" len="med"/>
-            <a:tailEnd type="none" w="med" len="med"/>
-          </a:ln>
-        </p:spPr>
-        <p:style>
-          <a:lnRef idx="1">
-            <a:schemeClr val="accent1"/>
-          </a:lnRef>
-          <a:fillRef idx="0">
-            <a:schemeClr val="accent1"/>
-          </a:fillRef>
-          <a:effectRef idx="0">
-            <a:schemeClr val="accent1"/>
-          </a:effectRef>
-          <a:fontRef idx="minor">
-            <a:schemeClr val="tx1"/>
-          </a:fontRef>
-        </p:style>
-      </p:cxnSp>
-      <p:cxnSp>
-        <p:nvCxnSpPr>
-          <p:cNvPr id="274" name="直接箭头连接符 273">
-            <a:extLst>
-              <a:ext uri="{FF2B5EF4-FFF2-40B4-BE49-F238E27FC236}">
-                <a16:creationId xmlns:a16="http://schemas.microsoft.com/office/drawing/2014/main" id="{09CD2CA5-0E9F-4B9B-6B5C-2C79A57DD189}"/>
-              </a:ext>
-            </a:extLst>
-          </p:cNvPr>
-          <p:cNvCxnSpPr/>
-          <p:nvPr/>
-        </p:nvCxnSpPr>
-        <p:spPr>
-          <a:xfrm flipV="1">
-            <a:off x="7014353" y="4913266"/>
-            <a:ext cx="0" cy="220901"/>
-          </a:xfrm>
-          <a:prstGeom prst="straightConnector1">
-            <a:avLst/>
-          </a:prstGeom>
-          <a:ln w="28575">
-            <a:solidFill>
-              <a:srgbClr val="FFC000"/>
-            </a:solidFill>
-            <a:tailEnd type="triangle"/>
-          </a:ln>
-        </p:spPr>
-        <p:style>
-          <a:lnRef idx="1">
-            <a:schemeClr val="accent1"/>
-          </a:lnRef>
-          <a:fillRef idx="0">
-            <a:schemeClr val="accent1"/>
-          </a:fillRef>
-          <a:effectRef idx="0">
-            <a:schemeClr val="accent1"/>
-          </a:effectRef>
-          <a:fontRef idx="minor">
-            <a:schemeClr val="tx1"/>
-          </a:fontRef>
-        </p:style>
-      </p:cxnSp>
-      <p:cxnSp>
-        <p:nvCxnSpPr>
-          <p:cNvPr id="276" name="连接符: 肘形 275">
-            <a:extLst>
-              <a:ext uri="{FF2B5EF4-FFF2-40B4-BE49-F238E27FC236}">
-                <a16:creationId xmlns:a16="http://schemas.microsoft.com/office/drawing/2014/main" id="{062B638C-A140-00C3-6A75-27779363F353}"/>
-              </a:ext>
-            </a:extLst>
-          </p:cNvPr>
-          <p:cNvCxnSpPr>
-            <a:cxnSpLocks/>
-            <a:stCxn id="49" idx="0"/>
-          </p:cNvCxnSpPr>
-          <p:nvPr/>
-        </p:nvCxnSpPr>
-        <p:spPr>
-          <a:xfrm rot="16200000" flipV="1">
-            <a:off x="9381317" y="3483406"/>
-            <a:ext cx="69784" cy="3813107"/>
-          </a:xfrm>
-          <a:prstGeom prst="bentConnector2">
-            <a:avLst/>
-          </a:prstGeom>
-          <a:ln w="28575">
-            <a:solidFill>
-              <a:srgbClr val="FFC000"/>
-            </a:solidFill>
-            <a:headEnd type="none" w="med" len="med"/>
-            <a:tailEnd type="none" w="med" len="med"/>
-          </a:ln>
-        </p:spPr>
-        <p:style>
-          <a:lnRef idx="1">
-            <a:schemeClr val="accent1"/>
-          </a:lnRef>
-          <a:fillRef idx="0">
-            <a:schemeClr val="accent1"/>
-          </a:fillRef>
-          <a:effectRef idx="0">
-            <a:schemeClr val="accent1"/>
-          </a:effectRef>
-          <a:fontRef idx="minor">
-            <a:schemeClr val="tx1"/>
-          </a:fontRef>
-        </p:style>
-      </p:cxnSp>
-      <p:cxnSp>
-        <p:nvCxnSpPr>
-          <p:cNvPr id="279" name="直接箭头连接符 278">
-            <a:extLst>
-              <a:ext uri="{FF2B5EF4-FFF2-40B4-BE49-F238E27FC236}">
-                <a16:creationId xmlns:a16="http://schemas.microsoft.com/office/drawing/2014/main" id="{0261E47B-C88A-1D0C-75DE-50CF027A85A0}"/>
-              </a:ext>
-            </a:extLst>
-          </p:cNvPr>
-          <p:cNvCxnSpPr>
-            <a:cxnSpLocks/>
-          </p:cNvCxnSpPr>
-          <p:nvPr/>
-        </p:nvCxnSpPr>
-        <p:spPr>
-          <a:xfrm flipV="1">
-            <a:off x="7509653" y="4957763"/>
-            <a:ext cx="0" cy="402067"/>
-          </a:xfrm>
-          <a:prstGeom prst="straightConnector1">
-            <a:avLst/>
-          </a:prstGeom>
-          <a:ln w="28575">
-            <a:solidFill>
-              <a:srgbClr val="FFC000"/>
-            </a:solidFill>
-            <a:tailEnd type="triangle"/>
-          </a:ln>
-        </p:spPr>
-        <p:style>
-          <a:lnRef idx="1">
-            <a:schemeClr val="accent1"/>
-          </a:lnRef>
-          <a:fillRef idx="0">
-            <a:schemeClr val="accent1"/>
-          </a:fillRef>
-          <a:effectRef idx="0">
-            <a:schemeClr val="accent1"/>
-          </a:effectRef>
-          <a:fontRef idx="minor">
-            <a:schemeClr val="tx1"/>
-          </a:fontRef>
-        </p:style>
-      </p:cxnSp>
-      <p:cxnSp>
-        <p:nvCxnSpPr>
-          <p:cNvPr id="284" name="直接箭头连接符 283">
-            <a:extLst>
-              <a:ext uri="{FF2B5EF4-FFF2-40B4-BE49-F238E27FC236}">
-                <a16:creationId xmlns:a16="http://schemas.microsoft.com/office/drawing/2014/main" id="{ADADD9C1-7BA6-58AA-601B-17012C213309}"/>
-              </a:ext>
-            </a:extLst>
-          </p:cNvPr>
-          <p:cNvCxnSpPr/>
-          <p:nvPr/>
-        </p:nvCxnSpPr>
-        <p:spPr>
-          <a:xfrm flipH="1">
-            <a:off x="8135038" y="5020834"/>
-            <a:ext cx="1122796" cy="0"/>
-          </a:xfrm>
-          <a:prstGeom prst="straightConnector1">
-            <a:avLst/>
-          </a:prstGeom>
-          <a:ln w="28575">
-            <a:solidFill>
-              <a:srgbClr val="FFC000"/>
-            </a:solidFill>
-            <a:tailEnd type="triangle"/>
-          </a:ln>
-        </p:spPr>
-        <p:style>
-          <a:lnRef idx="1">
-            <a:schemeClr val="accent1"/>
-          </a:lnRef>
-          <a:fillRef idx="0">
-            <a:schemeClr val="accent1"/>
-          </a:fillRef>
-          <a:effectRef idx="0">
-            <a:schemeClr val="accent1"/>
-          </a:effectRef>
-          <a:fontRef idx="minor">
-            <a:schemeClr val="tx1"/>
-          </a:fontRef>
-        </p:style>
-      </p:cxnSp>
-      <p:cxnSp>
-        <p:nvCxnSpPr>
-          <p:cNvPr id="286" name="连接符: 肘形 285">
-            <a:extLst>
-              <a:ext uri="{FF2B5EF4-FFF2-40B4-BE49-F238E27FC236}">
-                <a16:creationId xmlns:a16="http://schemas.microsoft.com/office/drawing/2014/main" id="{3C490B7B-07F9-3733-233B-35C62F387B3E}"/>
-              </a:ext>
-            </a:extLst>
-          </p:cNvPr>
-          <p:cNvCxnSpPr>
-            <a:stCxn id="56" idx="0"/>
-          </p:cNvCxnSpPr>
-          <p:nvPr/>
-        </p:nvCxnSpPr>
-        <p:spPr>
-          <a:xfrm rot="16200000" flipV="1">
-            <a:off x="9950140" y="3477858"/>
-            <a:ext cx="97751" cy="2535529"/>
-          </a:xfrm>
-          <a:prstGeom prst="bentConnector2">
-            <a:avLst/>
-          </a:prstGeom>
-          <a:ln w="28575">
-            <a:solidFill>
-              <a:srgbClr val="FFC000"/>
-            </a:solidFill>
-            <a:tailEnd type="triangle"/>
-          </a:ln>
-        </p:spPr>
-        <p:style>
-          <a:lnRef idx="1">
-            <a:schemeClr val="accent1"/>
-          </a:lnRef>
-          <a:fillRef idx="0">
-            <a:schemeClr val="accent1"/>
-          </a:fillRef>
-          <a:effectRef idx="0">
-            <a:schemeClr val="accent1"/>
-          </a:effectRef>
-          <a:fontRef idx="minor">
-            <a:schemeClr val="tx1"/>
-          </a:fontRef>
-        </p:style>
-      </p:cxnSp>
-      <p:sp>
-        <p:nvSpPr>
-          <p:cNvPr id="295" name="矩形: 圆角 294">
-            <a:extLst>
-              <a:ext uri="{FF2B5EF4-FFF2-40B4-BE49-F238E27FC236}">
-                <a16:creationId xmlns:a16="http://schemas.microsoft.com/office/drawing/2014/main" id="{B50C9A78-0301-0CDE-CCE5-C52CF14A0E71}"/>
-              </a:ext>
-            </a:extLst>
-          </p:cNvPr>
-          <p:cNvSpPr/>
-          <p:nvPr/>
-        </p:nvSpPr>
-        <p:spPr>
-          <a:xfrm>
-            <a:off x="9257834" y="4164608"/>
-            <a:ext cx="1197156" cy="452673"/>
-          </a:xfrm>
-          <a:prstGeom prst="roundRect">
-            <a:avLst/>
-          </a:prstGeom>
-          <a:solidFill>
-            <a:srgbClr val="C55A11">
-              <a:alpha val="69804"/>
-            </a:srgbClr>
-          </a:solidFill>
-          <a:ln>
-            <a:noFill/>
-          </a:ln>
-        </p:spPr>
-        <p:style>
-          <a:lnRef idx="2">
-            <a:schemeClr val="accent1">
-              <a:shade val="15000"/>
-            </a:schemeClr>
-          </a:lnRef>
-          <a:fillRef idx="1">
-            <a:schemeClr val="accent1"/>
-          </a:fillRef>
-          <a:effectRef idx="0">
-            <a:schemeClr val="accent1"/>
-          </a:effectRef>
-          <a:fontRef idx="minor">
-            <a:schemeClr val="lt1"/>
-          </a:fontRef>
-        </p:style>
-        <p:txBody>
-          <a:bodyPr rtlCol="0" anchor="ctr"/>
-          <a:lstStyle/>
-          <a:p>
-            <a:pPr algn="ctr"/>
-            <a:r>
-              <a:rPr lang="zh-CN" altLang="en-US" sz="1400" dirty="0">
-                <a:latin typeface="微软雅黑" panose="020B0503020204020204" pitchFamily="34" charset="-122"/>
-                <a:ea typeface="微软雅黑" panose="020B0503020204020204" pitchFamily="34" charset="-122"/>
-              </a:rPr>
-              <a:t>烧写器切换开关</a:t>
-            </a:r>
-          </a:p>
-        </p:txBody>
-      </p:sp>
-      <p:cxnSp>
-        <p:nvCxnSpPr>
-          <p:cNvPr id="297" name="连接符: 肘形 296">
-            <a:extLst>
-              <a:ext uri="{FF2B5EF4-FFF2-40B4-BE49-F238E27FC236}">
-                <a16:creationId xmlns:a16="http://schemas.microsoft.com/office/drawing/2014/main" id="{B13AD9DB-0BE6-461B-579A-43A822C15C3A}"/>
-              </a:ext>
-            </a:extLst>
-          </p:cNvPr>
-          <p:cNvCxnSpPr>
-            <a:stCxn id="295" idx="1"/>
-          </p:cNvCxnSpPr>
-          <p:nvPr/>
-        </p:nvCxnSpPr>
-        <p:spPr>
-          <a:xfrm rot="10800000" flipV="1">
-            <a:off x="5662460" y="4390944"/>
-            <a:ext cx="3595375" cy="522321"/>
-          </a:xfrm>
-          <a:prstGeom prst="bentConnector3">
-            <a:avLst>
-              <a:gd name="adj1" fmla="val 72254"/>
-            </a:avLst>
-          </a:prstGeom>
-          <a:ln w="28575">
-            <a:solidFill>
-              <a:srgbClr val="FFC000"/>
-            </a:solidFill>
-            <a:tailEnd type="triangle"/>
-          </a:ln>
-        </p:spPr>
-        <p:style>
-          <a:lnRef idx="1">
-            <a:schemeClr val="accent1"/>
-          </a:lnRef>
-          <a:fillRef idx="0">
-            <a:schemeClr val="accent1"/>
-          </a:fillRef>
-          <a:effectRef idx="0">
-            <a:schemeClr val="accent1"/>
-          </a:effectRef>
-          <a:fontRef idx="minor">
-            <a:schemeClr val="tx1"/>
-          </a:fontRef>
-        </p:style>
-      </p:cxnSp>
-      <p:cxnSp>
-        <p:nvCxnSpPr>
-          <p:cNvPr id="300" name="连接符: 肘形 299">
-            <a:extLst>
-              <a:ext uri="{FF2B5EF4-FFF2-40B4-BE49-F238E27FC236}">
-                <a16:creationId xmlns:a16="http://schemas.microsoft.com/office/drawing/2014/main" id="{E540B47F-6F84-005B-F9E1-897675C7A025}"/>
-              </a:ext>
-            </a:extLst>
-          </p:cNvPr>
-          <p:cNvCxnSpPr>
-            <a:cxnSpLocks/>
-            <a:stCxn id="64" idx="1"/>
-          </p:cNvCxnSpPr>
-          <p:nvPr/>
-        </p:nvCxnSpPr>
-        <p:spPr>
-          <a:xfrm rot="10800000">
-            <a:off x="6337350" y="4074031"/>
-            <a:ext cx="4394846" cy="316449"/>
-          </a:xfrm>
-          <a:prstGeom prst="bentConnector3">
-            <a:avLst>
-              <a:gd name="adj1" fmla="val 3359"/>
-            </a:avLst>
-          </a:prstGeom>
-          <a:ln w="28575">
-            <a:solidFill>
-              <a:srgbClr val="FFC000"/>
-            </a:solidFill>
-            <a:tailEnd type="triangle"/>
-          </a:ln>
-        </p:spPr>
-        <p:style>
-          <a:lnRef idx="1">
-            <a:schemeClr val="accent1"/>
-          </a:lnRef>
-          <a:fillRef idx="0">
-            <a:schemeClr val="accent1"/>
-          </a:fillRef>
-          <a:effectRef idx="0">
-            <a:schemeClr val="accent1"/>
-          </a:effectRef>
-          <a:fontRef idx="minor">
-            <a:schemeClr val="tx1"/>
-          </a:fontRef>
-        </p:style>
-      </p:cxnSp>
-      <p:cxnSp>
-        <p:nvCxnSpPr>
-          <p:cNvPr id="306" name="连接符: 肘形 305">
-            <a:extLst>
-              <a:ext uri="{FF2B5EF4-FFF2-40B4-BE49-F238E27FC236}">
-                <a16:creationId xmlns:a16="http://schemas.microsoft.com/office/drawing/2014/main" id="{C7A21E80-7C2B-9142-0EA9-B0703E9100ED}"/>
-              </a:ext>
-            </a:extLst>
-          </p:cNvPr>
-          <p:cNvCxnSpPr>
-            <a:stCxn id="20" idx="1"/>
-          </p:cNvCxnSpPr>
-          <p:nvPr/>
-        </p:nvCxnSpPr>
-        <p:spPr>
-          <a:xfrm rot="10800000" flipV="1">
-            <a:off x="7126570" y="3760123"/>
-            <a:ext cx="2131265" cy="205814"/>
-          </a:xfrm>
-          <a:prstGeom prst="bentConnector3">
-            <a:avLst/>
-          </a:prstGeom>
-          <a:ln w="28575">
-            <a:solidFill>
-              <a:srgbClr val="FFC000"/>
-            </a:solidFill>
-            <a:tailEnd type="triangle"/>
-          </a:ln>
-        </p:spPr>
-        <p:style>
-          <a:lnRef idx="1">
-            <a:schemeClr val="accent1"/>
-          </a:lnRef>
-          <a:fillRef idx="0">
-            <a:schemeClr val="accent1"/>
-          </a:fillRef>
-          <a:effectRef idx="0">
-            <a:schemeClr val="accent1"/>
-          </a:effectRef>
-          <a:fontRef idx="minor">
-            <a:schemeClr val="tx1"/>
-          </a:fontRef>
-        </p:style>
-      </p:cxnSp>
-      <p:cxnSp>
-        <p:nvCxnSpPr>
-          <p:cNvPr id="308" name="连接符: 肘形 307">
-            <a:extLst>
-              <a:ext uri="{FF2B5EF4-FFF2-40B4-BE49-F238E27FC236}">
-                <a16:creationId xmlns:a16="http://schemas.microsoft.com/office/drawing/2014/main" id="{FB9A412F-21CD-1A72-481C-1D9A28C06A36}"/>
-              </a:ext>
-            </a:extLst>
-          </p:cNvPr>
-          <p:cNvCxnSpPr>
-            <a:cxnSpLocks/>
-            <a:stCxn id="57" idx="0"/>
-          </p:cNvCxnSpPr>
-          <p:nvPr/>
-        </p:nvCxnSpPr>
-        <p:spPr>
-          <a:xfrm rot="16200000" flipV="1">
-            <a:off x="9560897" y="1681872"/>
-            <a:ext cx="79931" cy="3623897"/>
-          </a:xfrm>
-          <a:prstGeom prst="bentConnector2">
-            <a:avLst/>
-          </a:prstGeom>
-          <a:ln w="28575">
-            <a:solidFill>
-              <a:srgbClr val="FFC000"/>
-            </a:solidFill>
-            <a:tailEnd type="triangle"/>
-          </a:ln>
-        </p:spPr>
-        <p:style>
-          <a:lnRef idx="1">
-            <a:schemeClr val="accent1"/>
-          </a:lnRef>
-          <a:fillRef idx="0">
-            <a:schemeClr val="accent1"/>
-          </a:fillRef>
-          <a:effectRef idx="0">
-            <a:schemeClr val="accent1"/>
-          </a:effectRef>
-          <a:fontRef idx="minor">
-            <a:schemeClr val="tx1"/>
-          </a:fontRef>
-        </p:style>
-      </p:cxnSp>
-      <p:cxnSp>
-        <p:nvCxnSpPr>
-          <p:cNvPr id="313" name="直接箭头连接符 312">
-            <a:extLst>
-              <a:ext uri="{FF2B5EF4-FFF2-40B4-BE49-F238E27FC236}">
-                <a16:creationId xmlns:a16="http://schemas.microsoft.com/office/drawing/2014/main" id="{07FAC0EC-45C5-471B-1BE5-0E0B04A27931}"/>
-              </a:ext>
-            </a:extLst>
-          </p:cNvPr>
-          <p:cNvCxnSpPr>
-            <a:cxnSpLocks/>
-            <a:stCxn id="31" idx="1"/>
-          </p:cNvCxnSpPr>
-          <p:nvPr/>
-        </p:nvCxnSpPr>
-        <p:spPr>
-          <a:xfrm flipH="1" flipV="1">
-            <a:off x="8075693" y="3129766"/>
-            <a:ext cx="1182141" cy="1"/>
-          </a:xfrm>
-          <a:prstGeom prst="straightConnector1">
-            <a:avLst/>
-          </a:prstGeom>
-          <a:ln w="28575">
-            <a:solidFill>
-              <a:srgbClr val="FFC000"/>
-            </a:solidFill>
-            <a:tailEnd type="triangle"/>
-          </a:ln>
-        </p:spPr>
-        <p:style>
-          <a:lnRef idx="1">
-            <a:schemeClr val="accent1"/>
-          </a:lnRef>
-          <a:fillRef idx="0">
-            <a:schemeClr val="accent1"/>
-          </a:fillRef>
-          <a:effectRef idx="0">
-            <a:schemeClr val="accent1"/>
-          </a:effectRef>
-          <a:fontRef idx="minor">
-            <a:schemeClr val="tx1"/>
-          </a:fontRef>
-        </p:style>
-      </p:cxnSp>
-      <p:cxnSp>
-        <p:nvCxnSpPr>
-          <p:cNvPr id="315" name="连接符: 肘形 314">
-            <a:extLst>
-              <a:ext uri="{FF2B5EF4-FFF2-40B4-BE49-F238E27FC236}">
-                <a16:creationId xmlns:a16="http://schemas.microsoft.com/office/drawing/2014/main" id="{716AA2C6-874C-97D6-2BD0-38588C83A8F1}"/>
-              </a:ext>
-            </a:extLst>
-          </p:cNvPr>
-          <p:cNvCxnSpPr>
-            <a:stCxn id="16" idx="0"/>
-          </p:cNvCxnSpPr>
-          <p:nvPr/>
-        </p:nvCxnSpPr>
-        <p:spPr>
-          <a:xfrm rot="16200000" flipV="1">
-            <a:off x="9999925" y="1646749"/>
-            <a:ext cx="57856" cy="2455505"/>
-          </a:xfrm>
-          <a:prstGeom prst="bentConnector2">
-            <a:avLst/>
-          </a:prstGeom>
-          <a:ln w="28575">
-            <a:solidFill>
-              <a:srgbClr val="FFC000"/>
-            </a:solidFill>
-            <a:headEnd type="none" w="med" len="med"/>
-            <a:tailEnd type="none" w="med" len="med"/>
-          </a:ln>
-        </p:spPr>
-        <p:style>
-          <a:lnRef idx="1">
-            <a:schemeClr val="accent1"/>
-          </a:lnRef>
-          <a:fillRef idx="0">
-            <a:schemeClr val="accent1"/>
-          </a:fillRef>
-          <a:effectRef idx="0">
-            <a:schemeClr val="accent1"/>
-          </a:effectRef>
-          <a:fontRef idx="minor">
-            <a:schemeClr val="tx1"/>
-          </a:fontRef>
-        </p:style>
-      </p:cxnSp>
-      <p:cxnSp>
-        <p:nvCxnSpPr>
-          <p:cNvPr id="320" name="直接箭头连接符 319">
-            <a:extLst>
-              <a:ext uri="{FF2B5EF4-FFF2-40B4-BE49-F238E27FC236}">
-                <a16:creationId xmlns:a16="http://schemas.microsoft.com/office/drawing/2014/main" id="{69C090F1-7CAD-524C-9C9A-39F80A7220E3}"/>
-              </a:ext>
-            </a:extLst>
-          </p:cNvPr>
-          <p:cNvCxnSpPr>
-            <a:cxnSpLocks/>
-          </p:cNvCxnSpPr>
-          <p:nvPr/>
-        </p:nvCxnSpPr>
-        <p:spPr>
-          <a:xfrm>
-            <a:off x="8807450" y="2839223"/>
-            <a:ext cx="0" cy="512641"/>
-          </a:xfrm>
-          <a:prstGeom prst="straightConnector1">
-            <a:avLst/>
-          </a:prstGeom>
-          <a:ln w="28575">
-            <a:solidFill>
-              <a:srgbClr val="FFC000"/>
-            </a:solidFill>
-            <a:tailEnd type="triangle"/>
-          </a:ln>
-        </p:spPr>
-        <p:style>
-          <a:lnRef idx="1">
-            <a:schemeClr val="accent1"/>
-          </a:lnRef>
-          <a:fillRef idx="0">
-            <a:schemeClr val="accent1"/>
-          </a:fillRef>
-          <a:effectRef idx="0">
-            <a:schemeClr val="accent1"/>
-          </a:effectRef>
-          <a:fontRef idx="minor">
-            <a:schemeClr val="tx1"/>
-          </a:fontRef>
-        </p:style>
-      </p:cxnSp>
-      <p:cxnSp>
-        <p:nvCxnSpPr>
-          <p:cNvPr id="323" name="连接符: 肘形 322">
-            <a:extLst>
-              <a:ext uri="{FF2B5EF4-FFF2-40B4-BE49-F238E27FC236}">
-                <a16:creationId xmlns:a16="http://schemas.microsoft.com/office/drawing/2014/main" id="{66A3D7C4-6E5A-0772-BF4E-FA0652523FB7}"/>
-              </a:ext>
-            </a:extLst>
-          </p:cNvPr>
-          <p:cNvCxnSpPr>
-            <a:stCxn id="18" idx="0"/>
-          </p:cNvCxnSpPr>
-          <p:nvPr/>
-        </p:nvCxnSpPr>
-        <p:spPr>
-          <a:xfrm rot="16200000" flipV="1">
-            <a:off x="9901748" y="998978"/>
-            <a:ext cx="68784" cy="2479407"/>
-          </a:xfrm>
-          <a:prstGeom prst="bentConnector2">
-            <a:avLst/>
-          </a:prstGeom>
-          <a:ln w="28575">
-            <a:solidFill>
-              <a:srgbClr val="FFC000"/>
-            </a:solidFill>
-            <a:headEnd type="none" w="med" len="med"/>
-            <a:tailEnd type="none" w="med" len="med"/>
-          </a:ln>
-        </p:spPr>
-        <p:style>
-          <a:lnRef idx="1">
-            <a:schemeClr val="accent1"/>
-          </a:lnRef>
-          <a:fillRef idx="0">
-            <a:schemeClr val="accent1"/>
-          </a:fillRef>
-          <a:effectRef idx="0">
-            <a:schemeClr val="accent1"/>
-          </a:effectRef>
-          <a:fontRef idx="minor">
-            <a:schemeClr val="tx1"/>
-          </a:fontRef>
-        </p:style>
-      </p:cxnSp>
-      <p:cxnSp>
-        <p:nvCxnSpPr>
-          <p:cNvPr id="325" name="连接符: 肘形 324">
-            <a:extLst>
-              <a:ext uri="{FF2B5EF4-FFF2-40B4-BE49-F238E27FC236}">
-                <a16:creationId xmlns:a16="http://schemas.microsoft.com/office/drawing/2014/main" id="{1AEF9C5E-0621-1B22-CE2C-F53CE898E44A}"/>
-              </a:ext>
-            </a:extLst>
-          </p:cNvPr>
-          <p:cNvCxnSpPr>
-            <a:cxnSpLocks/>
-            <a:stCxn id="21" idx="1"/>
-          </p:cNvCxnSpPr>
-          <p:nvPr/>
-        </p:nvCxnSpPr>
-        <p:spPr>
-          <a:xfrm rot="10800000" flipV="1">
-            <a:off x="7378788" y="1869054"/>
-            <a:ext cx="1879047" cy="522789"/>
-          </a:xfrm>
-          <a:prstGeom prst="bentConnector3">
-            <a:avLst/>
-          </a:prstGeom>
-          <a:ln w="28575">
-            <a:solidFill>
-              <a:srgbClr val="FFC000"/>
-            </a:solidFill>
-            <a:tailEnd type="triangle"/>
-          </a:ln>
-        </p:spPr>
-        <p:style>
-          <a:lnRef idx="1">
-            <a:schemeClr val="accent1"/>
-          </a:lnRef>
-          <a:fillRef idx="0">
-            <a:schemeClr val="accent1"/>
-          </a:fillRef>
-          <a:effectRef idx="0">
-            <a:schemeClr val="accent1"/>
-          </a:effectRef>
-          <a:fontRef idx="minor">
-            <a:schemeClr val="tx1"/>
-          </a:fontRef>
-        </p:style>
-      </p:cxnSp>
-      <p:cxnSp>
-        <p:nvCxnSpPr>
-          <p:cNvPr id="327" name="连接符: 肘形 326">
-            <a:extLst>
-              <a:ext uri="{FF2B5EF4-FFF2-40B4-BE49-F238E27FC236}">
-                <a16:creationId xmlns:a16="http://schemas.microsoft.com/office/drawing/2014/main" id="{68DEFD7D-FBE1-481E-1F2B-AD4A5092234B}"/>
-              </a:ext>
-            </a:extLst>
-          </p:cNvPr>
-          <p:cNvCxnSpPr>
-            <a:cxnSpLocks/>
-            <a:stCxn id="22" idx="0"/>
-          </p:cNvCxnSpPr>
-          <p:nvPr/>
-        </p:nvCxnSpPr>
-        <p:spPr>
-          <a:xfrm rot="16200000" flipV="1">
-            <a:off x="9361662" y="-147489"/>
-            <a:ext cx="93914" cy="3486500"/>
-          </a:xfrm>
-          <a:prstGeom prst="bentConnector2">
-            <a:avLst/>
-          </a:prstGeom>
-          <a:ln w="28575">
-            <a:solidFill>
-              <a:srgbClr val="FFC000"/>
-            </a:solidFill>
-            <a:headEnd type="none" w="med" len="med"/>
-            <a:tailEnd type="none" w="med" len="med"/>
-          </a:ln>
-        </p:spPr>
-        <p:style>
-          <a:lnRef idx="1">
-            <a:schemeClr val="accent1"/>
-          </a:lnRef>
-          <a:fillRef idx="0">
-            <a:schemeClr val="accent1"/>
-          </a:fillRef>
-          <a:effectRef idx="0">
-            <a:schemeClr val="accent1"/>
-          </a:effectRef>
-          <a:fontRef idx="minor">
-            <a:schemeClr val="tx1"/>
-          </a:fontRef>
-        </p:style>
-      </p:cxnSp>
-      <p:cxnSp>
-        <p:nvCxnSpPr>
-          <p:cNvPr id="329" name="连接符: 肘形 328">
-            <a:extLst>
-              <a:ext uri="{FF2B5EF4-FFF2-40B4-BE49-F238E27FC236}">
-                <a16:creationId xmlns:a16="http://schemas.microsoft.com/office/drawing/2014/main" id="{05FA43D5-E6F8-8267-9A18-1DDCE3D32B30}"/>
-              </a:ext>
-            </a:extLst>
-          </p:cNvPr>
-          <p:cNvCxnSpPr>
-            <a:cxnSpLocks/>
-            <a:stCxn id="51" idx="1"/>
-          </p:cNvCxnSpPr>
-          <p:nvPr/>
-        </p:nvCxnSpPr>
-        <p:spPr>
-          <a:xfrm rot="10800000" flipV="1">
-            <a:off x="7296970" y="1238699"/>
-            <a:ext cx="1960865" cy="155466"/>
-          </a:xfrm>
-          <a:prstGeom prst="bentConnector3">
-            <a:avLst/>
-          </a:prstGeom>
-          <a:ln w="28575">
-            <a:solidFill>
-              <a:srgbClr val="FFC000"/>
-            </a:solidFill>
-            <a:headEnd type="none" w="med" len="med"/>
-            <a:tailEnd type="none" w="med" len="med"/>
-          </a:ln>
-        </p:spPr>
-        <p:style>
-          <a:lnRef idx="1">
-            <a:schemeClr val="accent1"/>
-          </a:lnRef>
-          <a:fillRef idx="0">
-            <a:schemeClr val="accent1"/>
-          </a:fillRef>
-          <a:effectRef idx="0">
-            <a:schemeClr val="accent1"/>
-          </a:effectRef>
-          <a:fontRef idx="minor">
-            <a:schemeClr val="tx1"/>
-          </a:fontRef>
-        </p:style>
-      </p:cxnSp>
-      <p:cxnSp>
-        <p:nvCxnSpPr>
-          <p:cNvPr id="331" name="连接符: 肘形 330">
-            <a:extLst>
-              <a:ext uri="{FF2B5EF4-FFF2-40B4-BE49-F238E27FC236}">
-                <a16:creationId xmlns:a16="http://schemas.microsoft.com/office/drawing/2014/main" id="{945CAABF-0CA6-F935-65F1-0C51E407D721}"/>
-              </a:ext>
-            </a:extLst>
-          </p:cNvPr>
-          <p:cNvCxnSpPr>
-            <a:stCxn id="17" idx="0"/>
-          </p:cNvCxnSpPr>
-          <p:nvPr/>
-        </p:nvCxnSpPr>
-        <p:spPr>
-          <a:xfrm rot="16200000" flipV="1">
-            <a:off x="9627768" y="-783619"/>
-            <a:ext cx="76142" cy="3515820"/>
-          </a:xfrm>
-          <a:prstGeom prst="bentConnector2">
-            <a:avLst/>
-          </a:prstGeom>
-          <a:ln w="28575">
-            <a:solidFill>
-              <a:srgbClr val="FFC000"/>
-            </a:solidFill>
-            <a:headEnd type="none" w="med" len="med"/>
-            <a:tailEnd type="none" w="med" len="med"/>
-          </a:ln>
-        </p:spPr>
-        <p:style>
-          <a:lnRef idx="1">
-            <a:schemeClr val="accent1"/>
-          </a:lnRef>
-          <a:fillRef idx="0">
-            <a:schemeClr val="accent1"/>
-          </a:fillRef>
-          <a:effectRef idx="0">
-            <a:schemeClr val="accent1"/>
-          </a:effectRef>
-          <a:fontRef idx="minor">
-            <a:schemeClr val="tx1"/>
-          </a:fontRef>
-        </p:style>
-      </p:cxnSp>
-      <p:cxnSp>
-        <p:nvCxnSpPr>
-          <p:cNvPr id="332" name="直接箭头连接符 331">
-            <a:extLst>
-              <a:ext uri="{FF2B5EF4-FFF2-40B4-BE49-F238E27FC236}">
-                <a16:creationId xmlns:a16="http://schemas.microsoft.com/office/drawing/2014/main" id="{C5F95200-82CE-10AC-8695-3FF303341DB5}"/>
-              </a:ext>
-            </a:extLst>
-          </p:cNvPr>
-          <p:cNvCxnSpPr>
-            <a:cxnSpLocks/>
-          </p:cNvCxnSpPr>
-          <p:nvPr/>
-        </p:nvCxnSpPr>
-        <p:spPr>
-          <a:xfrm>
-            <a:off x="7895266" y="923522"/>
-            <a:ext cx="0" cy="315176"/>
-          </a:xfrm>
-          <a:prstGeom prst="straightConnector1">
-            <a:avLst/>
-          </a:prstGeom>
-          <a:ln w="28575">
-            <a:solidFill>
-              <a:srgbClr val="FFC000"/>
-            </a:solidFill>
-            <a:tailEnd type="triangle"/>
-          </a:ln>
-        </p:spPr>
-        <p:style>
-          <a:lnRef idx="1">
-            <a:schemeClr val="accent1"/>
-          </a:lnRef>
-          <a:fillRef idx="0">
-            <a:schemeClr val="accent1"/>
-          </a:fillRef>
-          <a:effectRef idx="0">
-            <a:schemeClr val="accent1"/>
-          </a:effectRef>
-          <a:fontRef idx="minor">
-            <a:schemeClr val="tx1"/>
-          </a:fontRef>
-        </p:style>
-      </p:cxnSp>
-      <p:cxnSp>
-        <p:nvCxnSpPr>
-          <p:cNvPr id="335" name="直接箭头连接符 334">
-            <a:extLst>
-              <a:ext uri="{FF2B5EF4-FFF2-40B4-BE49-F238E27FC236}">
-                <a16:creationId xmlns:a16="http://schemas.microsoft.com/office/drawing/2014/main" id="{63B1D98B-DB7A-1BFD-2CAB-AB470512E4BF}"/>
-              </a:ext>
-            </a:extLst>
-          </p:cNvPr>
-          <p:cNvCxnSpPr>
-            <a:cxnSpLocks/>
-          </p:cNvCxnSpPr>
-          <p:nvPr/>
-        </p:nvCxnSpPr>
-        <p:spPr>
-          <a:xfrm flipH="1">
-            <a:off x="7291539" y="1379145"/>
-            <a:ext cx="2216" cy="217627"/>
-          </a:xfrm>
-          <a:prstGeom prst="straightConnector1">
-            <a:avLst/>
-          </a:prstGeom>
-          <a:ln w="28575">
-            <a:solidFill>
-              <a:srgbClr val="FFC000"/>
-            </a:solidFill>
-            <a:tailEnd type="triangle"/>
-          </a:ln>
-        </p:spPr>
-        <p:style>
-          <a:lnRef idx="1">
-            <a:schemeClr val="accent1"/>
-          </a:lnRef>
-          <a:fillRef idx="0">
-            <a:schemeClr val="accent1"/>
-          </a:fillRef>
-          <a:effectRef idx="0">
-            <a:schemeClr val="accent1"/>
-          </a:effectRef>
-          <a:fontRef idx="minor">
-            <a:schemeClr val="tx1"/>
-          </a:fontRef>
-        </p:style>
-      </p:cxnSp>
-      <p:cxnSp>
-        <p:nvCxnSpPr>
-          <p:cNvPr id="339" name="直接箭头连接符 338">
-            <a:extLst>
-              <a:ext uri="{FF2B5EF4-FFF2-40B4-BE49-F238E27FC236}">
-                <a16:creationId xmlns:a16="http://schemas.microsoft.com/office/drawing/2014/main" id="{91D4A1D4-D374-7804-B333-8EC7F9495E77}"/>
-              </a:ext>
-            </a:extLst>
-          </p:cNvPr>
-          <p:cNvCxnSpPr>
-            <a:cxnSpLocks/>
-          </p:cNvCxnSpPr>
-          <p:nvPr/>
-        </p:nvCxnSpPr>
-        <p:spPr>
-          <a:xfrm>
-            <a:off x="7665369" y="1531144"/>
-            <a:ext cx="0" cy="651819"/>
-          </a:xfrm>
-          <a:prstGeom prst="straightConnector1">
-            <a:avLst/>
-          </a:prstGeom>
-          <a:ln w="28575">
-            <a:solidFill>
-              <a:srgbClr val="FFC000"/>
-            </a:solidFill>
-            <a:tailEnd type="triangle"/>
-          </a:ln>
-        </p:spPr>
-        <p:style>
-          <a:lnRef idx="1">
-            <a:schemeClr val="accent1"/>
-          </a:lnRef>
-          <a:fillRef idx="0">
-            <a:schemeClr val="accent1"/>
-          </a:fillRef>
-          <a:effectRef idx="0">
-            <a:schemeClr val="accent1"/>
-          </a:effectRef>
-          <a:fontRef idx="minor">
-            <a:schemeClr val="tx1"/>
-          </a:fontRef>
-        </p:style>
-      </p:cxnSp>
-      <p:cxnSp>
-        <p:nvCxnSpPr>
-          <p:cNvPr id="343" name="直接箭头连接符 342">
-            <a:extLst>
-              <a:ext uri="{FF2B5EF4-FFF2-40B4-BE49-F238E27FC236}">
-                <a16:creationId xmlns:a16="http://schemas.microsoft.com/office/drawing/2014/main" id="{61AB11DC-8BF5-9B19-CC40-B7E3EF5DED06}"/>
-              </a:ext>
-            </a:extLst>
-          </p:cNvPr>
-          <p:cNvCxnSpPr>
-            <a:cxnSpLocks/>
-          </p:cNvCxnSpPr>
-          <p:nvPr/>
-        </p:nvCxnSpPr>
-        <p:spPr>
-          <a:xfrm>
-            <a:off x="8687036" y="2185344"/>
-            <a:ext cx="0" cy="476894"/>
-          </a:xfrm>
-          <a:prstGeom prst="straightConnector1">
-            <a:avLst/>
-          </a:prstGeom>
-          <a:ln w="28575">
-            <a:solidFill>
-              <a:srgbClr val="FFC000"/>
-            </a:solidFill>
-            <a:tailEnd type="triangle"/>
-          </a:ln>
-        </p:spPr>
-        <p:style>
-          <a:lnRef idx="1">
-            <a:schemeClr val="accent1"/>
-          </a:lnRef>
-          <a:fillRef idx="0">
-            <a:schemeClr val="accent1"/>
-          </a:fillRef>
-          <a:effectRef idx="0">
-            <a:schemeClr val="accent1"/>
-          </a:effectRef>
-          <a:fontRef idx="minor">
-            <a:schemeClr val="tx1"/>
-          </a:fontRef>
-        </p:style>
-      </p:cxnSp>
-      <p:cxnSp>
-        <p:nvCxnSpPr>
-          <p:cNvPr id="347" name="连接符: 肘形 346">
-            <a:extLst>
-              <a:ext uri="{FF2B5EF4-FFF2-40B4-BE49-F238E27FC236}">
-                <a16:creationId xmlns:a16="http://schemas.microsoft.com/office/drawing/2014/main" id="{BD67D7EE-270E-B435-0212-88D76514619C}"/>
-              </a:ext>
-            </a:extLst>
-          </p:cNvPr>
-          <p:cNvCxnSpPr>
-            <a:cxnSpLocks/>
-            <a:stCxn id="23" idx="1"/>
-          </p:cNvCxnSpPr>
-          <p:nvPr/>
-        </p:nvCxnSpPr>
-        <p:spPr>
-          <a:xfrm rot="10800000" flipV="1">
-            <a:off x="7319964" y="2499411"/>
-            <a:ext cx="1937871" cy="272988"/>
-          </a:xfrm>
-          <a:prstGeom prst="bentConnector3">
-            <a:avLst>
-              <a:gd name="adj1" fmla="val 23458"/>
-            </a:avLst>
-          </a:prstGeom>
-          <a:ln w="28575">
-            <a:solidFill>
-              <a:srgbClr val="FFC000"/>
-            </a:solidFill>
-            <a:tailEnd type="triangle"/>
-          </a:ln>
-        </p:spPr>
-        <p:style>
-          <a:lnRef idx="1">
-            <a:schemeClr val="accent1"/>
-          </a:lnRef>
-          <a:fillRef idx="0">
-            <a:schemeClr val="accent1"/>
-          </a:fillRef>
-          <a:effectRef idx="0">
-            <a:schemeClr val="accent1"/>
-          </a:effectRef>
-          <a:fontRef idx="minor">
-            <a:schemeClr val="tx1"/>
-          </a:fontRef>
-        </p:style>
-      </p:cxnSp>
-      <p:cxnSp>
-        <p:nvCxnSpPr>
-          <p:cNvPr id="352" name="连接符: 肘形 351">
-            <a:extLst>
-              <a:ext uri="{FF2B5EF4-FFF2-40B4-BE49-F238E27FC236}">
-                <a16:creationId xmlns:a16="http://schemas.microsoft.com/office/drawing/2014/main" id="{9844727F-92D2-E8E3-F6A3-86728B3D682F}"/>
-              </a:ext>
-            </a:extLst>
-          </p:cNvPr>
-          <p:cNvCxnSpPr>
-            <a:cxnSpLocks/>
-            <a:stCxn id="53" idx="2"/>
-          </p:cNvCxnSpPr>
-          <p:nvPr/>
-        </p:nvCxnSpPr>
-        <p:spPr>
-          <a:xfrm rot="16200000" flipH="1">
-            <a:off x="2577737" y="205872"/>
-            <a:ext cx="184549" cy="1368445"/>
-          </a:xfrm>
-          <a:prstGeom prst="bentConnector2">
-            <a:avLst/>
-          </a:prstGeom>
-          <a:ln w="28575">
-            <a:solidFill>
-              <a:srgbClr val="FFC000"/>
-            </a:solidFill>
-            <a:headEnd type="none" w="med" len="med"/>
-            <a:tailEnd type="none" w="med" len="med"/>
-          </a:ln>
-        </p:spPr>
-        <p:style>
-          <a:lnRef idx="1">
-            <a:schemeClr val="accent1"/>
-          </a:lnRef>
-          <a:fillRef idx="0">
-            <a:schemeClr val="accent1"/>
-          </a:fillRef>
-          <a:effectRef idx="0">
-            <a:schemeClr val="accent1"/>
-          </a:effectRef>
-          <a:fontRef idx="minor">
-            <a:schemeClr val="tx1"/>
-          </a:fontRef>
-        </p:style>
-      </p:cxnSp>
-      <p:cxnSp>
-        <p:nvCxnSpPr>
-          <p:cNvPr id="354" name="直接箭头连接符 353">
-            <a:extLst>
-              <a:ext uri="{FF2B5EF4-FFF2-40B4-BE49-F238E27FC236}">
-                <a16:creationId xmlns:a16="http://schemas.microsoft.com/office/drawing/2014/main" id="{50938EFB-D07B-D629-4108-EBCF79FCA6B1}"/>
-              </a:ext>
-            </a:extLst>
-          </p:cNvPr>
-          <p:cNvCxnSpPr>
-            <a:cxnSpLocks/>
-          </p:cNvCxnSpPr>
-          <p:nvPr/>
-        </p:nvCxnSpPr>
-        <p:spPr>
-          <a:xfrm>
-            <a:off x="3350158" y="976326"/>
-            <a:ext cx="0" cy="283473"/>
-          </a:xfrm>
-          <a:prstGeom prst="straightConnector1">
-            <a:avLst/>
-          </a:prstGeom>
-          <a:ln w="28575">
-            <a:solidFill>
-              <a:srgbClr val="FFC000"/>
-            </a:solidFill>
-            <a:headEnd type="none" w="med" len="med"/>
-            <a:tailEnd type="none" w="med" len="med"/>
-          </a:ln>
-        </p:spPr>
-        <p:style>
-          <a:lnRef idx="1">
-            <a:schemeClr val="accent1"/>
-          </a:lnRef>
-          <a:fillRef idx="0">
-            <a:schemeClr val="accent1"/>
-          </a:fillRef>
-          <a:effectRef idx="0">
-            <a:schemeClr val="accent1"/>
-          </a:effectRef>
-          <a:fontRef idx="minor">
-            <a:schemeClr val="tx1"/>
-          </a:fontRef>
-        </p:style>
-      </p:cxnSp>
-      <p:cxnSp>
-        <p:nvCxnSpPr>
-          <p:cNvPr id="357" name="直接箭头连接符 356">
-            <a:extLst>
-              <a:ext uri="{FF2B5EF4-FFF2-40B4-BE49-F238E27FC236}">
-                <a16:creationId xmlns:a16="http://schemas.microsoft.com/office/drawing/2014/main" id="{779499FE-3D6C-FFF3-C694-A6E12C63907D}"/>
-              </a:ext>
-            </a:extLst>
-          </p:cNvPr>
-          <p:cNvCxnSpPr>
-            <a:cxnSpLocks/>
-          </p:cNvCxnSpPr>
-          <p:nvPr/>
-        </p:nvCxnSpPr>
-        <p:spPr>
-          <a:xfrm flipH="1">
-            <a:off x="3333417" y="1254308"/>
-            <a:ext cx="954463" cy="0"/>
-          </a:xfrm>
-          <a:prstGeom prst="straightConnector1">
-            <a:avLst/>
-          </a:prstGeom>
-          <a:ln w="28575">
-            <a:solidFill>
-              <a:srgbClr val="FFC000"/>
-            </a:solidFill>
-            <a:headEnd type="none" w="med" len="med"/>
-            <a:tailEnd type="none" w="med" len="med"/>
-          </a:ln>
-        </p:spPr>
-        <p:style>
-          <a:lnRef idx="1">
-            <a:schemeClr val="accent1"/>
-          </a:lnRef>
-          <a:fillRef idx="0">
-            <a:schemeClr val="accent1"/>
-          </a:fillRef>
-          <a:effectRef idx="0">
-            <a:schemeClr val="accent1"/>
-          </a:effectRef>
-          <a:fontRef idx="minor">
-            <a:schemeClr val="tx1"/>
-          </a:fontRef>
-        </p:style>
-      </p:cxnSp>
-      <p:cxnSp>
-        <p:nvCxnSpPr>
-          <p:cNvPr id="360" name="直接箭头连接符 359">
-            <a:extLst>
-              <a:ext uri="{FF2B5EF4-FFF2-40B4-BE49-F238E27FC236}">
-                <a16:creationId xmlns:a16="http://schemas.microsoft.com/office/drawing/2014/main" id="{E4ADFF93-1AF7-FAE9-F500-695E257A93FA}"/>
-              </a:ext>
-            </a:extLst>
-          </p:cNvPr>
-          <p:cNvCxnSpPr>
-            <a:cxnSpLocks/>
-          </p:cNvCxnSpPr>
-          <p:nvPr/>
-        </p:nvCxnSpPr>
-        <p:spPr>
-          <a:xfrm>
-            <a:off x="4283117" y="1238698"/>
-            <a:ext cx="0" cy="512919"/>
-          </a:xfrm>
-          <a:prstGeom prst="straightConnector1">
-            <a:avLst/>
-          </a:prstGeom>
-          <a:ln w="28575">
-            <a:solidFill>
-              <a:srgbClr val="FFC000"/>
-            </a:solidFill>
-            <a:headEnd type="none" w="med" len="med"/>
-            <a:tailEnd type="triangle" w="med" len="med"/>
-          </a:ln>
-        </p:spPr>
-        <p:style>
-          <a:lnRef idx="1">
-            <a:schemeClr val="accent1"/>
-          </a:lnRef>
-          <a:fillRef idx="0">
-            <a:schemeClr val="accent1"/>
-          </a:fillRef>
-          <a:effectRef idx="0">
-            <a:schemeClr val="accent1"/>
-          </a:effectRef>
-          <a:fontRef idx="minor">
-            <a:schemeClr val="tx1"/>
-          </a:fontRef>
-        </p:style>
-      </p:cxnSp>
-    </p:spTree>
-    <p:extLst>
-      <p:ext uri="{BB962C8B-B14F-4D97-AF65-F5344CB8AC3E}">
-        <p14:creationId xmlns:p14="http://schemas.microsoft.com/office/powerpoint/2010/main" val="3986110498"/>
-      </p:ext>
-    </p:extLst>
-  </p:cSld>
-  <p:clrMapOvr>
-    <a:masterClrMapping/>
-  </p:clrMapOvr>
-</p:sld>
-</file>
-
 <file path=ppt/theme/theme1.xml><?xml version="1.0" encoding="utf-8"?>
 <a:theme xmlns:a="http://schemas.openxmlformats.org/drawingml/2006/main" name="Office 主题​​">
   <a:themeElements>
